--- a/docs/Richards2D.pptx
+++ b/docs/Richards2D.pptx
@@ -5,7 +5,7 @@
     <p:sldMasterId id="2147483648" r:id="rId1"/>
   </p:sldMasterIdLst>
   <p:notesMasterIdLst>
-    <p:notesMasterId r:id="rId21"/>
+    <p:notesMasterId r:id="rId26"/>
   </p:notesMasterIdLst>
   <p:sldIdLst>
     <p:sldId id="306" r:id="rId2"/>
@@ -16,17 +16,22 @@
     <p:sldId id="319" r:id="rId7"/>
     <p:sldId id="318" r:id="rId8"/>
     <p:sldId id="320" r:id="rId9"/>
-    <p:sldId id="321" r:id="rId10"/>
-    <p:sldId id="322" r:id="rId11"/>
-    <p:sldId id="326" r:id="rId12"/>
-    <p:sldId id="327" r:id="rId13"/>
-    <p:sldId id="323" r:id="rId14"/>
-    <p:sldId id="330" r:id="rId15"/>
-    <p:sldId id="329" r:id="rId16"/>
-    <p:sldId id="324" r:id="rId17"/>
-    <p:sldId id="325" r:id="rId18"/>
-    <p:sldId id="328" r:id="rId19"/>
-    <p:sldId id="297" r:id="rId20"/>
+    <p:sldId id="331" r:id="rId10"/>
+    <p:sldId id="321" r:id="rId11"/>
+    <p:sldId id="322" r:id="rId12"/>
+    <p:sldId id="326" r:id="rId13"/>
+    <p:sldId id="327" r:id="rId14"/>
+    <p:sldId id="323" r:id="rId15"/>
+    <p:sldId id="330" r:id="rId16"/>
+    <p:sldId id="332" r:id="rId17"/>
+    <p:sldId id="333" r:id="rId18"/>
+    <p:sldId id="329" r:id="rId19"/>
+    <p:sldId id="324" r:id="rId20"/>
+    <p:sldId id="325" r:id="rId21"/>
+    <p:sldId id="334" r:id="rId22"/>
+    <p:sldId id="336" r:id="rId23"/>
+    <p:sldId id="335" r:id="rId24"/>
+    <p:sldId id="297" r:id="rId25"/>
   </p:sldIdLst>
   <p:sldSz cx="9144000" cy="6858000" type="screen4x3"/>
   <p:notesSz cx="6858000" cy="9144000"/>
@@ -964,7 +969,7 @@
           </a:ln>
           <a:extLst>
             <a:ext uri="{C572A759-6A51-4108-AA02-DFA0A04FC94B}">
-              <ma14:wrappingTextBoxFlag xmlns="" xmlns:ma14="http://schemas.microsoft.com/office/mac/drawingml/2011/main" val="1"/>
+              <ma14:wrappingTextBoxFlag xmlns:ma14="http://schemas.microsoft.com/office/mac/drawingml/2011/main" xmlns="" val="1"/>
             </a:ext>
           </a:extLst>
         </p:spPr>
@@ -2502,7 +2507,7 @@
           </a:ln>
           <a:extLst>
             <a:ext uri="{C572A759-6A51-4108-AA02-DFA0A04FC94B}">
-              <ma14:wrappingTextBoxFlag xmlns="" xmlns:ma14="http://schemas.microsoft.com/office/mac/drawingml/2011/main" val="1"/>
+              <ma14:wrappingTextBoxFlag xmlns:ma14="http://schemas.microsoft.com/office/mac/drawingml/2011/main" xmlns="" val="1"/>
             </a:ext>
           </a:extLst>
         </p:spPr>
@@ -2541,7 +2546,7 @@
           </a:ln>
           <a:extLst>
             <a:ext uri="{C572A759-6A51-4108-AA02-DFA0A04FC94B}">
-              <ma14:wrappingTextBoxFlag xmlns="" xmlns:ma14="http://schemas.microsoft.com/office/mac/drawingml/2011/main" val="1"/>
+              <ma14:wrappingTextBoxFlag xmlns:ma14="http://schemas.microsoft.com/office/mac/drawingml/2011/main" xmlns="" val="1"/>
             </a:ext>
           </a:extLst>
         </p:spPr>
@@ -3472,7 +3477,7 @@
           </a:ln>
           <a:extLst>
             <a:ext uri="{C572A759-6A51-4108-AA02-DFA0A04FC94B}">
-              <ma14:wrappingTextBoxFlag xmlns="" xmlns:ma14="http://schemas.microsoft.com/office/mac/drawingml/2011/main" val="1"/>
+              <ma14:wrappingTextBoxFlag xmlns:ma14="http://schemas.microsoft.com/office/mac/drawingml/2011/main" xmlns="" val="1"/>
             </a:ext>
           </a:extLst>
         </p:spPr>
@@ -3573,7 +3578,7 @@
           </a:ln>
           <a:extLst>
             <a:ext uri="{C572A759-6A51-4108-AA02-DFA0A04FC94B}">
-              <ma14:wrappingTextBoxFlag xmlns="" xmlns:ma14="http://schemas.microsoft.com/office/mac/drawingml/2011/main" val="1"/>
+              <ma14:wrappingTextBoxFlag xmlns:ma14="http://schemas.microsoft.com/office/mac/drawingml/2011/main" xmlns="" val="1"/>
             </a:ext>
           </a:extLst>
         </p:spPr>
@@ -3661,7 +3666,7 @@
           </a:ln>
           <a:extLst>
             <a:ext uri="{C572A759-6A51-4108-AA02-DFA0A04FC94B}">
-              <ma14:wrappingTextBoxFlag xmlns="" xmlns:ma14="http://schemas.microsoft.com/office/mac/drawingml/2011/main" val="1"/>
+              <ma14:wrappingTextBoxFlag xmlns:ma14="http://schemas.microsoft.com/office/mac/drawingml/2011/main" xmlns="" val="1"/>
             </a:ext>
           </a:extLst>
         </p:spPr>
@@ -3735,7 +3740,7 @@
           </a:ln>
           <a:extLst>
             <a:ext uri="{C572A759-6A51-4108-AA02-DFA0A04FC94B}">
-              <ma14:wrappingTextBoxFlag xmlns="" xmlns:ma14="http://schemas.microsoft.com/office/mac/drawingml/2011/main" val="1"/>
+              <ma14:wrappingTextBoxFlag xmlns:ma14="http://schemas.microsoft.com/office/mac/drawingml/2011/main" xmlns="" val="1"/>
             </a:ext>
           </a:extLst>
         </p:spPr>
@@ -3810,7 +3815,7 @@
           </a:ln>
           <a:extLst>
             <a:ext uri="{C572A759-6A51-4108-AA02-DFA0A04FC94B}">
-              <ma14:wrappingTextBoxFlag xmlns="" xmlns:ma14="http://schemas.microsoft.com/office/mac/drawingml/2011/main" val="1"/>
+              <ma14:wrappingTextBoxFlag xmlns:ma14="http://schemas.microsoft.com/office/mac/drawingml/2011/main" xmlns="" val="1"/>
             </a:ext>
           </a:extLst>
         </p:spPr>
@@ -3867,7 +3872,7 @@
         <p:spPr>
           <a:xfrm>
             <a:off x="-1" y="352597"/>
-            <a:ext cx="8925887" cy="589072"/>
+            <a:ext cx="8925887" cy="4467057"/>
           </a:xfrm>
           <a:prstGeom prst="rect">
             <a:avLst/>
@@ -3877,7 +3882,7 @@
           </a:ln>
           <a:extLst>
             <a:ext uri="{C572A759-6A51-4108-AA02-DFA0A04FC94B}">
-              <ma14:wrappingTextBoxFlag xmlns="" xmlns:ma14="http://schemas.microsoft.com/office/mac/drawingml/2011/main" val="1"/>
+              <ma14:wrappingTextBoxFlag xmlns:ma14="http://schemas.microsoft.com/office/mac/drawingml/2011/main" xmlns="" val="1"/>
             </a:ext>
           </a:extLst>
         </p:spPr>
@@ -3886,6 +3891,312 @@
             <a:spAutoFit/>
           </a:bodyPr>
           <a:lstStyle/>
+          <a:p>
+            <a:pPr marL="168275" algn="just">
+              <a:lnSpc>
+                <a:spcPct val="150000"/>
+              </a:lnSpc>
+              <a:tabLst>
+                <a:tab pos="8740775" algn="l"/>
+              </a:tabLst>
+              <a:defRPr sz="2400"/>
+            </a:pPr>
+            <a:r>
+              <a:rPr lang="en-US" dirty="0"/>
+              <a:t>Per </a:t>
+            </a:r>
+            <a:r>
+              <a:rPr lang="en-US" dirty="0" err="1"/>
+              <a:t>definire</a:t>
+            </a:r>
+            <a:r>
+              <a:rPr lang="en-US" dirty="0"/>
+              <a:t> tipi di </a:t>
+            </a:r>
+            <a:r>
+              <a:rPr lang="en-US" dirty="0" err="1"/>
+              <a:t>suolo</a:t>
+            </a:r>
+            <a:r>
+              <a:rPr lang="en-US" dirty="0"/>
+              <a:t> </a:t>
+            </a:r>
+            <a:r>
+              <a:rPr lang="en-US" dirty="0" err="1"/>
+              <a:t>diversi</a:t>
+            </a:r>
+            <a:r>
+              <a:rPr lang="en-US" dirty="0"/>
+              <a:t> è possible </a:t>
+            </a:r>
+            <a:r>
+              <a:rPr lang="en-US" dirty="0" err="1"/>
+              <a:t>associare</a:t>
+            </a:r>
+            <a:r>
+              <a:rPr lang="en-US" dirty="0"/>
+              <a:t> </a:t>
+            </a:r>
+            <a:r>
+              <a:rPr lang="en-US" dirty="0" err="1"/>
+              <a:t>agli</a:t>
+            </a:r>
+            <a:r>
+              <a:rPr lang="en-US" dirty="0"/>
+              <a:t> </a:t>
+            </a:r>
+            <a:r>
+              <a:rPr lang="en-US" dirty="0" err="1"/>
+              <a:t>elementi</a:t>
+            </a:r>
+            <a:r>
+              <a:rPr lang="en-US" dirty="0"/>
+              <a:t> </a:t>
+            </a:r>
+            <a:r>
+              <a:rPr lang="en-US" dirty="0" err="1"/>
+              <a:t>della</a:t>
+            </a:r>
+            <a:r>
+              <a:rPr lang="en-US" dirty="0"/>
+              <a:t> </a:t>
+            </a:r>
+            <a:r>
+              <a:rPr lang="en-US" dirty="0" err="1"/>
+              <a:t>griglia</a:t>
+            </a:r>
+            <a:r>
+              <a:rPr lang="en-US" dirty="0"/>
+              <a:t> un label, in modo del </a:t>
+            </a:r>
+            <a:r>
+              <a:rPr lang="en-US" dirty="0" err="1"/>
+              <a:t>tutto</a:t>
+            </a:r>
+            <a:r>
+              <a:rPr lang="en-US" dirty="0"/>
+              <a:t> simile a </a:t>
+            </a:r>
+            <a:r>
+              <a:rPr lang="en-US" dirty="0" err="1"/>
+              <a:t>quanto</a:t>
+            </a:r>
+            <a:r>
+              <a:rPr lang="en-US" dirty="0"/>
+              <a:t> </a:t>
+            </a:r>
+            <a:r>
+              <a:rPr lang="en-US" dirty="0" err="1"/>
+              <a:t>viene</a:t>
+            </a:r>
+            <a:r>
+              <a:rPr lang="en-US" dirty="0"/>
+              <a:t> </a:t>
+            </a:r>
+            <a:r>
+              <a:rPr lang="en-US" dirty="0" err="1"/>
+              <a:t>fatto</a:t>
+            </a:r>
+            <a:r>
+              <a:rPr lang="en-US" dirty="0"/>
+              <a:t> per </a:t>
+            </a:r>
+            <a:r>
+              <a:rPr lang="en-US" dirty="0" err="1"/>
+              <a:t>i</a:t>
+            </a:r>
+            <a:r>
+              <a:rPr lang="en-US" dirty="0"/>
+              <a:t> </a:t>
+            </a:r>
+            <a:r>
+              <a:rPr lang="en-US" dirty="0" err="1"/>
+              <a:t>bordi</a:t>
+            </a:r>
+            <a:r>
+              <a:rPr lang="en-US" dirty="0"/>
+              <a:t> del </a:t>
+            </a:r>
+            <a:r>
+              <a:rPr lang="en-US" dirty="0" err="1"/>
+              <a:t>dominio</a:t>
+            </a:r>
+            <a:r>
+              <a:rPr lang="en-US" dirty="0"/>
+              <a:t> con le </a:t>
+            </a:r>
+            <a:r>
+              <a:rPr lang="en-US" dirty="0" err="1"/>
+              <a:t>condizioni</a:t>
+            </a:r>
+            <a:r>
+              <a:rPr lang="en-US" dirty="0"/>
+              <a:t> al </a:t>
+            </a:r>
+            <a:r>
+              <a:rPr lang="en-US" dirty="0" err="1"/>
+              <a:t>contorno</a:t>
+            </a:r>
+            <a:r>
+              <a:rPr lang="en-US" dirty="0"/>
+              <a:t>.</a:t>
+            </a:r>
+          </a:p>
+          <a:p>
+            <a:pPr marL="168275" algn="just">
+              <a:lnSpc>
+                <a:spcPct val="150000"/>
+              </a:lnSpc>
+              <a:tabLst>
+                <a:tab pos="8740775" algn="l"/>
+              </a:tabLst>
+              <a:defRPr sz="2400"/>
+            </a:pPr>
+            <a:endParaRPr lang="en-US" dirty="0"/>
+          </a:p>
+          <a:p>
+            <a:pPr marL="168275" algn="just">
+              <a:lnSpc>
+                <a:spcPct val="150000"/>
+              </a:lnSpc>
+              <a:tabLst>
+                <a:tab pos="8740775" algn="l"/>
+              </a:tabLst>
+              <a:defRPr sz="2400"/>
+            </a:pPr>
+            <a:r>
+              <a:rPr lang="en-US" dirty="0"/>
+              <a:t>In </a:t>
+            </a:r>
+            <a:r>
+              <a:rPr lang="en-US" dirty="0" err="1"/>
+              <a:t>questo</a:t>
+            </a:r>
+            <a:r>
+              <a:rPr lang="en-US" dirty="0"/>
+              <a:t> </a:t>
+            </a:r>
+            <a:r>
+              <a:rPr lang="en-US" dirty="0" err="1"/>
+              <a:t>caso</a:t>
+            </a:r>
+            <a:r>
+              <a:rPr lang="en-US" dirty="0"/>
+              <a:t> la </a:t>
+            </a:r>
+            <a:r>
+              <a:rPr lang="en-US" dirty="0" err="1"/>
+              <a:t>definizione</a:t>
+            </a:r>
+            <a:r>
+              <a:rPr lang="en-US" dirty="0"/>
+              <a:t> </a:t>
+            </a:r>
+            <a:r>
+              <a:rPr lang="en-US" dirty="0" err="1"/>
+              <a:t>dei</a:t>
+            </a:r>
+            <a:r>
+              <a:rPr lang="en-US" dirty="0"/>
+              <a:t> label </a:t>
+            </a:r>
+            <a:r>
+              <a:rPr lang="en-US" dirty="0" err="1"/>
+              <a:t>deve</a:t>
+            </a:r>
+            <a:r>
+              <a:rPr lang="en-US" dirty="0"/>
+              <a:t> </a:t>
+            </a:r>
+            <a:r>
+              <a:rPr lang="en-US" dirty="0" err="1"/>
+              <a:t>necessariamente</a:t>
+            </a:r>
+            <a:r>
+              <a:rPr lang="en-US" dirty="0"/>
+              <a:t> </a:t>
+            </a:r>
+            <a:r>
+              <a:rPr lang="en-US" dirty="0" err="1"/>
+              <a:t>iniziare</a:t>
+            </a:r>
+            <a:r>
+              <a:rPr lang="en-US" dirty="0"/>
+              <a:t> da 0 e </a:t>
+            </a:r>
+            <a:r>
+              <a:rPr lang="en-US" dirty="0" err="1"/>
+              <a:t>procedere</a:t>
+            </a:r>
+            <a:r>
+              <a:rPr lang="en-US" dirty="0"/>
+              <a:t> in modo </a:t>
+            </a:r>
+            <a:r>
+              <a:rPr lang="en-US" dirty="0" err="1"/>
+              <a:t>consecutivo</a:t>
+            </a:r>
+            <a:r>
+              <a:rPr lang="en-US" dirty="0"/>
+              <a:t>. Ad </a:t>
+            </a:r>
+            <a:r>
+              <a:rPr lang="en-US" dirty="0" err="1"/>
+              <a:t>esempio</a:t>
+            </a:r>
+            <a:r>
+              <a:rPr lang="en-US" dirty="0"/>
+              <a:t> </a:t>
+            </a:r>
+            <a:r>
+              <a:rPr lang="en-US" dirty="0" err="1"/>
+              <a:t>nel</a:t>
+            </a:r>
+            <a:r>
+              <a:rPr lang="en-US" dirty="0"/>
+              <a:t> </a:t>
+            </a:r>
+            <a:r>
+              <a:rPr lang="en-US" dirty="0" err="1"/>
+              <a:t>caso</a:t>
+            </a:r>
+            <a:r>
+              <a:rPr lang="en-US" dirty="0"/>
+              <a:t> </a:t>
+            </a:r>
+            <a:r>
+              <a:rPr lang="en-US" dirty="0" err="1"/>
+              <a:t>si</a:t>
+            </a:r>
+            <a:r>
+              <a:rPr lang="en-US" dirty="0"/>
+              <a:t> </a:t>
+            </a:r>
+            <a:r>
+              <a:rPr lang="en-US" dirty="0" err="1"/>
+              <a:t>avessero</a:t>
+            </a:r>
+            <a:r>
+              <a:rPr lang="en-US" dirty="0"/>
+              <a:t> </a:t>
+            </a:r>
+            <a:r>
+              <a:rPr lang="en-US" dirty="0" err="1"/>
+              <a:t>tre</a:t>
+            </a:r>
+            <a:r>
+              <a:rPr lang="en-US" dirty="0"/>
+              <a:t> tipi di </a:t>
+            </a:r>
+            <a:r>
+              <a:rPr lang="en-US" dirty="0" err="1"/>
+              <a:t>suolo</a:t>
+            </a:r>
+            <a:r>
+              <a:rPr lang="en-US" dirty="0"/>
+              <a:t>: 0,1,2.</a:t>
+            </a:r>
+          </a:p>
           <a:p>
             <a:pPr marL="168275" algn="just">
               <a:lnSpc>
@@ -3900,438 +4211,10 @@
           </a:p>
         </p:txBody>
       </p:sp>
-      <p:pic>
-        <p:nvPicPr>
-          <p:cNvPr id="3" name="Picture 2" descr="A screenshot of a social media post&#10;&#10;Description automatically generated">
-            <a:extLst>
-              <a:ext uri="{FF2B5EF4-FFF2-40B4-BE49-F238E27FC236}">
-                <a16:creationId xmlns:a16="http://schemas.microsoft.com/office/drawing/2014/main" id="{CE03A5E2-752F-4759-94A4-6EDE88EEF904}"/>
-              </a:ext>
-            </a:extLst>
-          </p:cNvPr>
-          <p:cNvPicPr>
-            <a:picLocks noChangeAspect="1"/>
-          </p:cNvPicPr>
-          <p:nvPr/>
-        </p:nvPicPr>
-        <p:blipFill>
-          <a:blip r:embed="rId2">
-            <a:extLst>
-              <a:ext uri="{28A0092B-C50C-407E-A947-70E740481C1C}">
-                <a14:useLocalDpi xmlns:a14="http://schemas.microsoft.com/office/drawing/2010/main" val="0"/>
-              </a:ext>
-            </a:extLst>
-          </a:blip>
-          <a:stretch>
-            <a:fillRect/>
-          </a:stretch>
-        </p:blipFill>
-        <p:spPr>
-          <a:xfrm>
-            <a:off x="0" y="323419"/>
-            <a:ext cx="9144001" cy="3658968"/>
-          </a:xfrm>
-          <a:prstGeom prst="rect">
-            <a:avLst/>
-          </a:prstGeom>
-        </p:spPr>
-      </p:pic>
-      <p:sp>
-        <p:nvSpPr>
-          <p:cNvPr id="7" name="TextBox 1 1">
-            <a:extLst>
-              <a:ext uri="{FF2B5EF4-FFF2-40B4-BE49-F238E27FC236}">
-                <a16:creationId xmlns:a16="http://schemas.microsoft.com/office/drawing/2014/main" id="{88209908-269A-402B-A32D-597414AD151A}"/>
-              </a:ext>
-            </a:extLst>
-          </p:cNvPr>
-          <p:cNvSpPr txBox="1"/>
-          <p:nvPr/>
-        </p:nvSpPr>
-        <p:spPr>
-          <a:xfrm>
-            <a:off x="-2" y="4113333"/>
-            <a:ext cx="8925887" cy="2251065"/>
-          </a:xfrm>
-          <a:prstGeom prst="rect">
-            <a:avLst/>
-          </a:prstGeom>
-          <a:ln w="12700">
-            <a:miter lim="400000"/>
-          </a:ln>
-          <a:extLst>
-            <a:ext uri="{C572A759-6A51-4108-AA02-DFA0A04FC94B}">
-              <ma14:wrappingTextBoxFlag xmlns="" xmlns:ma14="http://schemas.microsoft.com/office/mac/drawingml/2011/main" val="1"/>
-            </a:ext>
-          </a:extLst>
-        </p:spPr>
-        <p:txBody>
-          <a:bodyPr wrap="square" lIns="45719" rIns="45719">
-            <a:spAutoFit/>
-          </a:bodyPr>
-          <a:lstStyle/>
-          <a:p>
-            <a:pPr marL="168275" algn="just">
-              <a:lnSpc>
-                <a:spcPct val="150000"/>
-              </a:lnSpc>
-              <a:tabLst>
-                <a:tab pos="8740775" algn="l"/>
-              </a:tabLst>
-              <a:defRPr sz="2400"/>
-            </a:pPr>
-            <a:r>
-              <a:rPr lang="en-US" dirty="0" err="1"/>
-              <a:t>Quando</a:t>
-            </a:r>
-            <a:r>
-              <a:rPr lang="en-US" dirty="0"/>
-              <a:t> </a:t>
-            </a:r>
-            <a:r>
-              <a:rPr lang="en-US" dirty="0" err="1"/>
-              <a:t>si</a:t>
-            </a:r>
-            <a:r>
-              <a:rPr lang="en-US" dirty="0"/>
-              <a:t> </a:t>
-            </a:r>
-            <a:r>
-              <a:rPr lang="en-US" dirty="0" err="1"/>
-              <a:t>creano</a:t>
-            </a:r>
-            <a:r>
-              <a:rPr lang="en-US" dirty="0"/>
-              <a:t> </a:t>
-            </a:r>
-            <a:r>
-              <a:rPr lang="en-US" dirty="0" err="1"/>
-              <a:t>dei</a:t>
-            </a:r>
-            <a:r>
-              <a:rPr lang="en-US" dirty="0"/>
-              <a:t> </a:t>
-            </a:r>
-            <a:r>
-              <a:rPr lang="en-US" dirty="0" err="1"/>
-              <a:t>sottodomini</a:t>
-            </a:r>
-            <a:r>
-              <a:rPr lang="en-US" dirty="0"/>
-              <a:t>, Free Fem </a:t>
-            </a:r>
-            <a:r>
-              <a:rPr lang="en-US" dirty="0" err="1"/>
-              <a:t>assegna</a:t>
-            </a:r>
-            <a:r>
-              <a:rPr lang="en-US" dirty="0"/>
-              <a:t> in modo </a:t>
-            </a:r>
-            <a:r>
-              <a:rPr lang="en-US" dirty="0" err="1"/>
-              <a:t>automatico</a:t>
-            </a:r>
-            <a:r>
-              <a:rPr lang="en-US" dirty="0"/>
-              <a:t> un label </a:t>
-            </a:r>
-            <a:r>
-              <a:rPr lang="en-US" dirty="0" err="1"/>
-              <a:t>diverso</a:t>
-            </a:r>
-            <a:r>
-              <a:rPr lang="en-US" dirty="0"/>
-              <a:t> </a:t>
-            </a:r>
-            <a:r>
-              <a:rPr lang="en-US" dirty="0" err="1"/>
-              <a:t>agli</a:t>
-            </a:r>
-            <a:r>
-              <a:rPr lang="en-US" dirty="0"/>
-              <a:t> </a:t>
-            </a:r>
-            <a:r>
-              <a:rPr lang="en-US" dirty="0" err="1"/>
-              <a:t>elementi</a:t>
-            </a:r>
-            <a:r>
-              <a:rPr lang="en-US" dirty="0"/>
-              <a:t> </a:t>
-            </a:r>
-            <a:r>
-              <a:rPr lang="en-US" dirty="0" err="1"/>
-              <a:t>della</a:t>
-            </a:r>
-            <a:r>
-              <a:rPr lang="en-US" dirty="0"/>
-              <a:t> </a:t>
-            </a:r>
-            <a:r>
-              <a:rPr lang="en-US" dirty="0" err="1"/>
-              <a:t>griglia</a:t>
-            </a:r>
-            <a:r>
-              <a:rPr lang="en-US" dirty="0"/>
-              <a:t> (in </a:t>
-            </a:r>
-            <a:r>
-              <a:rPr lang="en-US" dirty="0" err="1"/>
-              <a:t>questo</a:t>
-            </a:r>
-            <a:r>
-              <a:rPr lang="en-US" dirty="0"/>
-              <a:t> </a:t>
-            </a:r>
-            <a:r>
-              <a:rPr lang="en-US" dirty="0" err="1"/>
-              <a:t>caso</a:t>
-            </a:r>
-            <a:r>
-              <a:rPr lang="en-US" dirty="0"/>
-              <a:t> 0 e 3). Con </a:t>
-            </a:r>
-            <a:r>
-              <a:rPr lang="en-US" dirty="0" err="1"/>
-              <a:t>il</a:t>
-            </a:r>
-            <a:r>
-              <a:rPr lang="en-US" dirty="0"/>
-              <a:t> </a:t>
-            </a:r>
-            <a:r>
-              <a:rPr lang="en-US" dirty="0" err="1"/>
-              <a:t>comando</a:t>
-            </a:r>
-            <a:r>
-              <a:rPr lang="en-US" dirty="0"/>
-              <a:t> change </a:t>
-            </a:r>
-            <a:r>
-              <a:rPr lang="it-IT" dirty="0"/>
-              <a:t>è possibile cambiare questi valori.</a:t>
-            </a:r>
-            <a:endParaRPr lang="en-US" dirty="0"/>
-          </a:p>
-          <a:p>
-            <a:pPr marL="168275" algn="just">
-              <a:lnSpc>
-                <a:spcPct val="150000"/>
-              </a:lnSpc>
-              <a:tabLst>
-                <a:tab pos="8740775" algn="l"/>
-              </a:tabLst>
-              <a:defRPr sz="2400"/>
-            </a:pPr>
-            <a:endParaRPr lang="it-IT" dirty="0"/>
-          </a:p>
-        </p:txBody>
-      </p:sp>
-      <p:pic>
-        <p:nvPicPr>
-          <p:cNvPr id="8" name="Picture 7" descr="A picture containing building, shoji&#10;&#10;Description automatically generated">
-            <a:extLst>
-              <a:ext uri="{FF2B5EF4-FFF2-40B4-BE49-F238E27FC236}">
-                <a16:creationId xmlns:a16="http://schemas.microsoft.com/office/drawing/2014/main" id="{5E8BF30B-201B-4561-BE6E-6ACBDD2B4124}"/>
-              </a:ext>
-            </a:extLst>
-          </p:cNvPr>
-          <p:cNvPicPr>
-            <a:picLocks noChangeAspect="1"/>
-          </p:cNvPicPr>
-          <p:nvPr/>
-        </p:nvPicPr>
-        <p:blipFill>
-          <a:blip r:embed="rId3" cstate="print">
-            <a:extLst>
-              <a:ext uri="{28A0092B-C50C-407E-A947-70E740481C1C}">
-                <a14:useLocalDpi xmlns:a14="http://schemas.microsoft.com/office/drawing/2010/main" val="0"/>
-              </a:ext>
-            </a:extLst>
-          </a:blip>
-          <a:stretch>
-            <a:fillRect/>
-          </a:stretch>
-        </p:blipFill>
-        <p:spPr>
-          <a:xfrm>
-            <a:off x="6448148" y="323419"/>
-            <a:ext cx="1651826" cy="1639536"/>
-          </a:xfrm>
-          <a:prstGeom prst="rect">
-            <a:avLst/>
-          </a:prstGeom>
-        </p:spPr>
-      </p:pic>
-      <p:sp>
-        <p:nvSpPr>
-          <p:cNvPr id="9" name="TextBox 8">
-            <a:extLst>
-              <a:ext uri="{FF2B5EF4-FFF2-40B4-BE49-F238E27FC236}">
-                <a16:creationId xmlns:a16="http://schemas.microsoft.com/office/drawing/2014/main" id="{BA23558A-5F7A-4C9C-86E6-E653D5E58771}"/>
-              </a:ext>
-            </a:extLst>
-          </p:cNvPr>
-          <p:cNvSpPr txBox="1"/>
-          <p:nvPr/>
-        </p:nvSpPr>
-        <p:spPr>
-          <a:xfrm>
-            <a:off x="7164198" y="672547"/>
-            <a:ext cx="260059" cy="369330"/>
-          </a:xfrm>
-          <a:prstGeom prst="rect">
-            <a:avLst/>
-          </a:prstGeom>
-          <a:noFill/>
-          <a:ln w="12700" cap="flat">
-            <a:noFill/>
-            <a:miter lim="400000"/>
-          </a:ln>
-          <a:effectLst/>
-          <a:sp3d/>
-        </p:spPr>
-        <p:style>
-          <a:lnRef idx="0">
-            <a:scrgbClr r="0" g="0" b="0"/>
-          </a:lnRef>
-          <a:fillRef idx="0">
-            <a:scrgbClr r="0" g="0" b="0"/>
-          </a:fillRef>
-          <a:effectRef idx="0">
-            <a:scrgbClr r="0" g="0" b="0"/>
-          </a:effectRef>
-          <a:fontRef idx="none"/>
-        </p:style>
-        <p:txBody>
-          <a:bodyPr rot="0" spcFirstLastPara="1" vertOverflow="overflow" horzOverflow="overflow" vert="horz" wrap="square" lIns="45719" tIns="45719" rIns="45719" bIns="45719" numCol="1" spcCol="38100" rtlCol="0" anchor="t">
-            <a:spAutoFit/>
-          </a:bodyPr>
-          <a:lstStyle/>
-          <a:p>
-            <a:pPr marL="0" marR="0" indent="0" algn="l" defTabSz="457200" rtl="0" fontAlgn="auto" latinLnBrk="0" hangingPunct="0">
-              <a:lnSpc>
-                <a:spcPct val="100000"/>
-              </a:lnSpc>
-              <a:spcBef>
-                <a:spcPts val="0"/>
-              </a:spcBef>
-              <a:spcAft>
-                <a:spcPts val="0"/>
-              </a:spcAft>
-              <a:buClrTx/>
-              <a:buSzTx/>
-              <a:buFontTx/>
-              <a:buNone/>
-              <a:tabLst/>
-            </a:pPr>
-            <a:r>
-              <a:rPr kumimoji="0" lang="it-IT" sz="1800" b="0" i="0" u="none" strike="noStrike" cap="none" spc="0" normalizeH="0" baseline="0" dirty="0">
-                <a:ln>
-                  <a:noFill/>
-                </a:ln>
-                <a:solidFill>
-                  <a:srgbClr val="000000"/>
-                </a:solidFill>
-                <a:effectLst/>
-                <a:uFillTx/>
-                <a:latin typeface="+mj-lt"/>
-                <a:ea typeface="+mj-ea"/>
-                <a:cs typeface="+mj-cs"/>
-                <a:sym typeface="Calibri"/>
-              </a:rPr>
-              <a:t>3</a:t>
-            </a:r>
-          </a:p>
-        </p:txBody>
-      </p:sp>
-      <p:sp>
-        <p:nvSpPr>
-          <p:cNvPr id="10" name="TextBox 9">
-            <a:extLst>
-              <a:ext uri="{FF2B5EF4-FFF2-40B4-BE49-F238E27FC236}">
-                <a16:creationId xmlns:a16="http://schemas.microsoft.com/office/drawing/2014/main" id="{2AB519B3-01C4-4DD3-B9C5-1584B837B05F}"/>
-              </a:ext>
-            </a:extLst>
-          </p:cNvPr>
-          <p:cNvSpPr txBox="1"/>
-          <p:nvPr/>
-        </p:nvSpPr>
-        <p:spPr>
-          <a:xfrm>
-            <a:off x="6853806" y="1342239"/>
-            <a:ext cx="570451" cy="369330"/>
-          </a:xfrm>
-          <a:prstGeom prst="rect">
-            <a:avLst/>
-          </a:prstGeom>
-          <a:noFill/>
-          <a:ln w="12700" cap="flat">
-            <a:noFill/>
-            <a:miter lim="400000"/>
-          </a:ln>
-          <a:effectLst/>
-          <a:sp3d/>
-        </p:spPr>
-        <p:style>
-          <a:lnRef idx="0">
-            <a:scrgbClr r="0" g="0" b="0"/>
-          </a:lnRef>
-          <a:fillRef idx="0">
-            <a:scrgbClr r="0" g="0" b="0"/>
-          </a:fillRef>
-          <a:effectRef idx="0">
-            <a:scrgbClr r="0" g="0" b="0"/>
-          </a:effectRef>
-          <a:fontRef idx="none"/>
-        </p:style>
-        <p:txBody>
-          <a:bodyPr rot="0" spcFirstLastPara="1" vertOverflow="overflow" horzOverflow="overflow" vert="horz" wrap="square" lIns="45719" tIns="45719" rIns="45719" bIns="45719" numCol="1" spcCol="38100" rtlCol="0" anchor="t">
-            <a:spAutoFit/>
-          </a:bodyPr>
-          <a:lstStyle/>
-          <a:p>
-            <a:pPr marL="0" marR="0" indent="0" algn="l" defTabSz="457200" rtl="0" fontAlgn="auto" latinLnBrk="0" hangingPunct="0">
-              <a:lnSpc>
-                <a:spcPct val="100000"/>
-              </a:lnSpc>
-              <a:spcBef>
-                <a:spcPts val="0"/>
-              </a:spcBef>
-              <a:spcAft>
-                <a:spcPts val="0"/>
-              </a:spcAft>
-              <a:buClrTx/>
-              <a:buSzTx/>
-              <a:buFontTx/>
-              <a:buNone/>
-              <a:tabLst/>
-            </a:pPr>
-            <a:r>
-              <a:rPr kumimoji="0" lang="it-IT" sz="1800" b="0" i="0" u="none" strike="noStrike" cap="none" spc="0" normalizeH="0" baseline="0" dirty="0">
-                <a:ln>
-                  <a:noFill/>
-                </a:ln>
-                <a:solidFill>
-                  <a:srgbClr val="000000"/>
-                </a:solidFill>
-                <a:effectLst/>
-                <a:uFillTx/>
-                <a:latin typeface="+mj-lt"/>
-                <a:ea typeface="+mj-ea"/>
-                <a:cs typeface="+mj-cs"/>
-                <a:sym typeface="Calibri"/>
-              </a:rPr>
-              <a:t>0</a:t>
-            </a:r>
-          </a:p>
-        </p:txBody>
-      </p:sp>
     </p:spTree>
     <p:extLst>
       <p:ext uri="{BB962C8B-B14F-4D97-AF65-F5344CB8AC3E}">
-        <p14:creationId xmlns:p14="http://schemas.microsoft.com/office/powerpoint/2010/main" val="1441290428"/>
+        <p14:creationId xmlns:p14="http://schemas.microsoft.com/office/powerpoint/2010/main" val="3281729898"/>
       </p:ext>
     </p:extLst>
   </p:cSld>
@@ -4378,7 +4261,7 @@
           </a:ln>
           <a:extLst>
             <a:ext uri="{C572A759-6A51-4108-AA02-DFA0A04FC94B}">
-              <ma14:wrappingTextBoxFlag xmlns="" xmlns:ma14="http://schemas.microsoft.com/office/mac/drawingml/2011/main" val="1"/>
+              <ma14:wrappingTextBoxFlag xmlns:ma14="http://schemas.microsoft.com/office/mac/drawingml/2011/main" xmlns="" val="1"/>
             </a:ext>
           </a:extLst>
         </p:spPr>
@@ -4453,7 +4336,7 @@
           </a:ln>
           <a:extLst>
             <a:ext uri="{C572A759-6A51-4108-AA02-DFA0A04FC94B}">
-              <ma14:wrappingTextBoxFlag xmlns="" xmlns:ma14="http://schemas.microsoft.com/office/mac/drawingml/2011/main" val="1"/>
+              <ma14:wrappingTextBoxFlag xmlns:ma14="http://schemas.microsoft.com/office/mac/drawingml/2011/main" xmlns="" val="1"/>
             </a:ext>
           </a:extLst>
         </p:spPr>
@@ -4520,7 +4403,7 @@
           </a:ln>
           <a:extLst>
             <a:ext uri="{C572A759-6A51-4108-AA02-DFA0A04FC94B}">
-              <ma14:wrappingTextBoxFlag xmlns="" xmlns:ma14="http://schemas.microsoft.com/office/mac/drawingml/2011/main" val="1"/>
+              <ma14:wrappingTextBoxFlag xmlns:ma14="http://schemas.microsoft.com/office/mac/drawingml/2011/main" xmlns="" val="1"/>
             </a:ext>
           </a:extLst>
         </p:spPr>
@@ -4557,7 +4440,7 @@
           </p:cNvPicPr>
           <p:nvPr/>
         </p:nvPicPr>
-        <p:blipFill rotWithShape="1">
+        <p:blipFill>
           <a:blip r:embed="rId2">
             <a:extLst>
               <a:ext uri="{28A0092B-C50C-407E-A947-70E740481C1C}">
@@ -4565,13 +4448,14 @@
               </a:ext>
             </a:extLst>
           </a:blip>
-          <a:srcRect t="30697" b="51062"/>
-          <a:stretch/>
+          <a:stretch>
+            <a:fillRect/>
+          </a:stretch>
         </p:blipFill>
         <p:spPr>
           <a:xfrm>
-            <a:off x="-2" y="577052"/>
-            <a:ext cx="9144001" cy="664979"/>
+            <a:off x="0" y="323419"/>
+            <a:ext cx="9144001" cy="3658968"/>
           </a:xfrm>
           <a:prstGeom prst="rect">
             <a:avLst/>
@@ -4592,8 +4476,8 @@
         </p:nvSpPr>
         <p:spPr>
           <a:xfrm>
-            <a:off x="-2" y="2058450"/>
-            <a:ext cx="8925887" cy="2805063"/>
+            <a:off x="-2" y="4113333"/>
+            <a:ext cx="8925887" cy="2251065"/>
           </a:xfrm>
           <a:prstGeom prst="rect">
             <a:avLst/>
@@ -4603,7 +4487,7 @@
           </a:ln>
           <a:extLst>
             <a:ext uri="{C572A759-6A51-4108-AA02-DFA0A04FC94B}">
-              <ma14:wrappingTextBoxFlag xmlns="" xmlns:ma14="http://schemas.microsoft.com/office/mac/drawingml/2011/main" val="1"/>
+              <ma14:wrappingTextBoxFlag xmlns:ma14="http://schemas.microsoft.com/office/mac/drawingml/2011/main" xmlns="" val="1"/>
             </a:ext>
           </a:extLst>
         </p:spPr>
@@ -4624,23 +4508,7 @@
             </a:pPr>
             <a:r>
               <a:rPr lang="en-US" dirty="0" err="1"/>
-              <a:t>internalLeft</a:t>
-            </a:r>
-            <a:r>
-              <a:rPr lang="en-US" dirty="0"/>
-              <a:t>, </a:t>
-            </a:r>
-            <a:r>
-              <a:rPr lang="en-US" dirty="0" err="1"/>
-              <a:t>internalBottom</a:t>
-            </a:r>
-            <a:r>
-              <a:rPr lang="en-US" dirty="0"/>
-              <a:t>, </a:t>
-            </a:r>
-            <a:r>
-              <a:rPr lang="en-US" dirty="0" err="1"/>
-              <a:t>internalRight</a:t>
+              <a:t>Quando</a:t>
             </a:r>
             <a:r>
               <a:rPr lang="en-US" dirty="0"/>
@@ -4648,23 +4516,7 @@
             </a:r>
             <a:r>
               <a:rPr lang="en-US" dirty="0" err="1"/>
-              <a:t>definiscono</a:t>
-            </a:r>
-            <a:r>
-              <a:rPr lang="en-US" dirty="0"/>
-              <a:t> un </a:t>
-            </a:r>
-            <a:r>
-              <a:rPr lang="en-US" dirty="0" err="1"/>
-              <a:t>tipo</a:t>
-            </a:r>
-            <a:r>
-              <a:rPr lang="en-US" dirty="0"/>
-              <a:t> di </a:t>
-            </a:r>
-            <a:r>
-              <a:rPr lang="en-US" dirty="0" err="1"/>
-              <a:t>suolo</a:t>
+              <a:t>si</a:t>
             </a:r>
             <a:r>
               <a:rPr lang="en-US" dirty="0"/>
@@ -4672,31 +4524,55 @@
             </a:r>
             <a:r>
               <a:rPr lang="en-US" dirty="0" err="1"/>
+              <a:t>creano</a:t>
+            </a:r>
+            <a:r>
+              <a:rPr lang="en-US" dirty="0"/>
+              <a:t> </a:t>
+            </a:r>
+            <a:r>
+              <a:rPr lang="en-US" dirty="0" err="1"/>
+              <a:t>dei</a:t>
+            </a:r>
+            <a:r>
+              <a:rPr lang="en-US" dirty="0"/>
+              <a:t> </a:t>
+            </a:r>
+            <a:r>
+              <a:rPr lang="en-US" dirty="0" err="1"/>
+              <a:t>sottodomini</a:t>
+            </a:r>
+            <a:r>
+              <a:rPr lang="en-US" dirty="0"/>
+              <a:t>, Free Fem </a:t>
+            </a:r>
+            <a:r>
+              <a:rPr lang="en-US" dirty="0" err="1"/>
+              <a:t>assegna</a:t>
+            </a:r>
+            <a:r>
+              <a:rPr lang="en-US" dirty="0"/>
+              <a:t> in modo </a:t>
+            </a:r>
+            <a:r>
+              <a:rPr lang="en-US" dirty="0" err="1"/>
+              <a:t>automatico</a:t>
+            </a:r>
+            <a:r>
+              <a:rPr lang="en-US" dirty="0"/>
+              <a:t> un label </a:t>
+            </a:r>
+            <a:r>
+              <a:rPr lang="en-US" dirty="0" err="1"/>
               <a:t>diverso</a:t>
             </a:r>
             <a:r>
               <a:rPr lang="en-US" dirty="0"/>
-              <a:t>. Il label da </a:t>
-            </a:r>
-            <a:r>
-              <a:rPr lang="en-US" dirty="0" err="1"/>
-              <a:t>assegnare</a:t>
-            </a:r>
-            <a:r>
-              <a:rPr lang="en-US" dirty="0"/>
-              <a:t> a </a:t>
-            </a:r>
-            <a:r>
-              <a:rPr lang="en-US" dirty="0" err="1"/>
-              <a:t>questi</a:t>
-            </a:r>
-            <a:r>
-              <a:rPr lang="en-US" dirty="0"/>
               <a:t> </a:t>
             </a:r>
             <a:r>
               <a:rPr lang="en-US" dirty="0" err="1"/>
-              <a:t>contorni</a:t>
+              <a:t>agli</a:t>
             </a:r>
             <a:r>
               <a:rPr lang="en-US" dirty="0"/>
@@ -4704,7 +4580,7 @@
             </a:r>
             <a:r>
               <a:rPr lang="en-US" dirty="0" err="1"/>
-              <a:t>deve</a:t>
+              <a:t>elementi</a:t>
             </a:r>
             <a:r>
               <a:rPr lang="en-US" dirty="0"/>
@@ -4712,15 +4588,7 @@
             </a:r>
             <a:r>
               <a:rPr lang="en-US" dirty="0" err="1"/>
-              <a:t>essere</a:t>
-            </a:r>
-            <a:r>
-              <a:rPr lang="en-US" dirty="0"/>
-              <a:t> -1 in modo </a:t>
-            </a:r>
-            <a:r>
-              <a:rPr lang="en-US" dirty="0" err="1"/>
-              <a:t>che</a:t>
+              <a:t>della</a:t>
             </a:r>
             <a:r>
               <a:rPr lang="en-US" dirty="0"/>
@@ -4728,7 +4596,15 @@
             </a:r>
             <a:r>
               <a:rPr lang="en-US" dirty="0" err="1"/>
-              <a:t>nel</a:t>
+              <a:t>griglia</a:t>
+            </a:r>
+            <a:r>
+              <a:rPr lang="en-US" dirty="0"/>
+              <a:t> (in </a:t>
+            </a:r>
+            <a:r>
+              <a:rPr lang="en-US" dirty="0" err="1"/>
+              <a:t>questo</a:t>
             </a:r>
             <a:r>
               <a:rPr lang="en-US" dirty="0"/>
@@ -4736,15 +4612,15 @@
             </a:r>
             <a:r>
               <a:rPr lang="en-US" dirty="0" err="1"/>
-              <a:t>definire</a:t>
-            </a:r>
-            <a:r>
-              <a:rPr lang="en-US" dirty="0"/>
-              <a:t> la </a:t>
-            </a:r>
-            <a:r>
-              <a:rPr lang="en-US" dirty="0" err="1"/>
-              <a:t>topologia</a:t>
+              <a:t>caso</a:t>
+            </a:r>
+            <a:r>
+              <a:rPr lang="en-US" dirty="0"/>
+              <a:t> 0 e 3). Con </a:t>
+            </a:r>
+            <a:r>
+              <a:rPr lang="en-US" dirty="0" err="1"/>
+              <a:t>il</a:t>
             </a:r>
             <a:r>
               <a:rPr lang="en-US" dirty="0"/>
@@ -4752,52 +4628,17 @@
             </a:r>
             <a:r>
               <a:rPr lang="en-US" dirty="0" err="1"/>
-              <a:t>questi</a:t>
-            </a:r>
-            <a:r>
-              <a:rPr lang="en-US" dirty="0"/>
-              <a:t> </a:t>
-            </a:r>
-            <a:r>
-              <a:rPr lang="en-US" dirty="0" err="1"/>
-              <a:t>contorni</a:t>
-            </a:r>
-            <a:r>
-              <a:rPr lang="en-US" dirty="0"/>
-              <a:t> non </a:t>
-            </a:r>
-            <a:r>
-              <a:rPr lang="en-US" dirty="0" err="1"/>
-              <a:t>vengano</a:t>
-            </a:r>
-            <a:r>
-              <a:rPr lang="en-US" dirty="0"/>
-              <a:t> </a:t>
-            </a:r>
-            <a:r>
-              <a:rPr lang="en-US" dirty="0" err="1"/>
-              <a:t>considerati</a:t>
-            </a:r>
-            <a:r>
-              <a:rPr lang="en-US" dirty="0"/>
-              <a:t> come </a:t>
-            </a:r>
-            <a:r>
-              <a:rPr lang="en-US" dirty="0" err="1"/>
-              <a:t>bordi</a:t>
-            </a:r>
-            <a:r>
-              <a:rPr lang="en-US" dirty="0"/>
-              <a:t> del </a:t>
-            </a:r>
-            <a:r>
-              <a:rPr lang="en-US" dirty="0" err="1"/>
-              <a:t>dominio</a:t>
-            </a:r>
-            <a:r>
-              <a:rPr lang="en-US" dirty="0"/>
-              <a:t>.</a:t>
-            </a:r>
+              <a:t>comando</a:t>
+            </a:r>
+            <a:r>
+              <a:rPr lang="en-US" dirty="0"/>
+              <a:t> change </a:t>
+            </a:r>
+            <a:r>
+              <a:rPr lang="it-IT" dirty="0"/>
+              <a:t>è possibile cambiare questi valori.</a:t>
+            </a:r>
+            <a:endParaRPr lang="en-US" dirty="0"/>
           </a:p>
           <a:p>
             <a:pPr marL="168275" algn="just">
@@ -5016,7 +4857,7 @@
     </p:spTree>
     <p:extLst>
       <p:ext uri="{BB962C8B-B14F-4D97-AF65-F5344CB8AC3E}">
-        <p14:creationId xmlns:p14="http://schemas.microsoft.com/office/powerpoint/2010/main" val="3642268915"/>
+        <p14:creationId xmlns:p14="http://schemas.microsoft.com/office/powerpoint/2010/main" val="1441290428"/>
       </p:ext>
     </p:extLst>
   </p:cSld>
@@ -5063,7 +4904,7 @@
           </a:ln>
           <a:extLst>
             <a:ext uri="{C572A759-6A51-4108-AA02-DFA0A04FC94B}">
-              <ma14:wrappingTextBoxFlag xmlns="" xmlns:ma14="http://schemas.microsoft.com/office/mac/drawingml/2011/main" val="1"/>
+              <ma14:wrappingTextBoxFlag xmlns:ma14="http://schemas.microsoft.com/office/mac/drawingml/2011/main" xmlns="" val="1"/>
             </a:ext>
           </a:extLst>
         </p:spPr>
@@ -5138,7 +4979,7 @@
           </a:ln>
           <a:extLst>
             <a:ext uri="{C572A759-6A51-4108-AA02-DFA0A04FC94B}">
-              <ma14:wrappingTextBoxFlag xmlns="" xmlns:ma14="http://schemas.microsoft.com/office/mac/drawingml/2011/main" val="1"/>
+              <ma14:wrappingTextBoxFlag xmlns:ma14="http://schemas.microsoft.com/office/mac/drawingml/2011/main" xmlns="" val="1"/>
             </a:ext>
           </a:extLst>
         </p:spPr>
@@ -5205,7 +5046,7 @@
           </a:ln>
           <a:extLst>
             <a:ext uri="{C572A759-6A51-4108-AA02-DFA0A04FC94B}">
-              <ma14:wrappingTextBoxFlag xmlns="" xmlns:ma14="http://schemas.microsoft.com/office/mac/drawingml/2011/main" val="1"/>
+              <ma14:wrappingTextBoxFlag xmlns:ma14="http://schemas.microsoft.com/office/mac/drawingml/2011/main" xmlns="" val="1"/>
             </a:ext>
           </a:extLst>
         </p:spPr>
@@ -5250,13 +5091,13 @@
               </a:ext>
             </a:extLst>
           </a:blip>
-          <a:srcRect t="83901"/>
+          <a:srcRect t="30697" b="51062"/>
           <a:stretch/>
         </p:blipFill>
         <p:spPr>
           <a:xfrm>
-            <a:off x="58723" y="478290"/>
-            <a:ext cx="9144001" cy="589072"/>
+            <a:off x="-2" y="577052"/>
+            <a:ext cx="9144001" cy="664979"/>
           </a:xfrm>
           <a:prstGeom prst="rect">
             <a:avLst/>
@@ -5277,8 +5118,8 @@
         </p:nvSpPr>
         <p:spPr>
           <a:xfrm>
-            <a:off x="-2" y="1986446"/>
-            <a:ext cx="8925887" cy="5021055"/>
+            <a:off x="-2" y="2058450"/>
+            <a:ext cx="8925887" cy="2805063"/>
           </a:xfrm>
           <a:prstGeom prst="rect">
             <a:avLst/>
@@ -5288,7 +5129,7 @@
           </a:ln>
           <a:extLst>
             <a:ext uri="{C572A759-6A51-4108-AA02-DFA0A04FC94B}">
-              <ma14:wrappingTextBoxFlag xmlns="" xmlns:ma14="http://schemas.microsoft.com/office/mac/drawingml/2011/main" val="1"/>
+              <ma14:wrappingTextBoxFlag xmlns:ma14="http://schemas.microsoft.com/office/mac/drawingml/2011/main" xmlns="" val="1"/>
             </a:ext>
           </a:extLst>
         </p:spPr>
@@ -5309,7 +5150,23 @@
             </a:pPr>
             <a:r>
               <a:rPr lang="en-US" dirty="0" err="1"/>
-              <a:t>Quando</a:t>
+              <a:t>internalLeft</a:t>
+            </a:r>
+            <a:r>
+              <a:rPr lang="en-US" dirty="0"/>
+              <a:t>, </a:t>
+            </a:r>
+            <a:r>
+              <a:rPr lang="en-US" dirty="0" err="1"/>
+              <a:t>internalBottom</a:t>
+            </a:r>
+            <a:r>
+              <a:rPr lang="en-US" dirty="0"/>
+              <a:t>, </a:t>
+            </a:r>
+            <a:r>
+              <a:rPr lang="en-US" dirty="0" err="1"/>
+              <a:t>internalRight</a:t>
             </a:r>
             <a:r>
               <a:rPr lang="en-US" dirty="0"/>
@@ -5317,7 +5174,23 @@
             </a:r>
             <a:r>
               <a:rPr lang="en-US" dirty="0" err="1"/>
-              <a:t>si</a:t>
+              <a:t>definiscono</a:t>
+            </a:r>
+            <a:r>
+              <a:rPr lang="en-US" dirty="0"/>
+              <a:t> un </a:t>
+            </a:r>
+            <a:r>
+              <a:rPr lang="en-US" dirty="0" err="1"/>
+              <a:t>tipo</a:t>
+            </a:r>
+            <a:r>
+              <a:rPr lang="en-US" dirty="0"/>
+              <a:t> di </a:t>
+            </a:r>
+            <a:r>
+              <a:rPr lang="en-US" dirty="0" err="1"/>
+              <a:t>suolo</a:t>
             </a:r>
             <a:r>
               <a:rPr lang="en-US" dirty="0"/>
@@ -5325,7 +5198,23 @@
             </a:r>
             <a:r>
               <a:rPr lang="en-US" dirty="0" err="1"/>
-              <a:t>creano</a:t>
+              <a:t>diverso</a:t>
+            </a:r>
+            <a:r>
+              <a:rPr lang="en-US" dirty="0"/>
+              <a:t>. Il label da </a:t>
+            </a:r>
+            <a:r>
+              <a:rPr lang="en-US" dirty="0" err="1"/>
+              <a:t>assegnare</a:t>
+            </a:r>
+            <a:r>
+              <a:rPr lang="en-US" dirty="0"/>
+              <a:t> a </a:t>
+            </a:r>
+            <a:r>
+              <a:rPr lang="en-US" dirty="0" err="1"/>
+              <a:t>questi</a:t>
             </a:r>
             <a:r>
               <a:rPr lang="en-US" dirty="0"/>
@@ -5333,7 +5222,7 @@
             </a:r>
             <a:r>
               <a:rPr lang="en-US" dirty="0" err="1"/>
-              <a:t>dei</a:t>
+              <a:t>contorni</a:t>
             </a:r>
             <a:r>
               <a:rPr lang="en-US" dirty="0"/>
@@ -5341,31 +5230,7 @@
             </a:r>
             <a:r>
               <a:rPr lang="en-US" dirty="0" err="1"/>
-              <a:t>sottodomini</a:t>
-            </a:r>
-            <a:r>
-              <a:rPr lang="en-US" dirty="0"/>
-              <a:t>, Free Fem </a:t>
-            </a:r>
-            <a:r>
-              <a:rPr lang="en-US" dirty="0" err="1"/>
-              <a:t>assegna</a:t>
-            </a:r>
-            <a:r>
-              <a:rPr lang="en-US" dirty="0"/>
-              <a:t> in modo </a:t>
-            </a:r>
-            <a:r>
-              <a:rPr lang="en-US" dirty="0" err="1"/>
-              <a:t>automatico</a:t>
-            </a:r>
-            <a:r>
-              <a:rPr lang="en-US" dirty="0"/>
-              <a:t> un label </a:t>
-            </a:r>
-            <a:r>
-              <a:rPr lang="en-US" dirty="0" err="1"/>
-              <a:t>diverso</a:t>
+              <a:t>deve</a:t>
             </a:r>
             <a:r>
               <a:rPr lang="en-US" dirty="0"/>
@@ -5373,7 +5238,15 @@
             </a:r>
             <a:r>
               <a:rPr lang="en-US" dirty="0" err="1"/>
-              <a:t>agli</a:t>
+              <a:t>essere</a:t>
+            </a:r>
+            <a:r>
+              <a:rPr lang="en-US" dirty="0"/>
+              <a:t> -1 in modo </a:t>
+            </a:r>
+            <a:r>
+              <a:rPr lang="en-US" dirty="0" err="1"/>
+              <a:t>che</a:t>
             </a:r>
             <a:r>
               <a:rPr lang="en-US" dirty="0"/>
@@ -5381,7 +5254,7 @@
             </a:r>
             <a:r>
               <a:rPr lang="en-US" dirty="0" err="1"/>
-              <a:t>elementi</a:t>
+              <a:t>nel</a:t>
             </a:r>
             <a:r>
               <a:rPr lang="en-US" dirty="0"/>
@@ -5389,7 +5262,15 @@
             </a:r>
             <a:r>
               <a:rPr lang="en-US" dirty="0" err="1"/>
-              <a:t>della</a:t>
+              <a:t>definire</a:t>
+            </a:r>
+            <a:r>
+              <a:rPr lang="en-US" dirty="0"/>
+              <a:t> la </a:t>
+            </a:r>
+            <a:r>
+              <a:rPr lang="en-US" dirty="0" err="1"/>
+              <a:t>topologia</a:t>
             </a:r>
             <a:r>
               <a:rPr lang="en-US" dirty="0"/>
@@ -5397,15 +5278,7 @@
             </a:r>
             <a:r>
               <a:rPr lang="en-US" dirty="0" err="1"/>
-              <a:t>griglia</a:t>
-            </a:r>
-            <a:r>
-              <a:rPr lang="en-US" dirty="0"/>
-              <a:t> (in </a:t>
-            </a:r>
-            <a:r>
-              <a:rPr lang="en-US" dirty="0" err="1"/>
-              <a:t>questo</a:t>
+              <a:t>questi</a:t>
             </a:r>
             <a:r>
               <a:rPr lang="en-US" dirty="0"/>
@@ -5413,15 +5286,15 @@
             </a:r>
             <a:r>
               <a:rPr lang="en-US" dirty="0" err="1"/>
-              <a:t>caso</a:t>
-            </a:r>
-            <a:r>
-              <a:rPr lang="en-US" dirty="0"/>
-              <a:t> 0 e 3). Con </a:t>
-            </a:r>
-            <a:r>
-              <a:rPr lang="en-US" dirty="0" err="1"/>
-              <a:t>il</a:t>
+              <a:t>contorni</a:t>
+            </a:r>
+            <a:r>
+              <a:rPr lang="en-US" dirty="0"/>
+              <a:t> non </a:t>
+            </a:r>
+            <a:r>
+              <a:rPr lang="en-US" dirty="0" err="1"/>
+              <a:t>vengano</a:t>
             </a:r>
             <a:r>
               <a:rPr lang="en-US" dirty="0"/>
@@ -5429,44 +5302,28 @@
             </a:r>
             <a:r>
               <a:rPr lang="en-US" dirty="0" err="1"/>
-              <a:t>comando</a:t>
-            </a:r>
-            <a:r>
-              <a:rPr lang="en-US" dirty="0"/>
-              <a:t> change </a:t>
-            </a:r>
-            <a:r>
-              <a:rPr lang="it-IT" dirty="0"/>
-              <a:t>è possibile cambiare questi valori.</a:t>
-            </a:r>
-          </a:p>
-          <a:p>
-            <a:pPr marL="168275" algn="just">
-              <a:lnSpc>
-                <a:spcPct val="150000"/>
-              </a:lnSpc>
-              <a:tabLst>
-                <a:tab pos="8740775" algn="l"/>
-              </a:tabLst>
-              <a:defRPr sz="2400"/>
-            </a:pPr>
-            <a:endParaRPr lang="it-IT" dirty="0"/>
-          </a:p>
-          <a:p>
-            <a:pPr marL="168275" algn="just">
-              <a:lnSpc>
-                <a:spcPct val="150000"/>
-              </a:lnSpc>
-              <a:tabLst>
-                <a:tab pos="8740775" algn="l"/>
-              </a:tabLst>
-              <a:defRPr sz="2400"/>
-            </a:pPr>
-            <a:r>
-              <a:rPr lang="it-IT" dirty="0"/>
-              <a:t>Si definisce un vettore L in cui il primo valore è il label che si vuole cambiare (3), il secondo quello che si vuole avere (1). Per sapere quale sia il valore di default che viene assegnato è necessario aprire con un editor di testo il file di output.</a:t>
-            </a:r>
-            <a:endParaRPr lang="en-US" dirty="0"/>
+              <a:t>considerati</a:t>
+            </a:r>
+            <a:r>
+              <a:rPr lang="en-US" dirty="0"/>
+              <a:t> come </a:t>
+            </a:r>
+            <a:r>
+              <a:rPr lang="en-US" dirty="0" err="1"/>
+              <a:t>bordi</a:t>
+            </a:r>
+            <a:r>
+              <a:rPr lang="en-US" dirty="0"/>
+              <a:t> del </a:t>
+            </a:r>
+            <a:r>
+              <a:rPr lang="en-US" dirty="0" err="1"/>
+              <a:t>dominio</a:t>
+            </a:r>
+            <a:r>
+              <a:rPr lang="en-US" dirty="0"/>
+              <a:t>.</a:t>
+            </a:r>
           </a:p>
           <a:p>
             <a:pPr marL="168275" algn="just">
@@ -5685,7 +5542,7 @@
     </p:spTree>
     <p:extLst>
       <p:ext uri="{BB962C8B-B14F-4D97-AF65-F5344CB8AC3E}">
-        <p14:creationId xmlns:p14="http://schemas.microsoft.com/office/powerpoint/2010/main" val="3026637298"/>
+        <p14:creationId xmlns:p14="http://schemas.microsoft.com/office/powerpoint/2010/main" val="3642268915"/>
       </p:ext>
     </p:extLst>
   </p:cSld>
@@ -5732,7 +5589,7 @@
           </a:ln>
           <a:extLst>
             <a:ext uri="{C572A759-6A51-4108-AA02-DFA0A04FC94B}">
-              <ma14:wrappingTextBoxFlag xmlns="" xmlns:ma14="http://schemas.microsoft.com/office/mac/drawingml/2011/main" val="1"/>
+              <ma14:wrappingTextBoxFlag xmlns:ma14="http://schemas.microsoft.com/office/mac/drawingml/2011/main" xmlns="" val="1"/>
             </a:ext>
           </a:extLst>
         </p:spPr>
@@ -5769,8 +5626,20 @@
           </a:lstStyle>
           <a:p>
             <a:r>
-              <a:rPr lang="en-US" dirty="0"/>
-              <a:t>.sim</a:t>
+              <a:rPr lang="en-US" dirty="0" err="1"/>
+              <a:t>Parametri</a:t>
+            </a:r>
+            <a:r>
+              <a:rPr lang="en-US" dirty="0"/>
+              <a:t> del </a:t>
+            </a:r>
+            <a:r>
+              <a:rPr lang="en-US" dirty="0" err="1"/>
+              <a:t>terreno</a:t>
+            </a:r>
+            <a:r>
+              <a:rPr lang="en-US" dirty="0"/>
+              <a:t> </a:t>
             </a:r>
             <a:endParaRPr dirty="0"/>
           </a:p>
@@ -5795,7 +5664,7 @@
           </a:ln>
           <a:extLst>
             <a:ext uri="{C572A759-6A51-4108-AA02-DFA0A04FC94B}">
-              <ma14:wrappingTextBoxFlag xmlns="" xmlns:ma14="http://schemas.microsoft.com/office/mac/drawingml/2011/main" val="1"/>
+              <ma14:wrappingTextBoxFlag xmlns:ma14="http://schemas.microsoft.com/office/mac/drawingml/2011/main" xmlns="" val="1"/>
             </a:ext>
           </a:extLst>
         </p:spPr>
@@ -5862,7 +5731,7 @@
           </a:ln>
           <a:extLst>
             <a:ext uri="{C572A759-6A51-4108-AA02-DFA0A04FC94B}">
-              <ma14:wrappingTextBoxFlag xmlns="" xmlns:ma14="http://schemas.microsoft.com/office/mac/drawingml/2011/main" val="1"/>
+              <ma14:wrappingTextBoxFlag xmlns:ma14="http://schemas.microsoft.com/office/mac/drawingml/2011/main" xmlns="" val="1"/>
             </a:ext>
           </a:extLst>
         </p:spPr>
@@ -5885,12 +5754,47 @@
           </a:p>
         </p:txBody>
       </p:sp>
+      <p:pic>
+        <p:nvPicPr>
+          <p:cNvPr id="3" name="Picture 2" descr="A screenshot of a social media post&#10;&#10;Description automatically generated">
+            <a:extLst>
+              <a:ext uri="{FF2B5EF4-FFF2-40B4-BE49-F238E27FC236}">
+                <a16:creationId xmlns:a16="http://schemas.microsoft.com/office/drawing/2014/main" id="{CE03A5E2-752F-4759-94A4-6EDE88EEF904}"/>
+              </a:ext>
+            </a:extLst>
+          </p:cNvPr>
+          <p:cNvPicPr>
+            <a:picLocks noChangeAspect="1"/>
+          </p:cNvPicPr>
+          <p:nvPr/>
+        </p:nvPicPr>
+        <p:blipFill rotWithShape="1">
+          <a:blip r:embed="rId2">
+            <a:extLst>
+              <a:ext uri="{28A0092B-C50C-407E-A947-70E740481C1C}">
+                <a14:useLocalDpi xmlns:a14="http://schemas.microsoft.com/office/drawing/2010/main" val="0"/>
+              </a:ext>
+            </a:extLst>
+          </a:blip>
+          <a:srcRect t="83901"/>
+          <a:stretch/>
+        </p:blipFill>
+        <p:spPr>
+          <a:xfrm>
+            <a:off x="58723" y="478290"/>
+            <a:ext cx="9144001" cy="589072"/>
+          </a:xfrm>
+          <a:prstGeom prst="rect">
+            <a:avLst/>
+          </a:prstGeom>
+        </p:spPr>
+      </p:pic>
       <p:sp>
         <p:nvSpPr>
-          <p:cNvPr id="10" name="TextBox 1 1">
+          <p:cNvPr id="7" name="TextBox 1 1">
             <a:extLst>
               <a:ext uri="{FF2B5EF4-FFF2-40B4-BE49-F238E27FC236}">
-                <a16:creationId xmlns:a16="http://schemas.microsoft.com/office/drawing/2014/main" id="{5CEE679C-28CF-4944-9065-41AD6CB198D8}"/>
+                <a16:creationId xmlns:a16="http://schemas.microsoft.com/office/drawing/2014/main" id="{88209908-269A-402B-A32D-597414AD151A}"/>
               </a:ext>
             </a:extLst>
           </p:cNvPr>
@@ -5899,8 +5803,8 @@
         </p:nvSpPr>
         <p:spPr>
           <a:xfrm>
-            <a:off x="-2" y="352597"/>
-            <a:ext cx="8925887" cy="2805063"/>
+            <a:off x="-2" y="1986446"/>
+            <a:ext cx="8925887" cy="5021055"/>
           </a:xfrm>
           <a:prstGeom prst="rect">
             <a:avLst/>
@@ -5910,7 +5814,7 @@
           </a:ln>
           <a:extLst>
             <a:ext uri="{C572A759-6A51-4108-AA02-DFA0A04FC94B}">
-              <ma14:wrappingTextBoxFlag xmlns="" xmlns:ma14="http://schemas.microsoft.com/office/mac/drawingml/2011/main" val="1"/>
+              <ma14:wrappingTextBoxFlag xmlns:ma14="http://schemas.microsoft.com/office/mac/drawingml/2011/main" xmlns="" val="1"/>
             </a:ext>
           </a:extLst>
         </p:spPr>
@@ -5930,16 +5834,84 @@
               <a:defRPr sz="2400"/>
             </a:pPr>
             <a:r>
-              <a:rPr lang="en-US" dirty="0"/>
-              <a:t>Data di </a:t>
-            </a:r>
-            <a:r>
-              <a:rPr lang="en-US" dirty="0" err="1"/>
-              <a:t>inizio</a:t>
-            </a:r>
-            <a:r>
-              <a:rPr lang="en-US" dirty="0"/>
-              <a:t> e fine </a:t>
+              <a:rPr lang="en-US" dirty="0" err="1"/>
+              <a:t>Quando</a:t>
+            </a:r>
+            <a:r>
+              <a:rPr lang="en-US" dirty="0"/>
+              <a:t> </a:t>
+            </a:r>
+            <a:r>
+              <a:rPr lang="en-US" dirty="0" err="1"/>
+              <a:t>si</a:t>
+            </a:r>
+            <a:r>
+              <a:rPr lang="en-US" dirty="0"/>
+              <a:t> </a:t>
+            </a:r>
+            <a:r>
+              <a:rPr lang="en-US" dirty="0" err="1"/>
+              <a:t>creano</a:t>
+            </a:r>
+            <a:r>
+              <a:rPr lang="en-US" dirty="0"/>
+              <a:t> </a:t>
+            </a:r>
+            <a:r>
+              <a:rPr lang="en-US" dirty="0" err="1"/>
+              <a:t>dei</a:t>
+            </a:r>
+            <a:r>
+              <a:rPr lang="en-US" dirty="0"/>
+              <a:t> </a:t>
+            </a:r>
+            <a:r>
+              <a:rPr lang="en-US" dirty="0" err="1"/>
+              <a:t>sottodomini</a:t>
+            </a:r>
+            <a:r>
+              <a:rPr lang="en-US" dirty="0"/>
+              <a:t>, Free Fem </a:t>
+            </a:r>
+            <a:r>
+              <a:rPr lang="en-US" dirty="0" err="1"/>
+              <a:t>assegna</a:t>
+            </a:r>
+            <a:r>
+              <a:rPr lang="en-US" dirty="0"/>
+              <a:t> in modo </a:t>
+            </a:r>
+            <a:r>
+              <a:rPr lang="en-US" dirty="0" err="1"/>
+              <a:t>automatico</a:t>
+            </a:r>
+            <a:r>
+              <a:rPr lang="en-US" dirty="0"/>
+              <a:t> un label </a:t>
+            </a:r>
+            <a:r>
+              <a:rPr lang="en-US" dirty="0" err="1"/>
+              <a:t>diverso</a:t>
+            </a:r>
+            <a:r>
+              <a:rPr lang="en-US" dirty="0"/>
+              <a:t> </a:t>
+            </a:r>
+            <a:r>
+              <a:rPr lang="en-US" dirty="0" err="1"/>
+              <a:t>agli</a:t>
+            </a:r>
+            <a:r>
+              <a:rPr lang="en-US" dirty="0"/>
+              <a:t> </a:t>
+            </a:r>
+            <a:r>
+              <a:rPr lang="en-US" dirty="0" err="1"/>
+              <a:t>elementi</a:t>
+            </a:r>
+            <a:r>
+              <a:rPr lang="en-US" dirty="0"/>
+              <a:t> </a:t>
             </a:r>
             <a:r>
               <a:rPr lang="en-US" dirty="0" err="1"/>
@@ -5951,15 +5923,15 @@
             </a:r>
             <a:r>
               <a:rPr lang="en-US" dirty="0" err="1"/>
-              <a:t>simulazione</a:t>
-            </a:r>
-            <a:r>
-              <a:rPr lang="en-US" dirty="0"/>
-              <a:t>, time step </a:t>
-            </a:r>
-            <a:r>
-              <a:rPr lang="en-US" dirty="0" err="1"/>
-              <a:t>della</a:t>
+              <a:t>griglia</a:t>
+            </a:r>
+            <a:r>
+              <a:rPr lang="en-US" dirty="0"/>
+              <a:t> (in </a:t>
+            </a:r>
+            <a:r>
+              <a:rPr lang="en-US" dirty="0" err="1"/>
+              <a:t>questo</a:t>
             </a:r>
             <a:r>
               <a:rPr lang="en-US" dirty="0"/>
@@ -5967,7 +5939,15 @@
             </a:r>
             <a:r>
               <a:rPr lang="en-US" dirty="0" err="1"/>
-              <a:t>serie</a:t>
+              <a:t>caso</a:t>
+            </a:r>
+            <a:r>
+              <a:rPr lang="en-US" dirty="0"/>
+              <a:t> 0 e 3). Con </a:t>
+            </a:r>
+            <a:r>
+              <a:rPr lang="en-US" dirty="0" err="1"/>
+              <a:t>il</a:t>
             </a:r>
             <a:r>
               <a:rPr lang="en-US" dirty="0"/>
@@ -5975,115 +5955,15 @@
             </a:r>
             <a:r>
               <a:rPr lang="en-US" dirty="0" err="1"/>
-              <a:t>temporale</a:t>
-            </a:r>
-            <a:r>
-              <a:rPr lang="en-US" dirty="0"/>
-              <a:t> espresso in </a:t>
-            </a:r>
-            <a:r>
-              <a:rPr lang="en-US" dirty="0" err="1"/>
-              <a:t>minuti</a:t>
-            </a:r>
-            <a:r>
-              <a:rPr lang="en-US" dirty="0"/>
-              <a:t>. La data di </a:t>
-            </a:r>
-            <a:r>
-              <a:rPr lang="en-US" dirty="0" err="1"/>
-              <a:t>inizio</a:t>
-            </a:r>
-            <a:r>
-              <a:rPr lang="en-US" dirty="0"/>
-              <a:t> e fine </a:t>
-            </a:r>
-            <a:r>
-              <a:rPr lang="en-US" dirty="0" err="1"/>
-              <a:t>della</a:t>
-            </a:r>
-            <a:r>
-              <a:rPr lang="en-US" dirty="0"/>
-              <a:t> </a:t>
-            </a:r>
-            <a:r>
-              <a:rPr lang="en-US" dirty="0" err="1"/>
-              <a:t>simulazione</a:t>
-            </a:r>
-            <a:r>
-              <a:rPr lang="en-US" dirty="0"/>
-              <a:t> </a:t>
-            </a:r>
-            <a:r>
-              <a:rPr lang="en-US" dirty="0" err="1"/>
-              <a:t>devono</a:t>
-            </a:r>
-            <a:r>
-              <a:rPr lang="en-US" dirty="0"/>
-              <a:t> </a:t>
-            </a:r>
-            <a:r>
-              <a:rPr lang="en-US" dirty="0" err="1"/>
-              <a:t>essere</a:t>
-            </a:r>
-            <a:r>
-              <a:rPr lang="en-US" dirty="0"/>
-              <a:t> </a:t>
-            </a:r>
-            <a:r>
-              <a:rPr lang="en-US" dirty="0" err="1"/>
-              <a:t>contenute</a:t>
-            </a:r>
-            <a:r>
-              <a:rPr lang="en-US" dirty="0"/>
-              <a:t> </a:t>
-            </a:r>
-            <a:r>
-              <a:rPr lang="en-US" dirty="0" err="1"/>
-              <a:t>nel</a:t>
-            </a:r>
-            <a:r>
-              <a:rPr lang="en-US" dirty="0"/>
-              <a:t> file di input </a:t>
-            </a:r>
-            <a:r>
-              <a:rPr lang="en-US" dirty="0" err="1"/>
-              <a:t>delle</a:t>
-            </a:r>
-            <a:r>
-              <a:rPr lang="en-US" dirty="0"/>
-              <a:t> </a:t>
-            </a:r>
-            <a:r>
-              <a:rPr lang="en-US" dirty="0" err="1"/>
-              <a:t>serie</a:t>
-            </a:r>
-            <a:r>
-              <a:rPr lang="en-US" dirty="0"/>
-              <a:t> </a:t>
-            </a:r>
-            <a:r>
-              <a:rPr lang="en-US" dirty="0" err="1"/>
-              <a:t>temporali</a:t>
-            </a:r>
-            <a:r>
-              <a:rPr lang="en-US" dirty="0"/>
-              <a:t> per le </a:t>
-            </a:r>
-            <a:r>
-              <a:rPr lang="en-US" dirty="0" err="1"/>
-              <a:t>condizioni</a:t>
-            </a:r>
-            <a:r>
-              <a:rPr lang="en-US" dirty="0"/>
-              <a:t> al </a:t>
-            </a:r>
-            <a:r>
-              <a:rPr lang="en-US" dirty="0" err="1"/>
-              <a:t>contorno</a:t>
-            </a:r>
-            <a:r>
-              <a:rPr lang="en-US" dirty="0"/>
-              <a:t>.</a:t>
+              <a:t>comando</a:t>
+            </a:r>
+            <a:r>
+              <a:rPr lang="en-US" dirty="0"/>
+              <a:t> change </a:t>
+            </a:r>
+            <a:r>
+              <a:rPr lang="it-IT" dirty="0"/>
+              <a:t>è possibile cambiare questi valori.</a:t>
             </a:r>
           </a:p>
           <a:p>
@@ -6098,14 +5978,42 @@
             </a:pPr>
             <a:endParaRPr lang="it-IT" dirty="0"/>
           </a:p>
+          <a:p>
+            <a:pPr marL="168275" algn="just">
+              <a:lnSpc>
+                <a:spcPct val="150000"/>
+              </a:lnSpc>
+              <a:tabLst>
+                <a:tab pos="8740775" algn="l"/>
+              </a:tabLst>
+              <a:defRPr sz="2400"/>
+            </a:pPr>
+            <a:r>
+              <a:rPr lang="it-IT" dirty="0"/>
+              <a:t>Si definisce un vettore L in cui il primo valore è il label che si vuole cambiare (3), il secondo quello che si vuole avere (1). Per sapere quale sia il valore di default che viene assegnato è necessario aprire con un editor di testo il file di output.</a:t>
+            </a:r>
+            <a:endParaRPr lang="en-US" dirty="0"/>
+          </a:p>
+          <a:p>
+            <a:pPr marL="168275" algn="just">
+              <a:lnSpc>
+                <a:spcPct val="150000"/>
+              </a:lnSpc>
+              <a:tabLst>
+                <a:tab pos="8740775" algn="l"/>
+              </a:tabLst>
+              <a:defRPr sz="2400"/>
+            </a:pPr>
+            <a:endParaRPr lang="it-IT" dirty="0"/>
+          </a:p>
         </p:txBody>
       </p:sp>
       <p:pic>
         <p:nvPicPr>
-          <p:cNvPr id="5" name="Picture 4">
+          <p:cNvPr id="8" name="Picture 7" descr="A picture containing building, shoji&#10;&#10;Description automatically generated">
             <a:extLst>
               <a:ext uri="{FF2B5EF4-FFF2-40B4-BE49-F238E27FC236}">
-                <a16:creationId xmlns:a16="http://schemas.microsoft.com/office/drawing/2014/main" id="{8A9E113F-41EE-4334-8F80-75E806C2BDA0}"/>
+                <a16:creationId xmlns:a16="http://schemas.microsoft.com/office/drawing/2014/main" id="{5E8BF30B-201B-4561-BE6E-6ACBDD2B4124}"/>
               </a:ext>
             </a:extLst>
           </p:cNvPr>
@@ -6115,25 +6023,195 @@
           <p:nvPr/>
         </p:nvPicPr>
         <p:blipFill>
-          <a:blip r:embed="rId2"/>
+          <a:blip r:embed="rId3" cstate="print">
+            <a:extLst>
+              <a:ext uri="{28A0092B-C50C-407E-A947-70E740481C1C}">
+                <a14:useLocalDpi xmlns:a14="http://schemas.microsoft.com/office/drawing/2010/main" val="0"/>
+              </a:ext>
+            </a:extLst>
+          </a:blip>
           <a:stretch>
             <a:fillRect/>
           </a:stretch>
         </p:blipFill>
         <p:spPr>
           <a:xfrm>
-            <a:off x="909244" y="2876010"/>
-            <a:ext cx="5572125" cy="2124075"/>
+            <a:off x="6448148" y="323419"/>
+            <a:ext cx="1651826" cy="1639536"/>
           </a:xfrm>
           <a:prstGeom prst="rect">
             <a:avLst/>
           </a:prstGeom>
         </p:spPr>
       </p:pic>
+      <p:sp>
+        <p:nvSpPr>
+          <p:cNvPr id="9" name="TextBox 8">
+            <a:extLst>
+              <a:ext uri="{FF2B5EF4-FFF2-40B4-BE49-F238E27FC236}">
+                <a16:creationId xmlns:a16="http://schemas.microsoft.com/office/drawing/2014/main" id="{BA23558A-5F7A-4C9C-86E6-E653D5E58771}"/>
+              </a:ext>
+            </a:extLst>
+          </p:cNvPr>
+          <p:cNvSpPr txBox="1"/>
+          <p:nvPr/>
+        </p:nvSpPr>
+        <p:spPr>
+          <a:xfrm>
+            <a:off x="7164198" y="672547"/>
+            <a:ext cx="260059" cy="369330"/>
+          </a:xfrm>
+          <a:prstGeom prst="rect">
+            <a:avLst/>
+          </a:prstGeom>
+          <a:noFill/>
+          <a:ln w="12700" cap="flat">
+            <a:noFill/>
+            <a:miter lim="400000"/>
+          </a:ln>
+          <a:effectLst/>
+          <a:sp3d/>
+        </p:spPr>
+        <p:style>
+          <a:lnRef idx="0">
+            <a:scrgbClr r="0" g="0" b="0"/>
+          </a:lnRef>
+          <a:fillRef idx="0">
+            <a:scrgbClr r="0" g="0" b="0"/>
+          </a:fillRef>
+          <a:effectRef idx="0">
+            <a:scrgbClr r="0" g="0" b="0"/>
+          </a:effectRef>
+          <a:fontRef idx="none"/>
+        </p:style>
+        <p:txBody>
+          <a:bodyPr rot="0" spcFirstLastPara="1" vertOverflow="overflow" horzOverflow="overflow" vert="horz" wrap="square" lIns="45719" tIns="45719" rIns="45719" bIns="45719" numCol="1" spcCol="38100" rtlCol="0" anchor="t">
+            <a:spAutoFit/>
+          </a:bodyPr>
+          <a:lstStyle/>
+          <a:p>
+            <a:pPr marL="0" marR="0" indent="0" algn="l" defTabSz="457200" rtl="0" fontAlgn="auto" latinLnBrk="0" hangingPunct="0">
+              <a:lnSpc>
+                <a:spcPct val="100000"/>
+              </a:lnSpc>
+              <a:spcBef>
+                <a:spcPts val="0"/>
+              </a:spcBef>
+              <a:spcAft>
+                <a:spcPts val="0"/>
+              </a:spcAft>
+              <a:buClrTx/>
+              <a:buSzTx/>
+              <a:buFontTx/>
+              <a:buNone/>
+              <a:tabLst/>
+            </a:pPr>
+            <a:r>
+              <a:rPr kumimoji="0" lang="it-IT" sz="1800" b="0" i="0" u="none" strike="noStrike" cap="none" spc="0" normalizeH="0" baseline="0" dirty="0">
+                <a:ln>
+                  <a:noFill/>
+                </a:ln>
+                <a:solidFill>
+                  <a:srgbClr val="000000"/>
+                </a:solidFill>
+                <a:effectLst/>
+                <a:uFillTx/>
+                <a:latin typeface="+mj-lt"/>
+                <a:ea typeface="+mj-ea"/>
+                <a:cs typeface="+mj-cs"/>
+                <a:sym typeface="Calibri"/>
+              </a:rPr>
+              <a:t>3</a:t>
+            </a:r>
+          </a:p>
+        </p:txBody>
+      </p:sp>
+      <p:sp>
+        <p:nvSpPr>
+          <p:cNvPr id="10" name="TextBox 9">
+            <a:extLst>
+              <a:ext uri="{FF2B5EF4-FFF2-40B4-BE49-F238E27FC236}">
+                <a16:creationId xmlns:a16="http://schemas.microsoft.com/office/drawing/2014/main" id="{2AB519B3-01C4-4DD3-B9C5-1584B837B05F}"/>
+              </a:ext>
+            </a:extLst>
+          </p:cNvPr>
+          <p:cNvSpPr txBox="1"/>
+          <p:nvPr/>
+        </p:nvSpPr>
+        <p:spPr>
+          <a:xfrm>
+            <a:off x="6853806" y="1342239"/>
+            <a:ext cx="570451" cy="369330"/>
+          </a:xfrm>
+          <a:prstGeom prst="rect">
+            <a:avLst/>
+          </a:prstGeom>
+          <a:noFill/>
+          <a:ln w="12700" cap="flat">
+            <a:noFill/>
+            <a:miter lim="400000"/>
+          </a:ln>
+          <a:effectLst/>
+          <a:sp3d/>
+        </p:spPr>
+        <p:style>
+          <a:lnRef idx="0">
+            <a:scrgbClr r="0" g="0" b="0"/>
+          </a:lnRef>
+          <a:fillRef idx="0">
+            <a:scrgbClr r="0" g="0" b="0"/>
+          </a:fillRef>
+          <a:effectRef idx="0">
+            <a:scrgbClr r="0" g="0" b="0"/>
+          </a:effectRef>
+          <a:fontRef idx="none"/>
+        </p:style>
+        <p:txBody>
+          <a:bodyPr rot="0" spcFirstLastPara="1" vertOverflow="overflow" horzOverflow="overflow" vert="horz" wrap="square" lIns="45719" tIns="45719" rIns="45719" bIns="45719" numCol="1" spcCol="38100" rtlCol="0" anchor="t">
+            <a:spAutoFit/>
+          </a:bodyPr>
+          <a:lstStyle/>
+          <a:p>
+            <a:pPr marL="0" marR="0" indent="0" algn="l" defTabSz="457200" rtl="0" fontAlgn="auto" latinLnBrk="0" hangingPunct="0">
+              <a:lnSpc>
+                <a:spcPct val="100000"/>
+              </a:lnSpc>
+              <a:spcBef>
+                <a:spcPts val="0"/>
+              </a:spcBef>
+              <a:spcAft>
+                <a:spcPts val="0"/>
+              </a:spcAft>
+              <a:buClrTx/>
+              <a:buSzTx/>
+              <a:buFontTx/>
+              <a:buNone/>
+              <a:tabLst/>
+            </a:pPr>
+            <a:r>
+              <a:rPr kumimoji="0" lang="it-IT" sz="1800" b="0" i="0" u="none" strike="noStrike" cap="none" spc="0" normalizeH="0" baseline="0" dirty="0">
+                <a:ln>
+                  <a:noFill/>
+                </a:ln>
+                <a:solidFill>
+                  <a:srgbClr val="000000"/>
+                </a:solidFill>
+                <a:effectLst/>
+                <a:uFillTx/>
+                <a:latin typeface="+mj-lt"/>
+                <a:ea typeface="+mj-ea"/>
+                <a:cs typeface="+mj-cs"/>
+                <a:sym typeface="Calibri"/>
+              </a:rPr>
+              <a:t>0</a:t>
+            </a:r>
+          </a:p>
+        </p:txBody>
+      </p:sp>
     </p:spTree>
     <p:extLst>
       <p:ext uri="{BB962C8B-B14F-4D97-AF65-F5344CB8AC3E}">
-        <p14:creationId xmlns:p14="http://schemas.microsoft.com/office/powerpoint/2010/main" val="4075803994"/>
+        <p14:creationId xmlns:p14="http://schemas.microsoft.com/office/powerpoint/2010/main" val="3026637298"/>
       </p:ext>
     </p:extLst>
   </p:cSld>
@@ -6180,7 +6258,7 @@
           </a:ln>
           <a:extLst>
             <a:ext uri="{C572A759-6A51-4108-AA02-DFA0A04FC94B}">
-              <ma14:wrappingTextBoxFlag xmlns="" xmlns:ma14="http://schemas.microsoft.com/office/mac/drawingml/2011/main" val="1"/>
+              <ma14:wrappingTextBoxFlag xmlns:ma14="http://schemas.microsoft.com/office/mac/drawingml/2011/main" xmlns="" val="1"/>
             </a:ext>
           </a:extLst>
         </p:spPr>
@@ -6243,7 +6321,7 @@
           </a:ln>
           <a:extLst>
             <a:ext uri="{C572A759-6A51-4108-AA02-DFA0A04FC94B}">
-              <ma14:wrappingTextBoxFlag xmlns="" xmlns:ma14="http://schemas.microsoft.com/office/mac/drawingml/2011/main" val="1"/>
+              <ma14:wrappingTextBoxFlag xmlns:ma14="http://schemas.microsoft.com/office/mac/drawingml/2011/main" xmlns="" val="1"/>
             </a:ext>
           </a:extLst>
         </p:spPr>
@@ -6310,7 +6388,7 @@
           </a:ln>
           <a:extLst>
             <a:ext uri="{C572A759-6A51-4108-AA02-DFA0A04FC94B}">
-              <ma14:wrappingTextBoxFlag xmlns="" xmlns:ma14="http://schemas.microsoft.com/office/mac/drawingml/2011/main" val="1"/>
+              <ma14:wrappingTextBoxFlag xmlns:ma14="http://schemas.microsoft.com/office/mac/drawingml/2011/main" xmlns="" val="1"/>
             </a:ext>
           </a:extLst>
         </p:spPr>
@@ -6348,7 +6426,7 @@
         <p:spPr>
           <a:xfrm>
             <a:off x="-2" y="352597"/>
-            <a:ext cx="8925887" cy="2251065"/>
+            <a:ext cx="8925887" cy="2805063"/>
           </a:xfrm>
           <a:prstGeom prst="rect">
             <a:avLst/>
@@ -6358,7 +6436,7 @@
           </a:ln>
           <a:extLst>
             <a:ext uri="{C572A759-6A51-4108-AA02-DFA0A04FC94B}">
-              <ma14:wrappingTextBoxFlag xmlns="" xmlns:ma14="http://schemas.microsoft.com/office/mac/drawingml/2011/main" val="1"/>
+              <ma14:wrappingTextBoxFlag xmlns:ma14="http://schemas.microsoft.com/office/mac/drawingml/2011/main" xmlns="" val="1"/>
             </a:ext>
           </a:extLst>
         </p:spPr>
@@ -6379,11 +6457,115 @@
             </a:pPr>
             <a:r>
               <a:rPr lang="en-US" dirty="0"/>
-              <a:t>Se </a:t>
-            </a:r>
-            <a:r>
-              <a:rPr lang="en-US" dirty="0" err="1"/>
-              <a:t>il</a:t>
+              <a:t>Data di </a:t>
+            </a:r>
+            <a:r>
+              <a:rPr lang="en-US" dirty="0" err="1"/>
+              <a:t>inizio</a:t>
+            </a:r>
+            <a:r>
+              <a:rPr lang="en-US" dirty="0"/>
+              <a:t> e fine </a:t>
+            </a:r>
+            <a:r>
+              <a:rPr lang="en-US" dirty="0" err="1"/>
+              <a:t>della</a:t>
+            </a:r>
+            <a:r>
+              <a:rPr lang="en-US" dirty="0"/>
+              <a:t> </a:t>
+            </a:r>
+            <a:r>
+              <a:rPr lang="en-US" dirty="0" err="1"/>
+              <a:t>simulazione</a:t>
+            </a:r>
+            <a:r>
+              <a:rPr lang="en-US" dirty="0"/>
+              <a:t>, time step </a:t>
+            </a:r>
+            <a:r>
+              <a:rPr lang="en-US" dirty="0" err="1"/>
+              <a:t>della</a:t>
+            </a:r>
+            <a:r>
+              <a:rPr lang="en-US" dirty="0"/>
+              <a:t> </a:t>
+            </a:r>
+            <a:r>
+              <a:rPr lang="en-US" dirty="0" err="1"/>
+              <a:t>serie</a:t>
+            </a:r>
+            <a:r>
+              <a:rPr lang="en-US" dirty="0"/>
+              <a:t> </a:t>
+            </a:r>
+            <a:r>
+              <a:rPr lang="en-US" dirty="0" err="1"/>
+              <a:t>temporale</a:t>
+            </a:r>
+            <a:r>
+              <a:rPr lang="en-US" dirty="0"/>
+              <a:t> espresso in </a:t>
+            </a:r>
+            <a:r>
+              <a:rPr lang="en-US" dirty="0" err="1"/>
+              <a:t>minuti</a:t>
+            </a:r>
+            <a:r>
+              <a:rPr lang="en-US" dirty="0"/>
+              <a:t>. La data di </a:t>
+            </a:r>
+            <a:r>
+              <a:rPr lang="en-US" dirty="0" err="1"/>
+              <a:t>inizio</a:t>
+            </a:r>
+            <a:r>
+              <a:rPr lang="en-US" dirty="0"/>
+              <a:t> e fine </a:t>
+            </a:r>
+            <a:r>
+              <a:rPr lang="en-US" dirty="0" err="1"/>
+              <a:t>della</a:t>
+            </a:r>
+            <a:r>
+              <a:rPr lang="en-US" dirty="0"/>
+              <a:t> </a:t>
+            </a:r>
+            <a:r>
+              <a:rPr lang="en-US" dirty="0" err="1"/>
+              <a:t>simulazione</a:t>
+            </a:r>
+            <a:r>
+              <a:rPr lang="en-US" dirty="0"/>
+              <a:t> </a:t>
+            </a:r>
+            <a:r>
+              <a:rPr lang="en-US" dirty="0" err="1"/>
+              <a:t>devono</a:t>
+            </a:r>
+            <a:r>
+              <a:rPr lang="en-US" dirty="0"/>
+              <a:t> </a:t>
+            </a:r>
+            <a:r>
+              <a:rPr lang="en-US" dirty="0" err="1"/>
+              <a:t>essere</a:t>
+            </a:r>
+            <a:r>
+              <a:rPr lang="en-US" dirty="0"/>
+              <a:t> </a:t>
+            </a:r>
+            <a:r>
+              <a:rPr lang="en-US" dirty="0" err="1"/>
+              <a:t>contenute</a:t>
+            </a:r>
+            <a:r>
+              <a:rPr lang="en-US" dirty="0"/>
+              <a:t> </a:t>
+            </a:r>
+            <a:r>
+              <a:rPr lang="en-US" dirty="0" err="1"/>
+              <a:t>nel</a:t>
             </a:r>
             <a:r>
               <a:rPr lang="en-US" dirty="0"/>
@@ -6399,6 +6581,22 @@
             </a:r>
             <a:r>
               <a:rPr lang="en-US" dirty="0" err="1"/>
+              <a:t>serie</a:t>
+            </a:r>
+            <a:r>
+              <a:rPr lang="en-US" dirty="0"/>
+              <a:t> </a:t>
+            </a:r>
+            <a:r>
+              <a:rPr lang="en-US" dirty="0" err="1"/>
+              <a:t>temporali</a:t>
+            </a:r>
+            <a:r>
+              <a:rPr lang="en-US" dirty="0"/>
+              <a:t> per le </a:t>
+            </a:r>
+            <a:r>
+              <a:rPr lang="en-US" dirty="0" err="1"/>
               <a:t>condizioni</a:t>
             </a:r>
             <a:r>
@@ -6408,110 +6606,6 @@
             <a:r>
               <a:rPr lang="en-US" dirty="0" err="1"/>
               <a:t>contorno</a:t>
-            </a:r>
-            <a:r>
-              <a:rPr lang="en-US" dirty="0"/>
-              <a:t> non </a:t>
-            </a:r>
-            <a:r>
-              <a:rPr lang="en-US" dirty="0" err="1"/>
-              <a:t>dovesse</a:t>
-            </a:r>
-            <a:r>
-              <a:rPr lang="en-US" dirty="0"/>
-              <a:t> </a:t>
-            </a:r>
-            <a:r>
-              <a:rPr lang="en-US" dirty="0" err="1"/>
-              <a:t>contenere</a:t>
-            </a:r>
-            <a:r>
-              <a:rPr lang="en-US" dirty="0"/>
-              <a:t> le date di </a:t>
-            </a:r>
-            <a:r>
-              <a:rPr lang="en-US" dirty="0" err="1"/>
-              <a:t>inizio</a:t>
-            </a:r>
-            <a:r>
-              <a:rPr lang="en-US" dirty="0"/>
-              <a:t> o fine </a:t>
-            </a:r>
-            <a:r>
-              <a:rPr lang="en-US" dirty="0" err="1"/>
-              <a:t>della</a:t>
-            </a:r>
-            <a:r>
-              <a:rPr lang="en-US" dirty="0"/>
-              <a:t> </a:t>
-            </a:r>
-            <a:r>
-              <a:rPr lang="en-US" dirty="0" err="1"/>
-              <a:t>simulazione</a:t>
-            </a:r>
-            <a:r>
-              <a:rPr lang="en-US" dirty="0"/>
-              <a:t> o una data </a:t>
-            </a:r>
-            <a:r>
-              <a:rPr lang="en-US" dirty="0" err="1"/>
-              <a:t>all’interno</a:t>
-            </a:r>
-            <a:r>
-              <a:rPr lang="en-US" dirty="0"/>
-              <a:t> di </a:t>
-            </a:r>
-            <a:r>
-              <a:rPr lang="en-US" dirty="0" err="1"/>
-              <a:t>questa</a:t>
-            </a:r>
-            <a:r>
-              <a:rPr lang="en-US" dirty="0"/>
-              <a:t> </a:t>
-            </a:r>
-            <a:r>
-              <a:rPr lang="en-US" dirty="0" err="1"/>
-              <a:t>finestra</a:t>
-            </a:r>
-            <a:r>
-              <a:rPr lang="en-US" dirty="0"/>
-              <a:t> </a:t>
-            </a:r>
-            <a:r>
-              <a:rPr lang="en-US" dirty="0" err="1"/>
-              <a:t>temporale</a:t>
-            </a:r>
-            <a:r>
-              <a:rPr lang="en-US" dirty="0"/>
-              <a:t>, </a:t>
-            </a:r>
-            <a:r>
-              <a:rPr lang="en-US" dirty="0" err="1"/>
-              <a:t>viene</a:t>
-            </a:r>
-            <a:r>
-              <a:rPr lang="en-US" dirty="0"/>
-              <a:t> </a:t>
-            </a:r>
-            <a:r>
-              <a:rPr lang="en-US" dirty="0" err="1"/>
-              <a:t>restituito</a:t>
-            </a:r>
-            <a:r>
-              <a:rPr lang="en-US" dirty="0"/>
-              <a:t> </a:t>
-            </a:r>
-            <a:r>
-              <a:rPr lang="en-US" dirty="0" err="1"/>
-              <a:t>questo</a:t>
-            </a:r>
-            <a:r>
-              <a:rPr lang="en-US" dirty="0"/>
-              <a:t> </a:t>
-            </a:r>
-            <a:r>
-              <a:rPr lang="en-US" dirty="0" err="1"/>
-              <a:t>errore</a:t>
             </a:r>
             <a:r>
               <a:rPr lang="en-US" dirty="0"/>
@@ -6534,10 +6628,10 @@
       </p:sp>
       <p:pic>
         <p:nvPicPr>
-          <p:cNvPr id="2" name="Picture 1">
+          <p:cNvPr id="5" name="Picture 4">
             <a:extLst>
               <a:ext uri="{FF2B5EF4-FFF2-40B4-BE49-F238E27FC236}">
-                <a16:creationId xmlns:a16="http://schemas.microsoft.com/office/drawing/2014/main" id="{381396BB-F751-4869-8DD9-1594CB851F31}"/>
+                <a16:creationId xmlns:a16="http://schemas.microsoft.com/office/drawing/2014/main" id="{8A9E113F-41EE-4334-8F80-75E806C2BDA0}"/>
               </a:ext>
             </a:extLst>
           </p:cNvPr>
@@ -6554,174 +6648,18 @@
         </p:blipFill>
         <p:spPr>
           <a:xfrm>
-            <a:off x="0" y="3157660"/>
-            <a:ext cx="9144000" cy="443101"/>
+            <a:off x="909244" y="2876010"/>
+            <a:ext cx="5572125" cy="2124075"/>
           </a:xfrm>
           <a:prstGeom prst="rect">
             <a:avLst/>
           </a:prstGeom>
         </p:spPr>
       </p:pic>
-      <p:sp>
-        <p:nvSpPr>
-          <p:cNvPr id="8" name="TextBox 1 1">
-            <a:extLst>
-              <a:ext uri="{FF2B5EF4-FFF2-40B4-BE49-F238E27FC236}">
-                <a16:creationId xmlns:a16="http://schemas.microsoft.com/office/drawing/2014/main" id="{4885638B-85B6-479D-9F8D-CB708BE9C7E8}"/>
-              </a:ext>
-            </a:extLst>
-          </p:cNvPr>
-          <p:cNvSpPr txBox="1"/>
-          <p:nvPr/>
-        </p:nvSpPr>
-        <p:spPr>
-          <a:xfrm>
-            <a:off x="-90883" y="3849777"/>
-            <a:ext cx="8925887" cy="1697068"/>
-          </a:xfrm>
-          <a:prstGeom prst="rect">
-            <a:avLst/>
-          </a:prstGeom>
-          <a:ln w="12700">
-            <a:miter lim="400000"/>
-          </a:ln>
-          <a:extLst>
-            <a:ext uri="{C572A759-6A51-4108-AA02-DFA0A04FC94B}">
-              <ma14:wrappingTextBoxFlag xmlns="" xmlns:ma14="http://schemas.microsoft.com/office/mac/drawingml/2011/main" val="1"/>
-            </a:ext>
-          </a:extLst>
-        </p:spPr>
-        <p:txBody>
-          <a:bodyPr wrap="square" lIns="45719" rIns="45719">
-            <a:spAutoFit/>
-          </a:bodyPr>
-          <a:lstStyle/>
-          <a:p>
-            <a:pPr marL="168275" algn="just">
-              <a:lnSpc>
-                <a:spcPct val="150000"/>
-              </a:lnSpc>
-              <a:tabLst>
-                <a:tab pos="8740775" algn="l"/>
-              </a:tabLst>
-              <a:defRPr sz="2400"/>
-            </a:pPr>
-            <a:r>
-              <a:rPr lang="en-US" dirty="0" err="1"/>
-              <a:t>Soluzione</a:t>
-            </a:r>
-            <a:r>
-              <a:rPr lang="en-US" dirty="0"/>
-              <a:t>:  </a:t>
-            </a:r>
-            <a:r>
-              <a:rPr lang="en-US" dirty="0" err="1"/>
-              <a:t>aggiungere</a:t>
-            </a:r>
-            <a:r>
-              <a:rPr lang="en-US" dirty="0"/>
-              <a:t> le date </a:t>
-            </a:r>
-            <a:r>
-              <a:rPr lang="en-US" dirty="0" err="1"/>
-              <a:t>mancanti</a:t>
-            </a:r>
-            <a:r>
-              <a:rPr lang="en-US" dirty="0"/>
-              <a:t>, </a:t>
-            </a:r>
-            <a:r>
-              <a:rPr lang="en-US" dirty="0" err="1"/>
-              <a:t>correggere</a:t>
-            </a:r>
-            <a:r>
-              <a:rPr lang="en-US" dirty="0"/>
-              <a:t> </a:t>
-            </a:r>
-            <a:r>
-              <a:rPr lang="en-US" dirty="0" err="1"/>
-              <a:t>i</a:t>
-            </a:r>
-            <a:r>
-              <a:rPr lang="en-US" dirty="0"/>
-              <a:t> </a:t>
-            </a:r>
-            <a:r>
-              <a:rPr lang="en-US" dirty="0" err="1"/>
-              <a:t>campi</a:t>
-            </a:r>
-            <a:r>
-              <a:rPr lang="en-US" dirty="0"/>
-              <a:t> </a:t>
-            </a:r>
-            <a:r>
-              <a:rPr lang="en-US" dirty="0" err="1"/>
-              <a:t>startDate</a:t>
-            </a:r>
-            <a:r>
-              <a:rPr lang="en-US" dirty="0"/>
-              <a:t> </a:t>
-            </a:r>
-            <a:r>
-              <a:rPr lang="en-US" dirty="0" err="1"/>
-              <a:t>endDate</a:t>
-            </a:r>
-            <a:r>
-              <a:rPr lang="en-US" dirty="0"/>
-              <a:t>, </a:t>
-            </a:r>
-            <a:r>
-              <a:rPr lang="en-US" dirty="0" err="1"/>
-              <a:t>eventualmente</a:t>
-            </a:r>
-            <a:r>
-              <a:rPr lang="en-US" dirty="0"/>
-              <a:t> </a:t>
-            </a:r>
-            <a:r>
-              <a:rPr lang="en-US" dirty="0" err="1"/>
-              <a:t>controllare</a:t>
-            </a:r>
-            <a:r>
-              <a:rPr lang="en-US" dirty="0"/>
-              <a:t> </a:t>
-            </a:r>
-            <a:r>
-              <a:rPr lang="en-US" dirty="0" err="1"/>
-              <a:t>il</a:t>
-            </a:r>
-            <a:r>
-              <a:rPr lang="en-US" dirty="0"/>
-              <a:t> </a:t>
-            </a:r>
-            <a:r>
-              <a:rPr lang="en-US" dirty="0" err="1"/>
-              <a:t>tTimeStep</a:t>
-            </a:r>
-            <a:r>
-              <a:rPr lang="en-US"/>
-              <a:t>.</a:t>
-            </a:r>
-            <a:endParaRPr lang="en-US" dirty="0"/>
-          </a:p>
-          <a:p>
-            <a:pPr marL="168275" algn="just">
-              <a:lnSpc>
-                <a:spcPct val="150000"/>
-              </a:lnSpc>
-              <a:tabLst>
-                <a:tab pos="8740775" algn="l"/>
-              </a:tabLst>
-              <a:defRPr sz="2400"/>
-            </a:pPr>
-            <a:endParaRPr lang="it-IT" dirty="0"/>
-          </a:p>
-        </p:txBody>
-      </p:sp>
     </p:spTree>
     <p:extLst>
       <p:ext uri="{BB962C8B-B14F-4D97-AF65-F5344CB8AC3E}">
-        <p14:creationId xmlns:p14="http://schemas.microsoft.com/office/powerpoint/2010/main" val="660439132"/>
+        <p14:creationId xmlns:p14="http://schemas.microsoft.com/office/powerpoint/2010/main" val="4075803994"/>
       </p:ext>
     </p:extLst>
   </p:cSld>
@@ -6768,7 +6706,7 @@
           </a:ln>
           <a:extLst>
             <a:ext uri="{C572A759-6A51-4108-AA02-DFA0A04FC94B}">
-              <ma14:wrappingTextBoxFlag xmlns="" xmlns:ma14="http://schemas.microsoft.com/office/mac/drawingml/2011/main" val="1"/>
+              <ma14:wrappingTextBoxFlag xmlns:ma14="http://schemas.microsoft.com/office/mac/drawingml/2011/main" xmlns="" val="1"/>
             </a:ext>
           </a:extLst>
         </p:spPr>
@@ -6805,20 +6743,8 @@
           </a:lstStyle>
           <a:p>
             <a:r>
-              <a:rPr lang="en-US" dirty="0" err="1"/>
-              <a:t>Parametri</a:t>
-            </a:r>
-            <a:r>
-              <a:rPr lang="en-US" dirty="0"/>
-              <a:t> del </a:t>
-            </a:r>
-            <a:r>
-              <a:rPr lang="en-US" dirty="0" err="1"/>
-              <a:t>terreno</a:t>
-            </a:r>
-            <a:r>
-              <a:rPr lang="en-US" dirty="0"/>
-              <a:t> </a:t>
+              <a:rPr lang="en-US" dirty="0"/>
+              <a:t>.sim</a:t>
             </a:r>
             <a:endParaRPr dirty="0"/>
           </a:p>
@@ -6843,7 +6769,7 @@
           </a:ln>
           <a:extLst>
             <a:ext uri="{C572A759-6A51-4108-AA02-DFA0A04FC94B}">
-              <ma14:wrappingTextBoxFlag xmlns="" xmlns:ma14="http://schemas.microsoft.com/office/mac/drawingml/2011/main" val="1"/>
+              <ma14:wrappingTextBoxFlag xmlns:ma14="http://schemas.microsoft.com/office/mac/drawingml/2011/main" xmlns="" val="1"/>
             </a:ext>
           </a:extLst>
         </p:spPr>
@@ -6910,7 +6836,7 @@
           </a:ln>
           <a:extLst>
             <a:ext uri="{C572A759-6A51-4108-AA02-DFA0A04FC94B}">
-              <ma14:wrappingTextBoxFlag xmlns="" xmlns:ma14="http://schemas.microsoft.com/office/mac/drawingml/2011/main" val="1"/>
+              <ma14:wrappingTextBoxFlag xmlns:ma14="http://schemas.microsoft.com/office/mac/drawingml/2011/main" xmlns="" val="1"/>
             </a:ext>
           </a:extLst>
         </p:spPr>
@@ -6935,10 +6861,10 @@
       </p:sp>
       <p:sp>
         <p:nvSpPr>
-          <p:cNvPr id="7" name="TextBox 1 1">
+          <p:cNvPr id="10" name="TextBox 1 1">
             <a:extLst>
               <a:ext uri="{FF2B5EF4-FFF2-40B4-BE49-F238E27FC236}">
-                <a16:creationId xmlns:a16="http://schemas.microsoft.com/office/drawing/2014/main" id="{88209908-269A-402B-A32D-597414AD151A}"/>
+                <a16:creationId xmlns:a16="http://schemas.microsoft.com/office/drawing/2014/main" id="{5CEE679C-28CF-4944-9065-41AD6CB198D8}"/>
               </a:ext>
             </a:extLst>
           </p:cNvPr>
@@ -6948,7 +6874,7 @@
         <p:spPr>
           <a:xfrm>
             <a:off x="-2" y="352597"/>
-            <a:ext cx="8925887" cy="1143070"/>
+            <a:ext cx="8925887" cy="2251065"/>
           </a:xfrm>
           <a:prstGeom prst="rect">
             <a:avLst/>
@@ -6958,7 +6884,7 @@
           </a:ln>
           <a:extLst>
             <a:ext uri="{C572A759-6A51-4108-AA02-DFA0A04FC94B}">
-              <ma14:wrappingTextBoxFlag xmlns="" xmlns:ma14="http://schemas.microsoft.com/office/mac/drawingml/2011/main" val="1"/>
+              <ma14:wrappingTextBoxFlag xmlns:ma14="http://schemas.microsoft.com/office/mac/drawingml/2011/main" xmlns="" val="1"/>
             </a:ext>
           </a:extLst>
         </p:spPr>
@@ -6978,10 +6904,145 @@
               <a:defRPr sz="2400"/>
             </a:pPr>
             <a:r>
-              <a:rPr lang="it-IT" dirty="0"/>
-              <a:t>Nel sim file i parametri del terreno vengono assegnati alle righe:</a:t>
-            </a:r>
-            <a:endParaRPr lang="en-US" dirty="0"/>
+              <a:rPr lang="en-US" dirty="0"/>
+              <a:t>Se </a:t>
+            </a:r>
+            <a:r>
+              <a:rPr lang="en-US" dirty="0" err="1"/>
+              <a:t>il</a:t>
+            </a:r>
+            <a:r>
+              <a:rPr lang="en-US" dirty="0"/>
+              <a:t> file di input </a:t>
+            </a:r>
+            <a:r>
+              <a:rPr lang="en-US" dirty="0" err="1"/>
+              <a:t>delle</a:t>
+            </a:r>
+            <a:r>
+              <a:rPr lang="en-US" dirty="0"/>
+              <a:t> </a:t>
+            </a:r>
+            <a:r>
+              <a:rPr lang="en-US" dirty="0" err="1"/>
+              <a:t>condizioni</a:t>
+            </a:r>
+            <a:r>
+              <a:rPr lang="en-US" dirty="0"/>
+              <a:t> al </a:t>
+            </a:r>
+            <a:r>
+              <a:rPr lang="en-US" dirty="0" err="1"/>
+              <a:t>contorno</a:t>
+            </a:r>
+            <a:r>
+              <a:rPr lang="en-US" dirty="0"/>
+              <a:t> non </a:t>
+            </a:r>
+            <a:r>
+              <a:rPr lang="en-US" dirty="0" err="1"/>
+              <a:t>dovesse</a:t>
+            </a:r>
+            <a:r>
+              <a:rPr lang="en-US" dirty="0"/>
+              <a:t> </a:t>
+            </a:r>
+            <a:r>
+              <a:rPr lang="en-US" dirty="0" err="1"/>
+              <a:t>contenere</a:t>
+            </a:r>
+            <a:r>
+              <a:rPr lang="en-US" dirty="0"/>
+              <a:t> le date di </a:t>
+            </a:r>
+            <a:r>
+              <a:rPr lang="en-US" dirty="0" err="1"/>
+              <a:t>inizio</a:t>
+            </a:r>
+            <a:r>
+              <a:rPr lang="en-US" dirty="0"/>
+              <a:t> o fine </a:t>
+            </a:r>
+            <a:r>
+              <a:rPr lang="en-US" dirty="0" err="1"/>
+              <a:t>della</a:t>
+            </a:r>
+            <a:r>
+              <a:rPr lang="en-US" dirty="0"/>
+              <a:t> </a:t>
+            </a:r>
+            <a:r>
+              <a:rPr lang="en-US" dirty="0" err="1"/>
+              <a:t>simulazione</a:t>
+            </a:r>
+            <a:r>
+              <a:rPr lang="en-US" dirty="0"/>
+              <a:t> o una data </a:t>
+            </a:r>
+            <a:r>
+              <a:rPr lang="en-US" dirty="0" err="1"/>
+              <a:t>all’interno</a:t>
+            </a:r>
+            <a:r>
+              <a:rPr lang="en-US" dirty="0"/>
+              <a:t> di </a:t>
+            </a:r>
+            <a:r>
+              <a:rPr lang="en-US" dirty="0" err="1"/>
+              <a:t>questa</a:t>
+            </a:r>
+            <a:r>
+              <a:rPr lang="en-US" dirty="0"/>
+              <a:t> </a:t>
+            </a:r>
+            <a:r>
+              <a:rPr lang="en-US" dirty="0" err="1"/>
+              <a:t>finestra</a:t>
+            </a:r>
+            <a:r>
+              <a:rPr lang="en-US" dirty="0"/>
+              <a:t> </a:t>
+            </a:r>
+            <a:r>
+              <a:rPr lang="en-US" dirty="0" err="1"/>
+              <a:t>temporale</a:t>
+            </a:r>
+            <a:r>
+              <a:rPr lang="en-US" dirty="0"/>
+              <a:t>, </a:t>
+            </a:r>
+            <a:r>
+              <a:rPr lang="en-US" dirty="0" err="1"/>
+              <a:t>viene</a:t>
+            </a:r>
+            <a:r>
+              <a:rPr lang="en-US" dirty="0"/>
+              <a:t> </a:t>
+            </a:r>
+            <a:r>
+              <a:rPr lang="en-US" dirty="0" err="1"/>
+              <a:t>restituito</a:t>
+            </a:r>
+            <a:r>
+              <a:rPr lang="en-US" dirty="0"/>
+              <a:t> </a:t>
+            </a:r>
+            <a:r>
+              <a:rPr lang="en-US" dirty="0" err="1"/>
+              <a:t>questo</a:t>
+            </a:r>
+            <a:r>
+              <a:rPr lang="en-US" dirty="0"/>
+              <a:t> </a:t>
+            </a:r>
+            <a:r>
+              <a:rPr lang="en-US" dirty="0" err="1"/>
+              <a:t>errore</a:t>
+            </a:r>
+            <a:r>
+              <a:rPr lang="en-US" dirty="0"/>
+              <a:t>.</a:t>
+            </a:r>
           </a:p>
           <a:p>
             <a:pPr marL="168275" algn="just">
@@ -6999,10 +7060,10 @@
       </p:sp>
       <p:pic>
         <p:nvPicPr>
-          <p:cNvPr id="4" name="Picture 3" descr="A close up of text on a white background&#10;&#10;Description automatically generated">
+          <p:cNvPr id="2" name="Picture 1">
             <a:extLst>
               <a:ext uri="{FF2B5EF4-FFF2-40B4-BE49-F238E27FC236}">
-                <a16:creationId xmlns:a16="http://schemas.microsoft.com/office/drawing/2014/main" id="{92D86DCA-6886-461F-A6AE-01FF2F1CF3B2}"/>
+                <a16:creationId xmlns:a16="http://schemas.microsoft.com/office/drawing/2014/main" id="{381396BB-F751-4869-8DD9-1594CB851F31}"/>
               </a:ext>
             </a:extLst>
           </p:cNvPr>
@@ -7012,21 +7073,15 @@
           <p:nvPr/>
         </p:nvPicPr>
         <p:blipFill>
-          <a:blip r:embed="rId2">
-            <a:extLst>
-              <a:ext uri="{28A0092B-C50C-407E-A947-70E740481C1C}">
-                <a14:useLocalDpi xmlns:a14="http://schemas.microsoft.com/office/drawing/2010/main" val="0"/>
-              </a:ext>
-            </a:extLst>
-          </a:blip>
+          <a:blip r:embed="rId2"/>
           <a:stretch>
             <a:fillRect/>
           </a:stretch>
         </p:blipFill>
         <p:spPr>
           <a:xfrm>
-            <a:off x="1595129" y="975549"/>
-            <a:ext cx="5943150" cy="3429710"/>
+            <a:off x="0" y="3157660"/>
+            <a:ext cx="9144000" cy="443101"/>
           </a:xfrm>
           <a:prstGeom prst="rect">
             <a:avLst/>
@@ -7035,10 +7090,10 @@
       </p:pic>
       <p:sp>
         <p:nvSpPr>
-          <p:cNvPr id="12" name="TextBox 1 1">
+          <p:cNvPr id="8" name="TextBox 1 1">
             <a:extLst>
               <a:ext uri="{FF2B5EF4-FFF2-40B4-BE49-F238E27FC236}">
-                <a16:creationId xmlns:a16="http://schemas.microsoft.com/office/drawing/2014/main" id="{9C371D35-D5B5-444F-8ABE-27A44D8CD997}"/>
+                <a16:creationId xmlns:a16="http://schemas.microsoft.com/office/drawing/2014/main" id="{4885638B-85B6-479D-9F8D-CB708BE9C7E8}"/>
               </a:ext>
             </a:extLst>
           </p:cNvPr>
@@ -7047,8 +7102,8 @@
         </p:nvSpPr>
         <p:spPr>
           <a:xfrm>
-            <a:off x="0" y="4615602"/>
-            <a:ext cx="8925887" cy="1143070"/>
+            <a:off x="-90883" y="3849777"/>
+            <a:ext cx="8925887" cy="1697068"/>
           </a:xfrm>
           <a:prstGeom prst="rect">
             <a:avLst/>
@@ -7058,7 +7113,7 @@
           </a:ln>
           <a:extLst>
             <a:ext uri="{C572A759-6A51-4108-AA02-DFA0A04FC94B}">
-              <ma14:wrappingTextBoxFlag xmlns="" xmlns:ma14="http://schemas.microsoft.com/office/mac/drawingml/2011/main" val="1"/>
+              <ma14:wrappingTextBoxFlag xmlns:ma14="http://schemas.microsoft.com/office/mac/drawingml/2011/main" xmlns="" val="1"/>
             </a:ext>
           </a:extLst>
         </p:spPr>
@@ -7078,36 +7133,100 @@
               <a:defRPr sz="2400"/>
             </a:pPr>
             <a:r>
-              <a:rPr lang="en-US" dirty="0"/>
-              <a:t>La </a:t>
-            </a:r>
-            <a:r>
-              <a:rPr lang="en-US" dirty="0" err="1"/>
-              <a:t>sintassi</a:t>
-            </a:r>
-            <a:r>
-              <a:rPr lang="en-US" dirty="0"/>
-              <a:t> “{</a:t>
-            </a:r>
-            <a:r>
-              <a:rPr lang="en-US" dirty="0" err="1"/>
-              <a:t>a,b</a:t>
-            </a:r>
-            <a:r>
-              <a:rPr lang="en-US" dirty="0"/>
-              <a:t>}” in OMS </a:t>
-            </a:r>
-            <a:r>
-              <a:rPr lang="en-US" dirty="0" err="1"/>
-              <a:t>indica</a:t>
-            </a:r>
-            <a:r>
-              <a:rPr lang="en-US" dirty="0"/>
-              <a:t> un </a:t>
-            </a:r>
-            <a:r>
-              <a:rPr lang="en-US" dirty="0" err="1"/>
-              <a:t>vettore</a:t>
+              <a:rPr lang="en-US" dirty="0" err="1"/>
+              <a:t>Soluzione</a:t>
+            </a:r>
+            <a:r>
+              <a:rPr lang="en-US" dirty="0"/>
+              <a:t>:  </a:t>
+            </a:r>
+            <a:r>
+              <a:rPr lang="en-US" dirty="0" err="1"/>
+              <a:t>aggiungere</a:t>
+            </a:r>
+            <a:r>
+              <a:rPr lang="en-US" dirty="0"/>
+              <a:t> le date </a:t>
+            </a:r>
+            <a:r>
+              <a:rPr lang="en-US" dirty="0" err="1"/>
+              <a:t>mancanti</a:t>
+            </a:r>
+            <a:r>
+              <a:rPr lang="en-US" dirty="0"/>
+              <a:t>, </a:t>
+            </a:r>
+            <a:r>
+              <a:rPr lang="en-US" dirty="0" err="1"/>
+              <a:t>correggere</a:t>
+            </a:r>
+            <a:r>
+              <a:rPr lang="en-US" dirty="0"/>
+              <a:t> </a:t>
+            </a:r>
+            <a:r>
+              <a:rPr lang="en-US" dirty="0" err="1"/>
+              <a:t>i</a:t>
+            </a:r>
+            <a:r>
+              <a:rPr lang="en-US" dirty="0"/>
+              <a:t> </a:t>
+            </a:r>
+            <a:r>
+              <a:rPr lang="en-US" dirty="0" err="1"/>
+              <a:t>campi</a:t>
+            </a:r>
+            <a:r>
+              <a:rPr lang="en-US" dirty="0"/>
+              <a:t> </a:t>
+            </a:r>
+            <a:r>
+              <a:rPr lang="en-US" dirty="0" err="1"/>
+              <a:t>startDate</a:t>
+            </a:r>
+            <a:r>
+              <a:rPr lang="en-US" dirty="0"/>
+              <a:t> </a:t>
+            </a:r>
+            <a:r>
+              <a:rPr lang="en-US" dirty="0" err="1"/>
+              <a:t>endDate</a:t>
+            </a:r>
+            <a:r>
+              <a:rPr lang="en-US" dirty="0"/>
+              <a:t>, </a:t>
+            </a:r>
+            <a:r>
+              <a:rPr lang="en-US" dirty="0" err="1"/>
+              <a:t>eventualmente</a:t>
+            </a:r>
+            <a:r>
+              <a:rPr lang="en-US" dirty="0"/>
+              <a:t> </a:t>
+            </a:r>
+            <a:r>
+              <a:rPr lang="en-US" dirty="0" err="1"/>
+              <a:t>controllare</a:t>
+            </a:r>
+            <a:r>
+              <a:rPr lang="en-US" dirty="0"/>
+              <a:t> </a:t>
+            </a:r>
+            <a:r>
+              <a:rPr lang="en-US" dirty="0" err="1"/>
+              <a:t>il</a:t>
+            </a:r>
+            <a:r>
+              <a:rPr lang="en-US" dirty="0"/>
+              <a:t> </a:t>
+            </a:r>
+            <a:r>
+              <a:rPr lang="en-US" dirty="0" err="1"/>
+              <a:t>tTimeStep</a:t>
+            </a:r>
+            <a:r>
+              <a:rPr lang="en-US"/>
+              <a:t>.</a:t>
             </a:r>
             <a:endParaRPr lang="en-US" dirty="0"/>
           </a:p>
@@ -7128,7 +7247,7 @@
     </p:spTree>
     <p:extLst>
       <p:ext uri="{BB962C8B-B14F-4D97-AF65-F5344CB8AC3E}">
-        <p14:creationId xmlns:p14="http://schemas.microsoft.com/office/powerpoint/2010/main" val="112542118"/>
+        <p14:creationId xmlns:p14="http://schemas.microsoft.com/office/powerpoint/2010/main" val="660439132"/>
       </p:ext>
     </p:extLst>
   </p:cSld>
@@ -7175,7 +7294,7 @@
           </a:ln>
           <a:extLst>
             <a:ext uri="{C572A759-6A51-4108-AA02-DFA0A04FC94B}">
-              <ma14:wrappingTextBoxFlag xmlns="" xmlns:ma14="http://schemas.microsoft.com/office/mac/drawingml/2011/main" val="1"/>
+              <ma14:wrappingTextBoxFlag xmlns:ma14="http://schemas.microsoft.com/office/mac/drawingml/2011/main" xmlns="" val="1"/>
             </a:ext>
           </a:extLst>
         </p:spPr>
@@ -7212,20 +7331,8 @@
           </a:lstStyle>
           <a:p>
             <a:r>
-              <a:rPr lang="en-US" dirty="0" err="1"/>
-              <a:t>Parametri</a:t>
-            </a:r>
-            <a:r>
-              <a:rPr lang="en-US" dirty="0"/>
-              <a:t> del </a:t>
-            </a:r>
-            <a:r>
-              <a:rPr lang="en-US" dirty="0" err="1"/>
-              <a:t>terreno</a:t>
-            </a:r>
-            <a:r>
-              <a:rPr lang="en-US" dirty="0"/>
-              <a:t> </a:t>
+              <a:rPr lang="en-US" dirty="0"/>
+              <a:t>.sim</a:t>
             </a:r>
             <a:endParaRPr dirty="0"/>
           </a:p>
@@ -7250,7 +7357,7 @@
           </a:ln>
           <a:extLst>
             <a:ext uri="{C572A759-6A51-4108-AA02-DFA0A04FC94B}">
-              <ma14:wrappingTextBoxFlag xmlns="" xmlns:ma14="http://schemas.microsoft.com/office/mac/drawingml/2011/main" val="1"/>
+              <ma14:wrappingTextBoxFlag xmlns:ma14="http://schemas.microsoft.com/office/mac/drawingml/2011/main" xmlns="" val="1"/>
             </a:ext>
           </a:extLst>
         </p:spPr>
@@ -7317,7 +7424,7 @@
           </a:ln>
           <a:extLst>
             <a:ext uri="{C572A759-6A51-4108-AA02-DFA0A04FC94B}">
-              <ma14:wrappingTextBoxFlag xmlns="" xmlns:ma14="http://schemas.microsoft.com/office/mac/drawingml/2011/main" val="1"/>
+              <ma14:wrappingTextBoxFlag xmlns:ma14="http://schemas.microsoft.com/office/mac/drawingml/2011/main" xmlns="" val="1"/>
             </a:ext>
           </a:extLst>
         </p:spPr>
@@ -7340,76 +7447,12 @@
           </a:p>
         </p:txBody>
       </p:sp>
-      <p:sp>
-        <p:nvSpPr>
-          <p:cNvPr id="7" name="TextBox 1 1">
+      <p:pic>
+        <p:nvPicPr>
+          <p:cNvPr id="3" name="Picture 2">
             <a:extLst>
               <a:ext uri="{FF2B5EF4-FFF2-40B4-BE49-F238E27FC236}">
-                <a16:creationId xmlns:a16="http://schemas.microsoft.com/office/drawing/2014/main" id="{88209908-269A-402B-A32D-597414AD151A}"/>
-              </a:ext>
-            </a:extLst>
-          </p:cNvPr>
-          <p:cNvSpPr txBox="1"/>
-          <p:nvPr/>
-        </p:nvSpPr>
-        <p:spPr>
-          <a:xfrm>
-            <a:off x="-2" y="352597"/>
-            <a:ext cx="8925887" cy="1697068"/>
-          </a:xfrm>
-          <a:prstGeom prst="rect">
-            <a:avLst/>
-          </a:prstGeom>
-          <a:ln w="12700">
-            <a:miter lim="400000"/>
-          </a:ln>
-          <a:extLst>
-            <a:ext uri="{C572A759-6A51-4108-AA02-DFA0A04FC94B}">
-              <ma14:wrappingTextBoxFlag xmlns="" xmlns:ma14="http://schemas.microsoft.com/office/mac/drawingml/2011/main" val="1"/>
-            </a:ext>
-          </a:extLst>
-        </p:spPr>
-        <p:txBody>
-          <a:bodyPr wrap="square" lIns="45719" rIns="45719">
-            <a:spAutoFit/>
-          </a:bodyPr>
-          <a:lstStyle/>
-          <a:p>
-            <a:pPr marL="168275" algn="just">
-              <a:lnSpc>
-                <a:spcPct val="150000"/>
-              </a:lnSpc>
-              <a:tabLst>
-                <a:tab pos="8740775" algn="l"/>
-              </a:tabLst>
-              <a:defRPr sz="2400"/>
-            </a:pPr>
-            <a:r>
-              <a:rPr lang="it-IT" dirty="0"/>
-              <a:t>Per il momento la parametrizzazione da usare è quella di Van Genuchten:</a:t>
-            </a:r>
-            <a:endParaRPr lang="en-US" dirty="0"/>
-          </a:p>
-          <a:p>
-            <a:pPr marL="168275" algn="just">
-              <a:lnSpc>
-                <a:spcPct val="150000"/>
-              </a:lnSpc>
-              <a:tabLst>
-                <a:tab pos="8740775" algn="l"/>
-              </a:tabLst>
-              <a:defRPr sz="2400"/>
-            </a:pPr>
-            <a:endParaRPr lang="it-IT" dirty="0"/>
-          </a:p>
-        </p:txBody>
-      </p:sp>
-      <p:pic>
-        <p:nvPicPr>
-          <p:cNvPr id="4" name="Picture 3" descr="A close up of text on a white background&#10;&#10;Description automatically generated">
-            <a:extLst>
-              <a:ext uri="{FF2B5EF4-FFF2-40B4-BE49-F238E27FC236}">
-                <a16:creationId xmlns:a16="http://schemas.microsoft.com/office/drawing/2014/main" id="{92D86DCA-6886-461F-A6AE-01FF2F1CF3B2}"/>
+                <a16:creationId xmlns:a16="http://schemas.microsoft.com/office/drawing/2014/main" id="{5BEBFAD4-0656-47AA-BDBE-7F0EA16CCC1C}"/>
               </a:ext>
             </a:extLst>
           </p:cNvPr>
@@ -7419,126 +7462,25 @@
           <p:nvPr/>
         </p:nvPicPr>
         <p:blipFill>
-          <a:blip r:embed="rId2">
-            <a:extLst>
-              <a:ext uri="{28A0092B-C50C-407E-A947-70E740481C1C}">
-                <a14:useLocalDpi xmlns:a14="http://schemas.microsoft.com/office/drawing/2010/main" val="0"/>
-              </a:ext>
-            </a:extLst>
-          </a:blip>
+          <a:blip r:embed="rId2"/>
           <a:stretch>
             <a:fillRect/>
           </a:stretch>
         </p:blipFill>
         <p:spPr>
           <a:xfrm>
-            <a:off x="1595129" y="1445333"/>
-            <a:ext cx="5943150" cy="3429710"/>
+            <a:off x="0" y="633971"/>
+            <a:ext cx="9144000" cy="5590057"/>
           </a:xfrm>
           <a:prstGeom prst="rect">
             <a:avLst/>
           </a:prstGeom>
         </p:spPr>
       </p:pic>
-      <p:sp>
-        <p:nvSpPr>
-          <p:cNvPr id="12" name="TextBox 1 1">
-            <a:extLst>
-              <a:ext uri="{FF2B5EF4-FFF2-40B4-BE49-F238E27FC236}">
-                <a16:creationId xmlns:a16="http://schemas.microsoft.com/office/drawing/2014/main" id="{9C371D35-D5B5-444F-8ABE-27A44D8CD997}"/>
-              </a:ext>
-            </a:extLst>
-          </p:cNvPr>
-          <p:cNvSpPr txBox="1"/>
-          <p:nvPr/>
-        </p:nvSpPr>
-        <p:spPr>
-          <a:xfrm>
-            <a:off x="0" y="5120421"/>
-            <a:ext cx="8925887" cy="1697068"/>
-          </a:xfrm>
-          <a:prstGeom prst="rect">
-            <a:avLst/>
-          </a:prstGeom>
-          <a:ln w="12700">
-            <a:miter lim="400000"/>
-          </a:ln>
-          <a:extLst>
-            <a:ext uri="{C572A759-6A51-4108-AA02-DFA0A04FC94B}">
-              <ma14:wrappingTextBoxFlag xmlns="" xmlns:ma14="http://schemas.microsoft.com/office/mac/drawingml/2011/main" val="1"/>
-            </a:ext>
-          </a:extLst>
-        </p:spPr>
-        <p:txBody>
-          <a:bodyPr wrap="square" lIns="45719" rIns="45719">
-            <a:spAutoFit/>
-          </a:bodyPr>
-          <a:lstStyle/>
-          <a:p>
-            <a:pPr marL="168275" algn="just">
-              <a:lnSpc>
-                <a:spcPct val="150000"/>
-              </a:lnSpc>
-              <a:tabLst>
-                <a:tab pos="8740775" algn="l"/>
-              </a:tabLst>
-              <a:defRPr sz="2400"/>
-            </a:pPr>
-            <a:r>
-              <a:rPr lang="en-US" dirty="0"/>
-              <a:t>Dove solver.par1SWRC è </a:t>
-            </a:r>
-            <a:r>
-              <a:rPr lang="en-US" dirty="0" err="1"/>
-              <a:t>il</a:t>
-            </a:r>
-            <a:r>
-              <a:rPr lang="en-US" dirty="0"/>
-              <a:t> </a:t>
-            </a:r>
-            <a:r>
-              <a:rPr lang="en-US" dirty="0" err="1"/>
-              <a:t>parametro</a:t>
-            </a:r>
-            <a:r>
-              <a:rPr lang="en-US" dirty="0"/>
-              <a:t> n, solver.par2SWRC è </a:t>
-            </a:r>
-            <a:r>
-              <a:rPr lang="en-US" dirty="0" err="1"/>
-              <a:t>il</a:t>
-            </a:r>
-            <a:r>
-              <a:rPr lang="en-US" dirty="0"/>
-              <a:t> </a:t>
-            </a:r>
-            <a:r>
-              <a:rPr lang="en-US" dirty="0" err="1"/>
-              <a:t>parametro</a:t>
-            </a:r>
-            <a:r>
-              <a:rPr lang="en-US" dirty="0"/>
-              <a:t> alpha.</a:t>
-            </a:r>
-          </a:p>
-          <a:p>
-            <a:pPr marL="168275" algn="just">
-              <a:lnSpc>
-                <a:spcPct val="150000"/>
-              </a:lnSpc>
-              <a:tabLst>
-                <a:tab pos="8740775" algn="l"/>
-              </a:tabLst>
-              <a:defRPr sz="2400"/>
-            </a:pPr>
-            <a:endParaRPr lang="it-IT" dirty="0"/>
-          </a:p>
-        </p:txBody>
-      </p:sp>
     </p:spTree>
     <p:extLst>
       <p:ext uri="{BB962C8B-B14F-4D97-AF65-F5344CB8AC3E}">
-        <p14:creationId xmlns:p14="http://schemas.microsoft.com/office/powerpoint/2010/main" val="3005685094"/>
+        <p14:creationId xmlns:p14="http://schemas.microsoft.com/office/powerpoint/2010/main" val="4073647790"/>
       </p:ext>
     </p:extLst>
   </p:cSld>
@@ -7585,7 +7527,7 @@
           </a:ln>
           <a:extLst>
             <a:ext uri="{C572A759-6A51-4108-AA02-DFA0A04FC94B}">
-              <ma14:wrappingTextBoxFlag xmlns="" xmlns:ma14="http://schemas.microsoft.com/office/mac/drawingml/2011/main" val="1"/>
+              <ma14:wrappingTextBoxFlag xmlns:ma14="http://schemas.microsoft.com/office/mac/drawingml/2011/main" xmlns="" val="1"/>
             </a:ext>
           </a:extLst>
         </p:spPr>
@@ -7622,20 +7564,8 @@
           </a:lstStyle>
           <a:p>
             <a:r>
-              <a:rPr lang="en-US" dirty="0" err="1"/>
-              <a:t>Parametri</a:t>
-            </a:r>
-            <a:r>
-              <a:rPr lang="en-US" dirty="0"/>
-              <a:t> del </a:t>
-            </a:r>
-            <a:r>
-              <a:rPr lang="en-US" dirty="0" err="1"/>
-              <a:t>terreno</a:t>
-            </a:r>
-            <a:r>
-              <a:rPr lang="en-US" dirty="0"/>
-              <a:t> </a:t>
+              <a:rPr lang="en-US" dirty="0"/>
+              <a:t>.sim</a:t>
             </a:r>
             <a:endParaRPr dirty="0"/>
           </a:p>
@@ -7660,7 +7590,7 @@
           </a:ln>
           <a:extLst>
             <a:ext uri="{C572A759-6A51-4108-AA02-DFA0A04FC94B}">
-              <ma14:wrappingTextBoxFlag xmlns="" xmlns:ma14="http://schemas.microsoft.com/office/mac/drawingml/2011/main" val="1"/>
+              <ma14:wrappingTextBoxFlag xmlns:ma14="http://schemas.microsoft.com/office/mac/drawingml/2011/main" xmlns="" val="1"/>
             </a:ext>
           </a:extLst>
         </p:spPr>
@@ -7727,7 +7657,7 @@
           </a:ln>
           <a:extLst>
             <a:ext uri="{C572A759-6A51-4108-AA02-DFA0A04FC94B}">
-              <ma14:wrappingTextBoxFlag xmlns="" xmlns:ma14="http://schemas.microsoft.com/office/mac/drawingml/2011/main" val="1"/>
+              <ma14:wrappingTextBoxFlag xmlns:ma14="http://schemas.microsoft.com/office/mac/drawingml/2011/main" xmlns="" val="1"/>
             </a:ext>
           </a:extLst>
         </p:spPr>
@@ -7750,12 +7680,41 @@
           </a:p>
         </p:txBody>
       </p:sp>
+      <p:pic>
+        <p:nvPicPr>
+          <p:cNvPr id="3" name="Picture 2">
+            <a:extLst>
+              <a:ext uri="{FF2B5EF4-FFF2-40B4-BE49-F238E27FC236}">
+                <a16:creationId xmlns:a16="http://schemas.microsoft.com/office/drawing/2014/main" id="{5BEBFAD4-0656-47AA-BDBE-7F0EA16CCC1C}"/>
+              </a:ext>
+            </a:extLst>
+          </p:cNvPr>
+          <p:cNvPicPr>
+            <a:picLocks noChangeAspect="1"/>
+          </p:cNvPicPr>
+          <p:nvPr/>
+        </p:nvPicPr>
+        <p:blipFill rotWithShape="1">
+          <a:blip r:embed="rId2"/>
+          <a:srcRect b="70651"/>
+          <a:stretch/>
+        </p:blipFill>
+        <p:spPr>
+          <a:xfrm>
+            <a:off x="0" y="633971"/>
+            <a:ext cx="9144000" cy="1640599"/>
+          </a:xfrm>
+          <a:prstGeom prst="rect">
+            <a:avLst/>
+          </a:prstGeom>
+        </p:spPr>
+      </p:pic>
       <p:sp>
         <p:nvSpPr>
-          <p:cNvPr id="7" name="TextBox 1 1">
+          <p:cNvPr id="6" name="TextBox 1 1">
             <a:extLst>
               <a:ext uri="{FF2B5EF4-FFF2-40B4-BE49-F238E27FC236}">
-                <a16:creationId xmlns:a16="http://schemas.microsoft.com/office/drawing/2014/main" id="{88209908-269A-402B-A32D-597414AD151A}"/>
+                <a16:creationId xmlns:a16="http://schemas.microsoft.com/office/drawing/2014/main" id="{3592FD55-3CF7-4F77-957F-42F3BF4FF192}"/>
               </a:ext>
             </a:extLst>
           </p:cNvPr>
@@ -7764,8 +7723,8 @@
         </p:nvSpPr>
         <p:spPr>
           <a:xfrm>
-            <a:off x="-2" y="352597"/>
-            <a:ext cx="8925887" cy="1143070"/>
+            <a:off x="-2" y="2140654"/>
+            <a:ext cx="8925887" cy="3913059"/>
           </a:xfrm>
           <a:prstGeom prst="rect">
             <a:avLst/>
@@ -7775,7 +7734,7 @@
           </a:ln>
           <a:extLst>
             <a:ext uri="{C572A759-6A51-4108-AA02-DFA0A04FC94B}">
-              <ma14:wrappingTextBoxFlag xmlns="" xmlns:ma14="http://schemas.microsoft.com/office/mac/drawingml/2011/main" val="1"/>
+              <ma14:wrappingTextBoxFlag xmlns:ma14="http://schemas.microsoft.com/office/mac/drawingml/2011/main" xmlns="" val="1"/>
             </a:ext>
           </a:extLst>
         </p:spPr>
@@ -7795,253 +7754,36 @@
               <a:defRPr sz="2400"/>
             </a:pPr>
             <a:r>
+              <a:rPr lang="en-US" dirty="0"/>
+              <a:t>In </a:t>
+            </a:r>
+            <a:r>
+              <a:rPr lang="en-US" dirty="0" err="1"/>
+              <a:t>questo</a:t>
+            </a:r>
+            <a:r>
+              <a:rPr lang="en-US" dirty="0"/>
+              <a:t> </a:t>
+            </a:r>
+            <a:r>
+              <a:rPr lang="en-US" dirty="0" err="1"/>
+              <a:t>caso</a:t>
+            </a:r>
+            <a:r>
+              <a:rPr lang="en-US" dirty="0"/>
+              <a:t> </a:t>
+            </a:r>
+            <a:r>
               <a:rPr lang="it-IT" dirty="0"/>
-              <a:t>Solver.psiStar1 viene calcolato con la formula:</a:t>
-            </a:r>
-            <a:endParaRPr lang="en-US" dirty="0"/>
-          </a:p>
-          <a:p>
-            <a:pPr marL="168275" algn="just">
-              <a:lnSpc>
-                <a:spcPct val="150000"/>
-              </a:lnSpc>
-              <a:tabLst>
-                <a:tab pos="8740775" algn="l"/>
-              </a:tabLst>
-              <a:defRPr sz="2400"/>
-            </a:pPr>
-            <a:endParaRPr lang="it-IT" dirty="0"/>
+              <a:t>è possibile usare due tipi di mesh diverse: non strutturata con elementi triangolari oppure cartesiana. Il file contenente le informazioni della mesh ha una propria formattazione e di conseguenza ci sono componenti diverse per la lettura del file. In questo caso Readmsh per la mesh creata con FreeFem, Readcsv per la mesh cartesiana creata con il notebook CartesianGrid contenuto nella cartella Jupyter_Notebook. </a:t>
+            </a:r>
           </a:p>
         </p:txBody>
       </p:sp>
-      <p:sp>
-        <p:nvSpPr>
-          <p:cNvPr id="12" name="TextBox 1 1">
-            <a:extLst>
-              <a:ext uri="{FF2B5EF4-FFF2-40B4-BE49-F238E27FC236}">
-                <a16:creationId xmlns:a16="http://schemas.microsoft.com/office/drawing/2014/main" id="{9C371D35-D5B5-444F-8ABE-27A44D8CD997}"/>
-              </a:ext>
-            </a:extLst>
-          </p:cNvPr>
-          <p:cNvSpPr txBox="1"/>
-          <p:nvPr/>
-        </p:nvSpPr>
-        <p:spPr>
-          <a:xfrm>
-            <a:off x="-3" y="2234609"/>
-            <a:ext cx="8925887" cy="2251065"/>
-          </a:xfrm>
-          <a:prstGeom prst="rect">
-            <a:avLst/>
-          </a:prstGeom>
-          <a:ln w="12700">
-            <a:miter lim="400000"/>
-          </a:ln>
-          <a:extLst>
-            <a:ext uri="{C572A759-6A51-4108-AA02-DFA0A04FC94B}">
-              <ma14:wrappingTextBoxFlag xmlns="" xmlns:ma14="http://schemas.microsoft.com/office/mac/drawingml/2011/main" val="1"/>
-            </a:ext>
-          </a:extLst>
-        </p:spPr>
-        <p:txBody>
-          <a:bodyPr wrap="square" lIns="45719" rIns="45719">
-            <a:spAutoFit/>
-          </a:bodyPr>
-          <a:lstStyle/>
-          <a:p>
-            <a:pPr marL="168275" algn="just">
-              <a:lnSpc>
-                <a:spcPct val="150000"/>
-              </a:lnSpc>
-              <a:tabLst>
-                <a:tab pos="8740775" algn="l"/>
-              </a:tabLst>
-              <a:defRPr sz="2400"/>
-            </a:pPr>
-            <a:r>
-              <a:rPr lang="en-US" dirty="0" err="1"/>
-              <a:t>L’ordine</a:t>
-            </a:r>
-            <a:r>
-              <a:rPr lang="en-US" dirty="0"/>
-              <a:t> con cui </a:t>
-            </a:r>
-            <a:r>
-              <a:rPr lang="en-US" dirty="0" err="1"/>
-              <a:t>vengono</a:t>
-            </a:r>
-            <a:r>
-              <a:rPr lang="en-US" dirty="0"/>
-              <a:t> </a:t>
-            </a:r>
-            <a:r>
-              <a:rPr lang="en-US" dirty="0" err="1"/>
-              <a:t>inseriti</a:t>
-            </a:r>
-            <a:r>
-              <a:rPr lang="en-US" dirty="0"/>
-              <a:t> I </a:t>
-            </a:r>
-            <a:r>
-              <a:rPr lang="en-US" dirty="0" err="1"/>
-              <a:t>valori</a:t>
-            </a:r>
-            <a:r>
-              <a:rPr lang="en-US" dirty="0"/>
-              <a:t> </a:t>
-            </a:r>
-            <a:r>
-              <a:rPr lang="en-US" dirty="0" err="1"/>
-              <a:t>dei</a:t>
-            </a:r>
-            <a:r>
-              <a:rPr lang="en-US" dirty="0"/>
-              <a:t> </a:t>
-            </a:r>
-            <a:r>
-              <a:rPr lang="en-US" dirty="0" err="1"/>
-              <a:t>parametri</a:t>
-            </a:r>
-            <a:r>
-              <a:rPr lang="en-US" dirty="0"/>
-              <a:t> </a:t>
-            </a:r>
-            <a:r>
-              <a:rPr lang="en-US" dirty="0" err="1"/>
-              <a:t>deve</a:t>
-            </a:r>
-            <a:r>
-              <a:rPr lang="en-US" dirty="0"/>
-              <a:t> </a:t>
-            </a:r>
-            <a:r>
-              <a:rPr lang="en-US" dirty="0" err="1"/>
-              <a:t>rispettare</a:t>
-            </a:r>
-            <a:r>
-              <a:rPr lang="en-US" dirty="0"/>
-              <a:t> </a:t>
-            </a:r>
-            <a:r>
-              <a:rPr lang="en-US" dirty="0" err="1"/>
-              <a:t>i</a:t>
-            </a:r>
-            <a:r>
-              <a:rPr lang="en-US" dirty="0"/>
-              <a:t> label </a:t>
-            </a:r>
-            <a:r>
-              <a:rPr lang="en-US" dirty="0" err="1"/>
-              <a:t>che</a:t>
-            </a:r>
-            <a:r>
-              <a:rPr lang="en-US" dirty="0"/>
-              <a:t> </a:t>
-            </a:r>
-            <a:r>
-              <a:rPr lang="en-US" dirty="0" err="1"/>
-              <a:t>sono</a:t>
-            </a:r>
-            <a:r>
-              <a:rPr lang="en-US" dirty="0"/>
-              <a:t> </a:t>
-            </a:r>
-            <a:r>
-              <a:rPr lang="en-US" dirty="0" err="1"/>
-              <a:t>stati</a:t>
-            </a:r>
-            <a:r>
-              <a:rPr lang="en-US" dirty="0"/>
-              <a:t> </a:t>
-            </a:r>
-            <a:r>
-              <a:rPr lang="en-US" dirty="0" err="1"/>
-              <a:t>assegnati</a:t>
-            </a:r>
-            <a:r>
-              <a:rPr lang="en-US" dirty="0"/>
-              <a:t> a </a:t>
-            </a:r>
-            <a:r>
-              <a:rPr lang="en-US" dirty="0" err="1"/>
-              <a:t>diversi</a:t>
-            </a:r>
-            <a:r>
-              <a:rPr lang="en-US" dirty="0"/>
-              <a:t> layer. Il </a:t>
-            </a:r>
-            <a:r>
-              <a:rPr lang="en-US" dirty="0" err="1"/>
-              <a:t>codice</a:t>
-            </a:r>
-            <a:r>
-              <a:rPr lang="en-US" dirty="0"/>
-              <a:t> </a:t>
-            </a:r>
-            <a:r>
-              <a:rPr lang="it-IT" dirty="0"/>
-              <a:t>è stato sviluppato in Java e quindi gli indici dei vettori iniziano da 0.</a:t>
-            </a:r>
-            <a:endParaRPr lang="en-US" dirty="0"/>
-          </a:p>
-          <a:p>
-            <a:pPr marL="168275" algn="just">
-              <a:lnSpc>
-                <a:spcPct val="150000"/>
-              </a:lnSpc>
-              <a:tabLst>
-                <a:tab pos="8740775" algn="l"/>
-              </a:tabLst>
-              <a:defRPr sz="2400"/>
-            </a:pPr>
-            <a:endParaRPr lang="it-IT" dirty="0"/>
-          </a:p>
-        </p:txBody>
-      </p:sp>
-      <p:pic>
-        <p:nvPicPr>
-          <p:cNvPr id="3" name="Picture 2">
-            <a:extLst>
-              <a:ext uri="{FF2B5EF4-FFF2-40B4-BE49-F238E27FC236}">
-                <a16:creationId xmlns:a16="http://schemas.microsoft.com/office/drawing/2014/main" id="{8D85C2C8-629A-4F07-9CF6-AD8DBAADB1D2}"/>
-              </a:ext>
-            </a:extLst>
-          </p:cNvPr>
-          <p:cNvPicPr>
-            <a:picLocks noChangeAspect="1"/>
-          </p:cNvPicPr>
-          <p:nvPr>
-            <p:custDataLst>
-              <p:tags r:id="rId1"/>
-            </p:custDataLst>
-          </p:nvPr>
-        </p:nvPicPr>
-        <p:blipFill>
-          <a:blip r:embed="rId3" cstate="print">
-            <a:extLst>
-              <a:ext uri="{28A0092B-C50C-407E-A947-70E740481C1C}">
-                <a14:useLocalDpi xmlns:a14="http://schemas.microsoft.com/office/drawing/2010/main" val="0"/>
-              </a:ext>
-            </a:extLst>
-          </a:blip>
-          <a:stretch>
-            <a:fillRect/>
-          </a:stretch>
-        </p:blipFill>
-        <p:spPr>
-          <a:xfrm>
-            <a:off x="3501371" y="1330722"/>
-            <a:ext cx="2141257" cy="813714"/>
-          </a:xfrm>
-          <a:prstGeom prst="rect">
-            <a:avLst/>
-          </a:prstGeom>
-        </p:spPr>
-      </p:pic>
     </p:spTree>
     <p:extLst>
       <p:ext uri="{BB962C8B-B14F-4D97-AF65-F5344CB8AC3E}">
-        <p14:creationId xmlns:p14="http://schemas.microsoft.com/office/powerpoint/2010/main" val="2487688744"/>
+        <p14:creationId xmlns:p14="http://schemas.microsoft.com/office/powerpoint/2010/main" val="3570943766"/>
       </p:ext>
     </p:extLst>
   </p:cSld>
@@ -8088,7 +7830,7 @@
           </a:ln>
           <a:extLst>
             <a:ext uri="{C572A759-6A51-4108-AA02-DFA0A04FC94B}">
-              <ma14:wrappingTextBoxFlag xmlns="" xmlns:ma14="http://schemas.microsoft.com/office/mac/drawingml/2011/main" val="1"/>
+              <ma14:wrappingTextBoxFlag xmlns:ma14="http://schemas.microsoft.com/office/mac/drawingml/2011/main" xmlns="" val="1"/>
             </a:ext>
           </a:extLst>
         </p:spPr>
@@ -8125,20 +7867,8 @@
           </a:lstStyle>
           <a:p>
             <a:r>
-              <a:rPr lang="en-US" dirty="0" err="1"/>
-              <a:t>Parametri</a:t>
-            </a:r>
-            <a:r>
-              <a:rPr lang="en-US" dirty="0"/>
-              <a:t> del </a:t>
-            </a:r>
-            <a:r>
-              <a:rPr lang="en-US" dirty="0" err="1"/>
-              <a:t>terreno</a:t>
-            </a:r>
-            <a:r>
-              <a:rPr lang="en-US" dirty="0"/>
-              <a:t> </a:t>
+              <a:rPr lang="en-US" dirty="0"/>
+              <a:t>.sim</a:t>
             </a:r>
             <a:endParaRPr dirty="0"/>
           </a:p>
@@ -8163,7 +7893,7 @@
           </a:ln>
           <a:extLst>
             <a:ext uri="{C572A759-6A51-4108-AA02-DFA0A04FC94B}">
-              <ma14:wrappingTextBoxFlag xmlns="" xmlns:ma14="http://schemas.microsoft.com/office/mac/drawingml/2011/main" val="1"/>
+              <ma14:wrappingTextBoxFlag xmlns:ma14="http://schemas.microsoft.com/office/mac/drawingml/2011/main" xmlns="" val="1"/>
             </a:ext>
           </a:extLst>
         </p:spPr>
@@ -8230,7 +7960,7 @@
           </a:ln>
           <a:extLst>
             <a:ext uri="{C572A759-6A51-4108-AA02-DFA0A04FC94B}">
-              <ma14:wrappingTextBoxFlag xmlns="" xmlns:ma14="http://schemas.microsoft.com/office/mac/drawingml/2011/main" val="1"/>
+              <ma14:wrappingTextBoxFlag xmlns:ma14="http://schemas.microsoft.com/office/mac/drawingml/2011/main" xmlns="" val="1"/>
             </a:ext>
           </a:extLst>
         </p:spPr>
@@ -8268,7 +7998,7 @@
         <p:spPr>
           <a:xfrm>
             <a:off x="-2" y="352597"/>
-            <a:ext cx="8925887" cy="1697068"/>
+            <a:ext cx="8925887" cy="1143070"/>
           </a:xfrm>
           <a:prstGeom prst="rect">
             <a:avLst/>
@@ -8278,7 +8008,7 @@
           </a:ln>
           <a:extLst>
             <a:ext uri="{C572A759-6A51-4108-AA02-DFA0A04FC94B}">
-              <ma14:wrappingTextBoxFlag xmlns="" xmlns:ma14="http://schemas.microsoft.com/office/mac/drawingml/2011/main" val="1"/>
+              <ma14:wrappingTextBoxFlag xmlns:ma14="http://schemas.microsoft.com/office/mac/drawingml/2011/main" xmlns="" val="1"/>
             </a:ext>
           </a:extLst>
         </p:spPr>
@@ -8299,7 +8029,7 @@
             </a:pPr>
             <a:r>
               <a:rPr lang="it-IT" dirty="0"/>
-              <a:t>Per il momento la parametrizzazione da usare è quella di Van Genuchten:</a:t>
+              <a:t>Nel sim file i parametri del terreno vengono assegnati alle righe:</a:t>
             </a:r>
             <a:endParaRPr lang="en-US" dirty="0"/>
           </a:p>
@@ -8317,42 +8047,6 @@
           </a:p>
         </p:txBody>
       </p:sp>
-      <p:pic>
-        <p:nvPicPr>
-          <p:cNvPr id="4" name="Picture 3" descr="A close up of text on a white background&#10;&#10;Description automatically generated">
-            <a:extLst>
-              <a:ext uri="{FF2B5EF4-FFF2-40B4-BE49-F238E27FC236}">
-                <a16:creationId xmlns:a16="http://schemas.microsoft.com/office/drawing/2014/main" id="{92D86DCA-6886-461F-A6AE-01FF2F1CF3B2}"/>
-              </a:ext>
-            </a:extLst>
-          </p:cNvPr>
-          <p:cNvPicPr>
-            <a:picLocks noChangeAspect="1"/>
-          </p:cNvPicPr>
-          <p:nvPr/>
-        </p:nvPicPr>
-        <p:blipFill>
-          <a:blip r:embed="rId2">
-            <a:extLst>
-              <a:ext uri="{28A0092B-C50C-407E-A947-70E740481C1C}">
-                <a14:useLocalDpi xmlns:a14="http://schemas.microsoft.com/office/drawing/2010/main" val="0"/>
-              </a:ext>
-            </a:extLst>
-          </a:blip>
-          <a:stretch>
-            <a:fillRect/>
-          </a:stretch>
-        </p:blipFill>
-        <p:spPr>
-          <a:xfrm>
-            <a:off x="1595129" y="1445333"/>
-            <a:ext cx="5943150" cy="3429710"/>
-          </a:xfrm>
-          <a:prstGeom prst="rect">
-            <a:avLst/>
-          </a:prstGeom>
-        </p:spPr>
-      </p:pic>
       <p:sp>
         <p:nvSpPr>
           <p:cNvPr id="12" name="TextBox 1 1">
@@ -8367,8 +8061,8 @@
         </p:nvSpPr>
         <p:spPr>
           <a:xfrm>
-            <a:off x="0" y="5120421"/>
-            <a:ext cx="8925887" cy="1697068"/>
+            <a:off x="0" y="4615602"/>
+            <a:ext cx="8925887" cy="1143070"/>
           </a:xfrm>
           <a:prstGeom prst="rect">
             <a:avLst/>
@@ -8378,7 +8072,7 @@
           </a:ln>
           <a:extLst>
             <a:ext uri="{C572A759-6A51-4108-AA02-DFA0A04FC94B}">
-              <ma14:wrappingTextBoxFlag xmlns="" xmlns:ma14="http://schemas.microsoft.com/office/mac/drawingml/2011/main" val="1"/>
+              <ma14:wrappingTextBoxFlag xmlns:ma14="http://schemas.microsoft.com/office/mac/drawingml/2011/main" xmlns="" val="1"/>
             </a:ext>
           </a:extLst>
         </p:spPr>
@@ -8399,40 +8093,37 @@
             </a:pPr>
             <a:r>
               <a:rPr lang="en-US" dirty="0"/>
-              <a:t>Dove solver.par1SWRC è </a:t>
-            </a:r>
-            <a:r>
-              <a:rPr lang="en-US" dirty="0" err="1"/>
-              <a:t>il</a:t>
-            </a:r>
-            <a:r>
-              <a:rPr lang="en-US" dirty="0"/>
-              <a:t> </a:t>
-            </a:r>
-            <a:r>
-              <a:rPr lang="en-US" dirty="0" err="1"/>
-              <a:t>parametro</a:t>
-            </a:r>
-            <a:r>
-              <a:rPr lang="en-US" dirty="0"/>
-              <a:t> n, solver.par2SWRC è </a:t>
-            </a:r>
-            <a:r>
-              <a:rPr lang="en-US" dirty="0" err="1"/>
-              <a:t>il</a:t>
-            </a:r>
-            <a:r>
-              <a:rPr lang="en-US" dirty="0"/>
-              <a:t> </a:t>
-            </a:r>
-            <a:r>
-              <a:rPr lang="en-US" dirty="0" err="1"/>
-              <a:t>parametro</a:t>
-            </a:r>
-            <a:r>
-              <a:rPr lang="en-US" dirty="0"/>
-              <a:t> alpha.</a:t>
-            </a:r>
+              <a:t>La </a:t>
+            </a:r>
+            <a:r>
+              <a:rPr lang="en-US" dirty="0" err="1"/>
+              <a:t>sintassi</a:t>
+            </a:r>
+            <a:r>
+              <a:rPr lang="en-US" dirty="0"/>
+              <a:t> “{</a:t>
+            </a:r>
+            <a:r>
+              <a:rPr lang="en-US" dirty="0" err="1"/>
+              <a:t>a,b</a:t>
+            </a:r>
+            <a:r>
+              <a:rPr lang="en-US" dirty="0"/>
+              <a:t>}” in OMS </a:t>
+            </a:r>
+            <a:r>
+              <a:rPr lang="en-US" dirty="0" err="1"/>
+              <a:t>indica</a:t>
+            </a:r>
+            <a:r>
+              <a:rPr lang="en-US" dirty="0"/>
+              <a:t> un </a:t>
+            </a:r>
+            <a:r>
+              <a:rPr lang="en-US" dirty="0" err="1"/>
+              <a:t>vettore</a:t>
+            </a:r>
+            <a:endParaRPr lang="en-US" dirty="0"/>
           </a:p>
           <a:p>
             <a:pPr marL="168275" algn="just">
@@ -8448,10 +8139,40 @@
           </a:p>
         </p:txBody>
       </p:sp>
+      <p:pic>
+        <p:nvPicPr>
+          <p:cNvPr id="2" name="Picture 1">
+            <a:extLst>
+              <a:ext uri="{FF2B5EF4-FFF2-40B4-BE49-F238E27FC236}">
+                <a16:creationId xmlns:a16="http://schemas.microsoft.com/office/drawing/2014/main" id="{548EAB93-9697-4FD8-8FC7-F8CF6D7A1882}"/>
+              </a:ext>
+            </a:extLst>
+          </p:cNvPr>
+          <p:cNvPicPr>
+            <a:picLocks noChangeAspect="1"/>
+          </p:cNvPicPr>
+          <p:nvPr/>
+        </p:nvPicPr>
+        <p:blipFill>
+          <a:blip r:embed="rId2"/>
+          <a:stretch>
+            <a:fillRect/>
+          </a:stretch>
+        </p:blipFill>
+        <p:spPr>
+          <a:xfrm>
+            <a:off x="367191" y="830773"/>
+            <a:ext cx="8191500" cy="3895725"/>
+          </a:xfrm>
+          <a:prstGeom prst="rect">
+            <a:avLst/>
+          </a:prstGeom>
+        </p:spPr>
+      </p:pic>
     </p:spTree>
     <p:extLst>
       <p:ext uri="{BB962C8B-B14F-4D97-AF65-F5344CB8AC3E}">
-        <p14:creationId xmlns:p14="http://schemas.microsoft.com/office/powerpoint/2010/main" val="1107434598"/>
+        <p14:creationId xmlns:p14="http://schemas.microsoft.com/office/powerpoint/2010/main" val="112542118"/>
       </p:ext>
     </p:extLst>
   </p:cSld>
@@ -8479,24 +8200,16 @@
           <a:chExt cx="0" cy="0"/>
         </a:xfrm>
       </p:grpSpPr>
-      <p:pic>
-        <p:nvPicPr>
-          <p:cNvPr id="410" name="image.png" descr="image.png"/>
-          <p:cNvPicPr>
-            <a:picLocks noChangeAspect="1"/>
-          </p:cNvPicPr>
+      <p:sp>
+        <p:nvSpPr>
+          <p:cNvPr id="134" name="Shape 154 1"/>
+          <p:cNvSpPr txBox="1"/>
           <p:nvPr/>
-        </p:nvPicPr>
-        <p:blipFill>
-          <a:blip r:embed="rId2"/>
-          <a:stretch>
-            <a:fillRect/>
-          </a:stretch>
-        </p:blipFill>
+        </p:nvSpPr>
         <p:spPr>
           <a:xfrm>
-            <a:off x="3036093" y="2091221"/>
-            <a:ext cx="3071815" cy="2955728"/>
+            <a:off x="-1" y="-25709"/>
+            <a:ext cx="7563447" cy="349128"/>
           </a:xfrm>
           <a:prstGeom prst="rect">
             <a:avLst/>
@@ -8504,49 +8217,35 @@
           <a:ln w="12700">
             <a:miter lim="400000"/>
           </a:ln>
-        </p:spPr>
-      </p:pic>
-      <p:sp>
-        <p:nvSpPr>
-          <p:cNvPr id="411" name="Shape 391"/>
-          <p:cNvSpPr txBox="1">
-            <a:spLocks noGrp="1"/>
-          </p:cNvSpPr>
-          <p:nvPr>
-            <p:ph type="sldNum" sz="quarter" idx="4294967295"/>
-          </p:nvPr>
-        </p:nvSpPr>
-        <p:spPr>
-          <a:xfrm>
-            <a:off x="8775517" y="6105526"/>
-            <a:ext cx="279822" cy="253642"/>
-          </a:xfrm>
-          <a:prstGeom prst="rect">
-            <a:avLst/>
-          </a:prstGeom>
-          <a:solidFill>
-            <a:srgbClr val="FFFFFF"/>
-          </a:solidFill>
           <a:extLst>
             <a:ext uri="{C572A759-6A51-4108-AA02-DFA0A04FC94B}">
-              <ma14:wrappingTextBoxFlag xmlns="" xmlns:ma14="http://schemas.microsoft.com/office/mac/drawingml/2011/main" val="1"/>
+              <ma14:wrappingTextBoxFlag xmlns:ma14="http://schemas.microsoft.com/office/mac/drawingml/2011/main" xmlns="" val="1"/>
             </a:ext>
           </a:extLst>
         </p:spPr>
         <p:txBody>
-          <a:bodyPr wrap="square" lIns="26787" tIns="26787" rIns="26787" bIns="26787"/>
+          <a:bodyPr lIns="35716" tIns="35716" rIns="35716" bIns="35716">
+            <a:spAutoFit/>
+          </a:bodyPr>
           <a:lstStyle>
-            <a:lvl1pPr defTabSz="455397">
-              <a:lnSpc>
-                <a:spcPts val="1600"/>
-              </a:lnSpc>
+            <a:lvl1pPr algn="just" defTabSz="647700">
               <a:tabLst>
-                <a:tab pos="901700" algn="l"/>
-                <a:tab pos="1828800" algn="l"/>
+                <a:tab pos="355600" algn="l"/>
+                <a:tab pos="711200" algn="l"/>
+                <a:tab pos="1079500" algn="l"/>
+                <a:tab pos="1435100" algn="l"/>
+                <a:tab pos="1790700" algn="l"/>
+                <a:tab pos="2159000" algn="l"/>
+                <a:tab pos="2514600" algn="l"/>
+                <a:tab pos="2870200" algn="l"/>
+                <a:tab pos="3238500" algn="l"/>
+                <a:tab pos="3594100" algn="l"/>
+                <a:tab pos="3949700" algn="l"/>
+                <a:tab pos="4318000" algn="l"/>
               </a:tabLst>
-              <a:defRPr sz="1400">
+              <a:defRPr>
                 <a:solidFill>
-                  <a:srgbClr val="000000"/>
+                  <a:srgbClr val="F1FEF6"/>
                 </a:solidFill>
                 <a:latin typeface="Lucida Bright"/>
                 <a:ea typeface="Lucida Bright"/>
@@ -8556,23 +8255,24 @@
             </a:lvl1pPr>
           </a:lstStyle>
           <a:p>
-            <a:fld id="{86CB4B4D-7CA3-9044-876B-883B54F8677D}" type="slidenum">
-              <a:t>19</a:t>
-            </a:fld>
-            <a:endParaRPr/>
+            <a:r>
+              <a:rPr lang="en-US" dirty="0"/>
+              <a:t>.sim</a:t>
+            </a:r>
+            <a:endParaRPr dirty="0"/>
           </a:p>
         </p:txBody>
       </p:sp>
       <p:sp>
         <p:nvSpPr>
-          <p:cNvPr id="412" name="Shape 392"/>
+          <p:cNvPr id="135" name="Shape 154 2"/>
           <p:cNvSpPr txBox="1"/>
           <p:nvPr/>
         </p:nvSpPr>
         <p:spPr>
           <a:xfrm>
-            <a:off x="-1" y="-8931"/>
-            <a:ext cx="7563447" cy="338135"/>
+            <a:off x="1049288" y="6508869"/>
+            <a:ext cx="2354958" cy="338135"/>
           </a:xfrm>
           <a:prstGeom prst="rect">
             <a:avLst/>
@@ -8582,7 +8282,7 @@
           </a:ln>
           <a:extLst>
             <a:ext uri="{C572A759-6A51-4108-AA02-DFA0A04FC94B}">
-              <ma14:wrappingTextBoxFlag xmlns="" xmlns:ma14="http://schemas.microsoft.com/office/mac/drawingml/2011/main" val="1"/>
+              <ma14:wrappingTextBoxFlag xmlns:ma14="http://schemas.microsoft.com/office/mac/drawingml/2011/main" xmlns="" val="1"/>
             </a:ext>
           </a:extLst>
         </p:spPr>
@@ -8619,21 +8319,27 @@
           </a:lstStyle>
           <a:p>
             <a:r>
-              <a:t>Thank you for your attention !</a:t>
+              <a:t> &amp;  N. Tubini</a:t>
             </a:r>
           </a:p>
         </p:txBody>
       </p:sp>
       <p:sp>
         <p:nvSpPr>
-          <p:cNvPr id="413" name="Shape 393"/>
+          <p:cNvPr id="14" name="TextBox 1 1">
+            <a:extLst>
+              <a:ext uri="{FF2B5EF4-FFF2-40B4-BE49-F238E27FC236}">
+                <a16:creationId xmlns:a16="http://schemas.microsoft.com/office/drawing/2014/main" id="{F83A7AD0-584D-4C15-9099-D72E6985BBD3}"/>
+              </a:ext>
+            </a:extLst>
+          </p:cNvPr>
           <p:cNvSpPr txBox="1"/>
           <p:nvPr/>
         </p:nvSpPr>
         <p:spPr>
-          <a:xfrm rot="16199996">
-            <a:off x="1625499" y="3642302"/>
-            <a:ext cx="2473525" cy="223835"/>
+          <a:xfrm>
+            <a:off x="-1" y="352597"/>
+            <a:ext cx="8925887" cy="589072"/>
           </a:xfrm>
           <a:prstGeom prst="rect">
             <a:avLst/>
@@ -8643,7 +8349,268 @@
           </a:ln>
           <a:extLst>
             <a:ext uri="{C572A759-6A51-4108-AA02-DFA0A04FC94B}">
-              <ma14:wrappingTextBoxFlag xmlns="" xmlns:ma14="http://schemas.microsoft.com/office/mac/drawingml/2011/main" val="1"/>
+              <ma14:wrappingTextBoxFlag xmlns:ma14="http://schemas.microsoft.com/office/mac/drawingml/2011/main" xmlns="" val="1"/>
+            </a:ext>
+          </a:extLst>
+        </p:spPr>
+        <p:txBody>
+          <a:bodyPr wrap="square" lIns="45719" rIns="45719">
+            <a:spAutoFit/>
+          </a:bodyPr>
+          <a:lstStyle/>
+          <a:p>
+            <a:pPr marL="168275" algn="just">
+              <a:lnSpc>
+                <a:spcPct val="150000"/>
+              </a:lnSpc>
+              <a:tabLst>
+                <a:tab pos="8740775" algn="l"/>
+              </a:tabLst>
+              <a:defRPr sz="2400"/>
+            </a:pPr>
+            <a:endParaRPr lang="it-IT" dirty="0"/>
+          </a:p>
+        </p:txBody>
+      </p:sp>
+      <p:sp>
+        <p:nvSpPr>
+          <p:cNvPr id="7" name="TextBox 1 1">
+            <a:extLst>
+              <a:ext uri="{FF2B5EF4-FFF2-40B4-BE49-F238E27FC236}">
+                <a16:creationId xmlns:a16="http://schemas.microsoft.com/office/drawing/2014/main" id="{88209908-269A-402B-A32D-597414AD151A}"/>
+              </a:ext>
+            </a:extLst>
+          </p:cNvPr>
+          <p:cNvSpPr txBox="1"/>
+          <p:nvPr/>
+        </p:nvSpPr>
+        <p:spPr>
+          <a:xfrm>
+            <a:off x="-2" y="352597"/>
+            <a:ext cx="8925887" cy="1697068"/>
+          </a:xfrm>
+          <a:prstGeom prst="rect">
+            <a:avLst/>
+          </a:prstGeom>
+          <a:ln w="12700">
+            <a:miter lim="400000"/>
+          </a:ln>
+          <a:extLst>
+            <a:ext uri="{C572A759-6A51-4108-AA02-DFA0A04FC94B}">
+              <ma14:wrappingTextBoxFlag xmlns:ma14="http://schemas.microsoft.com/office/mac/drawingml/2011/main" xmlns="" val="1"/>
+            </a:ext>
+          </a:extLst>
+        </p:spPr>
+        <p:txBody>
+          <a:bodyPr wrap="square" lIns="45719" rIns="45719">
+            <a:spAutoFit/>
+          </a:bodyPr>
+          <a:lstStyle/>
+          <a:p>
+            <a:pPr marL="168275" algn="just">
+              <a:lnSpc>
+                <a:spcPct val="150000"/>
+              </a:lnSpc>
+              <a:tabLst>
+                <a:tab pos="8740775" algn="l"/>
+              </a:tabLst>
+              <a:defRPr sz="2400"/>
+            </a:pPr>
+            <a:r>
+              <a:rPr lang="it-IT" dirty="0"/>
+              <a:t>Per il momento la parametrizzazione da usare è quella di Van Genuchten:</a:t>
+            </a:r>
+            <a:endParaRPr lang="en-US" dirty="0"/>
+          </a:p>
+          <a:p>
+            <a:pPr marL="168275" algn="just">
+              <a:lnSpc>
+                <a:spcPct val="150000"/>
+              </a:lnSpc>
+              <a:tabLst>
+                <a:tab pos="8740775" algn="l"/>
+              </a:tabLst>
+              <a:defRPr sz="2400"/>
+            </a:pPr>
+            <a:endParaRPr lang="it-IT" dirty="0"/>
+          </a:p>
+        </p:txBody>
+      </p:sp>
+      <p:sp>
+        <p:nvSpPr>
+          <p:cNvPr id="12" name="TextBox 1 1">
+            <a:extLst>
+              <a:ext uri="{FF2B5EF4-FFF2-40B4-BE49-F238E27FC236}">
+                <a16:creationId xmlns:a16="http://schemas.microsoft.com/office/drawing/2014/main" id="{9C371D35-D5B5-444F-8ABE-27A44D8CD997}"/>
+              </a:ext>
+            </a:extLst>
+          </p:cNvPr>
+          <p:cNvSpPr txBox="1"/>
+          <p:nvPr/>
+        </p:nvSpPr>
+        <p:spPr>
+          <a:xfrm>
+            <a:off x="-2" y="4271887"/>
+            <a:ext cx="8925887" cy="1697068"/>
+          </a:xfrm>
+          <a:prstGeom prst="rect">
+            <a:avLst/>
+          </a:prstGeom>
+          <a:ln w="12700">
+            <a:miter lim="400000"/>
+          </a:ln>
+          <a:extLst>
+            <a:ext uri="{C572A759-6A51-4108-AA02-DFA0A04FC94B}">
+              <ma14:wrappingTextBoxFlag xmlns:ma14="http://schemas.microsoft.com/office/mac/drawingml/2011/main" xmlns="" val="1"/>
+            </a:ext>
+          </a:extLst>
+        </p:spPr>
+        <p:txBody>
+          <a:bodyPr wrap="square" lIns="45719" rIns="45719">
+            <a:spAutoFit/>
+          </a:bodyPr>
+          <a:lstStyle/>
+          <a:p>
+            <a:pPr marL="168275" algn="just">
+              <a:lnSpc>
+                <a:spcPct val="150000"/>
+              </a:lnSpc>
+              <a:tabLst>
+                <a:tab pos="8740775" algn="l"/>
+              </a:tabLst>
+              <a:defRPr sz="2400"/>
+            </a:pPr>
+            <a:r>
+              <a:rPr lang="en-US" dirty="0"/>
+              <a:t>Dove solver.par1SWRC è </a:t>
+            </a:r>
+            <a:r>
+              <a:rPr lang="en-US" dirty="0" err="1"/>
+              <a:t>il</a:t>
+            </a:r>
+            <a:r>
+              <a:rPr lang="en-US" dirty="0"/>
+              <a:t> </a:t>
+            </a:r>
+            <a:r>
+              <a:rPr lang="en-US" dirty="0" err="1"/>
+              <a:t>parametro</a:t>
+            </a:r>
+            <a:r>
+              <a:rPr lang="en-US" dirty="0"/>
+              <a:t> n, solver.par2SWRC è </a:t>
+            </a:r>
+            <a:r>
+              <a:rPr lang="en-US" dirty="0" err="1"/>
+              <a:t>il</a:t>
+            </a:r>
+            <a:r>
+              <a:rPr lang="en-US" dirty="0"/>
+              <a:t> </a:t>
+            </a:r>
+            <a:r>
+              <a:rPr lang="en-US" dirty="0" err="1"/>
+              <a:t>parametro</a:t>
+            </a:r>
+            <a:r>
+              <a:rPr lang="en-US" dirty="0"/>
+              <a:t> alpha.</a:t>
+            </a:r>
+          </a:p>
+          <a:p>
+            <a:pPr marL="168275" algn="just">
+              <a:lnSpc>
+                <a:spcPct val="150000"/>
+              </a:lnSpc>
+              <a:tabLst>
+                <a:tab pos="8740775" algn="l"/>
+              </a:tabLst>
+              <a:defRPr sz="2400"/>
+            </a:pPr>
+            <a:endParaRPr lang="it-IT" dirty="0"/>
+          </a:p>
+        </p:txBody>
+      </p:sp>
+      <p:pic>
+        <p:nvPicPr>
+          <p:cNvPr id="8" name="Picture 7">
+            <a:extLst>
+              <a:ext uri="{FF2B5EF4-FFF2-40B4-BE49-F238E27FC236}">
+                <a16:creationId xmlns:a16="http://schemas.microsoft.com/office/drawing/2014/main" id="{517D9845-5688-4C04-A9C2-6A70243F3AD9}"/>
+              </a:ext>
+            </a:extLst>
+          </p:cNvPr>
+          <p:cNvPicPr>
+            <a:picLocks noChangeAspect="1"/>
+          </p:cNvPicPr>
+          <p:nvPr/>
+        </p:nvPicPr>
+        <p:blipFill rotWithShape="1">
+          <a:blip r:embed="rId2"/>
+          <a:srcRect b="30622"/>
+          <a:stretch/>
+        </p:blipFill>
+        <p:spPr>
+          <a:xfrm>
+            <a:off x="476250" y="1446313"/>
+            <a:ext cx="8191500" cy="2702778"/>
+          </a:xfrm>
+          <a:prstGeom prst="rect">
+            <a:avLst/>
+          </a:prstGeom>
+        </p:spPr>
+      </p:pic>
+    </p:spTree>
+    <p:extLst>
+      <p:ext uri="{BB962C8B-B14F-4D97-AF65-F5344CB8AC3E}">
+        <p14:creationId xmlns:p14="http://schemas.microsoft.com/office/powerpoint/2010/main" val="3005685094"/>
+      </p:ext>
+    </p:extLst>
+  </p:cSld>
+  <p:clrMapOvr>
+    <a:masterClrMapping/>
+  </p:clrMapOvr>
+  <p:transition spd="med"/>
+</p:sld>
+</file>
+
+<file path=ppt/slides/slide2.xml><?xml version="1.0" encoding="utf-8"?>
+<p:sld xmlns:a="http://schemas.openxmlformats.org/drawingml/2006/main" xmlns:r="http://schemas.openxmlformats.org/officeDocument/2006/relationships" xmlns:p="http://schemas.openxmlformats.org/presentationml/2006/main">
+  <p:cSld>
+    <p:spTree>
+      <p:nvGrpSpPr>
+        <p:cNvPr id="1" name=""/>
+        <p:cNvGrpSpPr/>
+        <p:nvPr/>
+      </p:nvGrpSpPr>
+      <p:grpSpPr>
+        <a:xfrm>
+          <a:off x="0" y="0"/>
+          <a:ext cx="0" cy="0"/>
+          <a:chOff x="0" y="0"/>
+          <a:chExt cx="0" cy="0"/>
+        </a:xfrm>
+      </p:grpSpPr>
+      <p:sp>
+        <p:nvSpPr>
+          <p:cNvPr id="134" name="Shape 154 1"/>
+          <p:cNvSpPr txBox="1"/>
+          <p:nvPr/>
+        </p:nvSpPr>
+        <p:spPr>
+          <a:xfrm>
+            <a:off x="-1" y="-25709"/>
+            <a:ext cx="7563447" cy="349128"/>
+          </a:xfrm>
+          <a:prstGeom prst="rect">
+            <a:avLst/>
+          </a:prstGeom>
+          <a:ln w="12700">
+            <a:miter lim="400000"/>
+          </a:ln>
+          <a:extLst>
+            <a:ext uri="{C572A759-6A51-4108-AA02-DFA0A04FC94B}">
+              <ma14:wrappingTextBoxFlag xmlns:ma14="http://schemas.microsoft.com/office/mac/drawingml/2011/main" xmlns="" val="1"/>
             </a:ext>
           </a:extLst>
         </p:spPr>
@@ -8652,7 +8619,7 @@
             <a:spAutoFit/>
           </a:bodyPr>
           <a:lstStyle>
-            <a:lvl1pPr defTabSz="647700">
+            <a:lvl1pPr algn="just" defTabSz="647700">
               <a:tabLst>
                 <a:tab pos="355600" algn="l"/>
                 <a:tab pos="711200" algn="l"/>
@@ -8667,7 +8634,10 @@
                 <a:tab pos="3949700" algn="l"/>
                 <a:tab pos="4318000" algn="l"/>
               </a:tabLst>
-              <a:defRPr sz="1000">
+              <a:defRPr>
+                <a:solidFill>
+                  <a:srgbClr val="F1FEF6"/>
+                </a:solidFill>
                 <a:latin typeface="Lucida Bright"/>
                 <a:ea typeface="Lucida Bright"/>
                 <a:cs typeface="Lucida Bright"/>
@@ -8677,14 +8647,16 @@
           </a:lstStyle>
           <a:p>
             <a:r>
-              <a:t>G.Ulrici - 2000 ?</a:t>
-            </a:r>
+              <a:rPr lang="en-US" dirty="0"/>
+              <a:t>Boundary Condition</a:t>
+            </a:r>
+            <a:endParaRPr dirty="0"/>
           </a:p>
         </p:txBody>
       </p:sp>
       <p:sp>
         <p:nvSpPr>
-          <p:cNvPr id="414" name="Shape 154"/>
+          <p:cNvPr id="135" name="Shape 154 2"/>
           <p:cNvSpPr txBox="1"/>
           <p:nvPr/>
         </p:nvSpPr>
@@ -8701,7 +8673,7 @@
           </a:ln>
           <a:extLst>
             <a:ext uri="{C572A759-6A51-4108-AA02-DFA0A04FC94B}">
-              <ma14:wrappingTextBoxFlag xmlns="" xmlns:ma14="http://schemas.microsoft.com/office/mac/drawingml/2011/main" val="1"/>
+              <ma14:wrappingTextBoxFlag xmlns:ma14="http://schemas.microsoft.com/office/mac/drawingml/2011/main" xmlns="" val="1"/>
             </a:ext>
           </a:extLst>
         </p:spPr>
@@ -8738,157 +8710,6 @@
           </a:lstStyle>
           <a:p>
             <a:r>
-              <a:rPr dirty="0"/>
-              <a:t> &amp;  N. Tubini</a:t>
-            </a:r>
-          </a:p>
-        </p:txBody>
-      </p:sp>
-    </p:spTree>
-  </p:cSld>
-  <p:clrMapOvr>
-    <a:masterClrMapping/>
-  </p:clrMapOvr>
-  <p:transition spd="med"/>
-</p:sld>
-</file>
-
-<file path=ppt/slides/slide2.xml><?xml version="1.0" encoding="utf-8"?>
-<p:sld xmlns:a="http://schemas.openxmlformats.org/drawingml/2006/main" xmlns:r="http://schemas.openxmlformats.org/officeDocument/2006/relationships" xmlns:p="http://schemas.openxmlformats.org/presentationml/2006/main">
-  <p:cSld>
-    <p:spTree>
-      <p:nvGrpSpPr>
-        <p:cNvPr id="1" name=""/>
-        <p:cNvGrpSpPr/>
-        <p:nvPr/>
-      </p:nvGrpSpPr>
-      <p:grpSpPr>
-        <a:xfrm>
-          <a:off x="0" y="0"/>
-          <a:ext cx="0" cy="0"/>
-          <a:chOff x="0" y="0"/>
-          <a:chExt cx="0" cy="0"/>
-        </a:xfrm>
-      </p:grpSpPr>
-      <p:sp>
-        <p:nvSpPr>
-          <p:cNvPr id="134" name="Shape 154 1"/>
-          <p:cNvSpPr txBox="1"/>
-          <p:nvPr/>
-        </p:nvSpPr>
-        <p:spPr>
-          <a:xfrm>
-            <a:off x="-1" y="-25709"/>
-            <a:ext cx="7563447" cy="349128"/>
-          </a:xfrm>
-          <a:prstGeom prst="rect">
-            <a:avLst/>
-          </a:prstGeom>
-          <a:ln w="12700">
-            <a:miter lim="400000"/>
-          </a:ln>
-          <a:extLst>
-            <a:ext uri="{C572A759-6A51-4108-AA02-DFA0A04FC94B}">
-              <ma14:wrappingTextBoxFlag xmlns="" xmlns:ma14="http://schemas.microsoft.com/office/mac/drawingml/2011/main" val="1"/>
-            </a:ext>
-          </a:extLst>
-        </p:spPr>
-        <p:txBody>
-          <a:bodyPr lIns="35716" tIns="35716" rIns="35716" bIns="35716">
-            <a:spAutoFit/>
-          </a:bodyPr>
-          <a:lstStyle>
-            <a:lvl1pPr algn="just" defTabSz="647700">
-              <a:tabLst>
-                <a:tab pos="355600" algn="l"/>
-                <a:tab pos="711200" algn="l"/>
-                <a:tab pos="1079500" algn="l"/>
-                <a:tab pos="1435100" algn="l"/>
-                <a:tab pos="1790700" algn="l"/>
-                <a:tab pos="2159000" algn="l"/>
-                <a:tab pos="2514600" algn="l"/>
-                <a:tab pos="2870200" algn="l"/>
-                <a:tab pos="3238500" algn="l"/>
-                <a:tab pos="3594100" algn="l"/>
-                <a:tab pos="3949700" algn="l"/>
-                <a:tab pos="4318000" algn="l"/>
-              </a:tabLst>
-              <a:defRPr>
-                <a:solidFill>
-                  <a:srgbClr val="F1FEF6"/>
-                </a:solidFill>
-                <a:latin typeface="Lucida Bright"/>
-                <a:ea typeface="Lucida Bright"/>
-                <a:cs typeface="Lucida Bright"/>
-                <a:sym typeface="Lucida Bright"/>
-              </a:defRPr>
-            </a:lvl1pPr>
-          </a:lstStyle>
-          <a:p>
-            <a:r>
-              <a:rPr lang="en-US" dirty="0"/>
-              <a:t>Boundary Condition</a:t>
-            </a:r>
-            <a:endParaRPr dirty="0"/>
-          </a:p>
-        </p:txBody>
-      </p:sp>
-      <p:sp>
-        <p:nvSpPr>
-          <p:cNvPr id="135" name="Shape 154 2"/>
-          <p:cNvSpPr txBox="1"/>
-          <p:nvPr/>
-        </p:nvSpPr>
-        <p:spPr>
-          <a:xfrm>
-            <a:off x="1049288" y="6508869"/>
-            <a:ext cx="2354958" cy="338135"/>
-          </a:xfrm>
-          <a:prstGeom prst="rect">
-            <a:avLst/>
-          </a:prstGeom>
-          <a:ln w="12700">
-            <a:miter lim="400000"/>
-          </a:ln>
-          <a:extLst>
-            <a:ext uri="{C572A759-6A51-4108-AA02-DFA0A04FC94B}">
-              <ma14:wrappingTextBoxFlag xmlns="" xmlns:ma14="http://schemas.microsoft.com/office/mac/drawingml/2011/main" val="1"/>
-            </a:ext>
-          </a:extLst>
-        </p:spPr>
-        <p:txBody>
-          <a:bodyPr lIns="35716" tIns="35716" rIns="35716" bIns="35716">
-            <a:spAutoFit/>
-          </a:bodyPr>
-          <a:lstStyle>
-            <a:lvl1pPr defTabSz="647700">
-              <a:tabLst>
-                <a:tab pos="355600" algn="l"/>
-                <a:tab pos="711200" algn="l"/>
-                <a:tab pos="1079500" algn="l"/>
-                <a:tab pos="1435100" algn="l"/>
-                <a:tab pos="1790700" algn="l"/>
-                <a:tab pos="2159000" algn="l"/>
-                <a:tab pos="2514600" algn="l"/>
-                <a:tab pos="2870200" algn="l"/>
-                <a:tab pos="3238500" algn="l"/>
-                <a:tab pos="3594100" algn="l"/>
-                <a:tab pos="3949700" algn="l"/>
-                <a:tab pos="4318000" algn="l"/>
-              </a:tabLst>
-              <a:defRPr>
-                <a:solidFill>
-                  <a:srgbClr val="F1FEF6"/>
-                </a:solidFill>
-                <a:latin typeface="Lucida Bright"/>
-                <a:ea typeface="Lucida Bright"/>
-                <a:cs typeface="Lucida Bright"/>
-                <a:sym typeface="Lucida Bright"/>
-              </a:defRPr>
-            </a:lvl1pPr>
-          </a:lstStyle>
-          <a:p>
-            <a:r>
               <a:t> &amp;  N. Tubini</a:t>
             </a:r>
           </a:p>
@@ -8913,7 +8734,7 @@
           </a:ln>
           <a:extLst>
             <a:ext uri="{C572A759-6A51-4108-AA02-DFA0A04FC94B}">
-              <ma14:wrappingTextBoxFlag xmlns="" xmlns:ma14="http://schemas.microsoft.com/office/mac/drawingml/2011/main" val="1"/>
+              <ma14:wrappingTextBoxFlag xmlns:ma14="http://schemas.microsoft.com/office/mac/drawingml/2011/main" xmlns="" val="1"/>
             </a:ext>
           </a:extLst>
         </p:spPr>
@@ -9212,7 +9033,7 @@
             </a:ln>
             <a:extLst>
               <a:ext uri="{C572A759-6A51-4108-AA02-DFA0A04FC94B}">
-                <ma14:wrappingTextBoxFlag xmlns="" xmlns:ma14="http://schemas.microsoft.com/office/mac/drawingml/2011/main" val="1"/>
+                <ma14:wrappingTextBoxFlag xmlns:ma14="http://schemas.microsoft.com/office/mac/drawingml/2011/main" xmlns="" val="1"/>
               </a:ext>
             </a:extLst>
           </p:spPr>
@@ -9379,7 +9200,7 @@
               </a:ln>
               <a:extLst>
                 <a:ext uri="{C572A759-6A51-4108-AA02-DFA0A04FC94B}">
-                  <ma14:wrappingTextBoxFlag xmlns="" xmlns:ma14="http://schemas.microsoft.com/office/mac/drawingml/2011/main" val="1"/>
+                  <ma14:wrappingTextBoxFlag xmlns:ma14="http://schemas.microsoft.com/office/mac/drawingml/2011/main" xmlns="" val="1"/>
                 </a:ext>
               </a:extLst>
             </p:spPr>
@@ -9428,7 +9249,7 @@
               </a:ln>
               <a:extLst>
                 <a:ext uri="{C572A759-6A51-4108-AA02-DFA0A04FC94B}">
-                  <ma14:wrappingTextBoxFlag xmlns="" xmlns:ma14="http://schemas.microsoft.com/office/mac/drawingml/2011/main" val="1"/>
+                  <ma14:wrappingTextBoxFlag xmlns:ma14="http://schemas.microsoft.com/office/mac/drawingml/2011/main" xmlns="" val="1"/>
                 </a:ext>
               </a:extLst>
             </p:spPr>
@@ -9477,7 +9298,7 @@
               </a:ln>
               <a:extLst>
                 <a:ext uri="{C572A759-6A51-4108-AA02-DFA0A04FC94B}">
-                  <ma14:wrappingTextBoxFlag xmlns="" xmlns:ma14="http://schemas.microsoft.com/office/mac/drawingml/2011/main" val="1"/>
+                  <ma14:wrappingTextBoxFlag xmlns:ma14="http://schemas.microsoft.com/office/mac/drawingml/2011/main" xmlns="" val="1"/>
                 </a:ext>
               </a:extLst>
             </p:spPr>
@@ -9615,7 +9436,7 @@
             </a:ln>
             <a:extLst>
               <a:ext uri="{C572A759-6A51-4108-AA02-DFA0A04FC94B}">
-                <ma14:wrappingTextBoxFlag xmlns="" xmlns:ma14="http://schemas.microsoft.com/office/mac/drawingml/2011/main" val="1"/>
+                <ma14:wrappingTextBoxFlag xmlns:ma14="http://schemas.microsoft.com/office/mac/drawingml/2011/main" xmlns="" val="1"/>
               </a:ext>
             </a:extLst>
           </p:spPr>
@@ -9648,7 +9469,7 @@
 </p:sld>
 </file>
 
-<file path=ppt/slides/slide3.xml><?xml version="1.0" encoding="utf-8"?>
+<file path=ppt/slides/slide20.xml><?xml version="1.0" encoding="utf-8"?>
 <p:sld xmlns:a="http://schemas.openxmlformats.org/drawingml/2006/main" xmlns:r="http://schemas.openxmlformats.org/officeDocument/2006/relationships" xmlns:p="http://schemas.openxmlformats.org/presentationml/2006/main">
   <p:cSld>
     <p:spTree>
@@ -9684,7 +9505,7 @@
           </a:ln>
           <a:extLst>
             <a:ext uri="{C572A759-6A51-4108-AA02-DFA0A04FC94B}">
-              <ma14:wrappingTextBoxFlag xmlns="" xmlns:ma14="http://schemas.microsoft.com/office/mac/drawingml/2011/main" val="1"/>
+              <ma14:wrappingTextBoxFlag xmlns:ma14="http://schemas.microsoft.com/office/mac/drawingml/2011/main" xmlns="" val="1"/>
             </a:ext>
           </a:extLst>
         </p:spPr>
@@ -9722,7 +9543,7 @@
           <a:p>
             <a:r>
               <a:rPr lang="en-US" dirty="0"/>
-              <a:t>Boundary Condition</a:t>
+              <a:t>.sim</a:t>
             </a:r>
             <a:endParaRPr dirty="0"/>
           </a:p>
@@ -9747,7 +9568,7 @@
           </a:ln>
           <a:extLst>
             <a:ext uri="{C572A759-6A51-4108-AA02-DFA0A04FC94B}">
-              <ma14:wrappingTextBoxFlag xmlns="" xmlns:ma14="http://schemas.microsoft.com/office/mac/drawingml/2011/main" val="1"/>
+              <ma14:wrappingTextBoxFlag xmlns:ma14="http://schemas.microsoft.com/office/mac/drawingml/2011/main" xmlns="" val="1"/>
             </a:ext>
           </a:extLst>
         </p:spPr>
@@ -9784,6 +9605,7 @@
           </a:lstStyle>
           <a:p>
             <a:r>
+              <a:rPr dirty="0"/>
               <a:t> &amp;  N. Tubini</a:t>
             </a:r>
           </a:p>
@@ -9791,14 +9613,20 @@
       </p:sp>
       <p:sp>
         <p:nvSpPr>
-          <p:cNvPr id="136" name="TextBox 1 1"/>
+          <p:cNvPr id="14" name="TextBox 1 1">
+            <a:extLst>
+              <a:ext uri="{FF2B5EF4-FFF2-40B4-BE49-F238E27FC236}">
+                <a16:creationId xmlns:a16="http://schemas.microsoft.com/office/drawing/2014/main" id="{F83A7AD0-584D-4C15-9099-D72E6985BBD3}"/>
+              </a:ext>
+            </a:extLst>
+          </p:cNvPr>
           <p:cNvSpPr txBox="1"/>
           <p:nvPr/>
         </p:nvSpPr>
         <p:spPr>
           <a:xfrm>
             <a:off x="-1" y="352597"/>
-            <a:ext cx="8925887" cy="6129050"/>
+            <a:ext cx="8925887" cy="589072"/>
           </a:xfrm>
           <a:prstGeom prst="rect">
             <a:avLst/>
@@ -9808,7 +9636,7 @@
           </a:ln>
           <a:extLst>
             <a:ext uri="{C572A759-6A51-4108-AA02-DFA0A04FC94B}">
-              <ma14:wrappingTextBoxFlag xmlns="" xmlns:ma14="http://schemas.microsoft.com/office/mac/drawingml/2011/main" val="1"/>
+              <ma14:wrappingTextBoxFlag xmlns:ma14="http://schemas.microsoft.com/office/mac/drawingml/2011/main" xmlns="" val="1"/>
             </a:ext>
           </a:extLst>
         </p:spPr>
@@ -9817,145 +9645,6 @@
             <a:spAutoFit/>
           </a:bodyPr>
           <a:lstStyle/>
-          <a:p>
-            <a:pPr marL="168275" algn="just">
-              <a:lnSpc>
-                <a:spcPct val="150000"/>
-              </a:lnSpc>
-              <a:tabLst>
-                <a:tab pos="8740775" algn="l"/>
-              </a:tabLst>
-              <a:defRPr sz="2400"/>
-            </a:pPr>
-            <a:r>
-              <a:rPr lang="en-US" dirty="0"/>
-              <a:t>Per prima </a:t>
-            </a:r>
-            <a:r>
-              <a:rPr lang="en-US" dirty="0" err="1"/>
-              <a:t>gestire</a:t>
-            </a:r>
-            <a:r>
-              <a:rPr lang="en-US" dirty="0"/>
-              <a:t> le </a:t>
-            </a:r>
-            <a:r>
-              <a:rPr lang="en-US" dirty="0" err="1"/>
-              <a:t>condizioni</a:t>
-            </a:r>
-            <a:r>
-              <a:rPr lang="en-US" dirty="0"/>
-              <a:t> al </a:t>
-            </a:r>
-            <a:r>
-              <a:rPr lang="en-US" dirty="0" err="1"/>
-              <a:t>contorno</a:t>
-            </a:r>
-            <a:r>
-              <a:rPr lang="en-US" dirty="0"/>
-              <a:t> </a:t>
-            </a:r>
-            <a:r>
-              <a:rPr lang="en-US" dirty="0" err="1"/>
-              <a:t>utilizziamo</a:t>
-            </a:r>
-            <a:r>
-              <a:rPr lang="en-US" dirty="0"/>
-              <a:t> </a:t>
-            </a:r>
-            <a:r>
-              <a:rPr lang="en-US" dirty="0" err="1"/>
-              <a:t>delle</a:t>
-            </a:r>
-            <a:r>
-              <a:rPr lang="en-US" dirty="0"/>
-              <a:t> flag </a:t>
-            </a:r>
-            <a:r>
-              <a:rPr lang="en-US" dirty="0" err="1"/>
-              <a:t>che</a:t>
-            </a:r>
-            <a:r>
-              <a:rPr lang="en-US" dirty="0"/>
-              <a:t> </a:t>
-            </a:r>
-            <a:r>
-              <a:rPr lang="en-US" dirty="0" err="1"/>
-              <a:t>vengono</a:t>
-            </a:r>
-            <a:r>
-              <a:rPr lang="en-US" dirty="0"/>
-              <a:t> </a:t>
-            </a:r>
-            <a:r>
-              <a:rPr lang="en-US" dirty="0" err="1"/>
-              <a:t>assegnate</a:t>
-            </a:r>
-            <a:r>
-              <a:rPr lang="en-US" dirty="0"/>
-              <a:t> ai </a:t>
-            </a:r>
-            <a:r>
-              <a:rPr lang="en-US" dirty="0" err="1"/>
-              <a:t>bordi</a:t>
-            </a:r>
-            <a:r>
-              <a:rPr lang="en-US" dirty="0"/>
-              <a:t> del </a:t>
-            </a:r>
-            <a:r>
-              <a:rPr lang="en-US" dirty="0" err="1"/>
-              <a:t>dominio</a:t>
-            </a:r>
-            <a:r>
-              <a:rPr lang="en-US" dirty="0"/>
-              <a:t> </a:t>
-            </a:r>
-            <a:r>
-              <a:rPr lang="en-US" dirty="0" err="1"/>
-              <a:t>quando</a:t>
-            </a:r>
-            <a:r>
-              <a:rPr lang="en-US" dirty="0"/>
-              <a:t> </a:t>
-            </a:r>
-            <a:r>
-              <a:rPr lang="en-US" dirty="0" err="1"/>
-              <a:t>viene</a:t>
-            </a:r>
-            <a:r>
-              <a:rPr lang="en-US" dirty="0"/>
-              <a:t> create la mesh. In </a:t>
-            </a:r>
-            <a:r>
-              <a:rPr lang="en-US" dirty="0" err="1"/>
-              <a:t>FreeFem</a:t>
-            </a:r>
-            <a:r>
-              <a:rPr lang="en-US" dirty="0"/>
-              <a:t> </a:t>
-            </a:r>
-            <a:r>
-              <a:rPr lang="en-US" dirty="0" err="1"/>
-              <a:t>questo</a:t>
-            </a:r>
-            <a:r>
-              <a:rPr lang="en-US" dirty="0"/>
-              <a:t> </a:t>
-            </a:r>
-            <a:r>
-              <a:rPr lang="it-IT" dirty="0"/>
-              <a:t>è possibile attraverso le </a:t>
-            </a:r>
-            <a:r>
-              <a:rPr lang="it-IT" i="1" dirty="0"/>
-              <a:t>lable</a:t>
-            </a:r>
-            <a:r>
-              <a:rPr lang="it-IT" dirty="0"/>
-              <a:t>. Con una sola lable è possibile gestire sia il tipo di condizione al contorno che il suo valore.</a:t>
-            </a:r>
-          </a:p>
           <a:p>
             <a:pPr marL="168275" algn="just">
               <a:lnSpc>
@@ -9968,6 +9657,42 @@
             </a:pPr>
             <a:endParaRPr lang="it-IT" dirty="0"/>
           </a:p>
+        </p:txBody>
+      </p:sp>
+      <p:sp>
+        <p:nvSpPr>
+          <p:cNvPr id="7" name="TextBox 1 1">
+            <a:extLst>
+              <a:ext uri="{FF2B5EF4-FFF2-40B4-BE49-F238E27FC236}">
+                <a16:creationId xmlns:a16="http://schemas.microsoft.com/office/drawing/2014/main" id="{88209908-269A-402B-A32D-597414AD151A}"/>
+              </a:ext>
+            </a:extLst>
+          </p:cNvPr>
+          <p:cNvSpPr txBox="1"/>
+          <p:nvPr/>
+        </p:nvSpPr>
+        <p:spPr>
+          <a:xfrm>
+            <a:off x="-2" y="352597"/>
+            <a:ext cx="8925887" cy="1143070"/>
+          </a:xfrm>
+          <a:prstGeom prst="rect">
+            <a:avLst/>
+          </a:prstGeom>
+          <a:ln w="12700">
+            <a:miter lim="400000"/>
+          </a:ln>
+          <a:extLst>
+            <a:ext uri="{C572A759-6A51-4108-AA02-DFA0A04FC94B}">
+              <ma14:wrappingTextBoxFlag xmlns:ma14="http://schemas.microsoft.com/office/mac/drawingml/2011/main" xmlns="" val="1"/>
+            </a:ext>
+          </a:extLst>
+        </p:spPr>
+        <p:txBody>
+          <a:bodyPr wrap="square" lIns="45719" rIns="45719">
+            <a:spAutoFit/>
+          </a:bodyPr>
+          <a:lstStyle/>
           <a:p>
             <a:pPr marL="168275" algn="just">
               <a:lnSpc>
@@ -9980,8 +9705,9 @@
             </a:pPr>
             <a:r>
               <a:rPr lang="it-IT" dirty="0"/>
-              <a:t>Le lable da 10 a 19 vengono usate per indicare una condizione al contorno di tipo Neumann</a:t>
-            </a:r>
+              <a:t>Solver.psiStar1 viene calcolato con la formula:</a:t>
+            </a:r>
+            <a:endParaRPr lang="en-US" dirty="0"/>
           </a:p>
           <a:p>
             <a:pPr marL="168275" algn="just">
@@ -9995,6 +9721,42 @@
             </a:pPr>
             <a:endParaRPr lang="it-IT" dirty="0"/>
           </a:p>
+        </p:txBody>
+      </p:sp>
+      <p:sp>
+        <p:nvSpPr>
+          <p:cNvPr id="12" name="TextBox 1 1">
+            <a:extLst>
+              <a:ext uri="{FF2B5EF4-FFF2-40B4-BE49-F238E27FC236}">
+                <a16:creationId xmlns:a16="http://schemas.microsoft.com/office/drawing/2014/main" id="{9C371D35-D5B5-444F-8ABE-27A44D8CD997}"/>
+              </a:ext>
+            </a:extLst>
+          </p:cNvPr>
+          <p:cNvSpPr txBox="1"/>
+          <p:nvPr/>
+        </p:nvSpPr>
+        <p:spPr>
+          <a:xfrm>
+            <a:off x="-3" y="2234609"/>
+            <a:ext cx="8925887" cy="2251065"/>
+          </a:xfrm>
+          <a:prstGeom prst="rect">
+            <a:avLst/>
+          </a:prstGeom>
+          <a:ln w="12700">
+            <a:miter lim="400000"/>
+          </a:ln>
+          <a:extLst>
+            <a:ext uri="{C572A759-6A51-4108-AA02-DFA0A04FC94B}">
+              <ma14:wrappingTextBoxFlag xmlns:ma14="http://schemas.microsoft.com/office/mac/drawingml/2011/main" xmlns="" val="1"/>
+            </a:ext>
+          </a:extLst>
+        </p:spPr>
+        <p:txBody>
+          <a:bodyPr wrap="square" lIns="45719" rIns="45719">
+            <a:spAutoFit/>
+          </a:bodyPr>
+          <a:lstStyle/>
           <a:p>
             <a:pPr marL="168275" algn="just">
               <a:lnSpc>
@@ -10006,9 +9768,130 @@
               <a:defRPr sz="2400"/>
             </a:pPr>
             <a:r>
+              <a:rPr lang="en-US" dirty="0" err="1"/>
+              <a:t>L’ordine</a:t>
+            </a:r>
+            <a:r>
+              <a:rPr lang="en-US" dirty="0"/>
+              <a:t> con cui </a:t>
+            </a:r>
+            <a:r>
+              <a:rPr lang="en-US" dirty="0" err="1"/>
+              <a:t>vengono</a:t>
+            </a:r>
+            <a:r>
+              <a:rPr lang="en-US" dirty="0"/>
+              <a:t> </a:t>
+            </a:r>
+            <a:r>
+              <a:rPr lang="en-US" dirty="0" err="1"/>
+              <a:t>inseriti</a:t>
+            </a:r>
+            <a:r>
+              <a:rPr lang="en-US" dirty="0"/>
+              <a:t> I </a:t>
+            </a:r>
+            <a:r>
+              <a:rPr lang="en-US" dirty="0" err="1"/>
+              <a:t>valori</a:t>
+            </a:r>
+            <a:r>
+              <a:rPr lang="en-US" dirty="0"/>
+              <a:t> </a:t>
+            </a:r>
+            <a:r>
+              <a:rPr lang="en-US" dirty="0" err="1"/>
+              <a:t>dei</a:t>
+            </a:r>
+            <a:r>
+              <a:rPr lang="en-US" dirty="0"/>
+              <a:t> </a:t>
+            </a:r>
+            <a:r>
+              <a:rPr lang="en-US" dirty="0" err="1"/>
+              <a:t>parametri</a:t>
+            </a:r>
+            <a:r>
+              <a:rPr lang="en-US" dirty="0"/>
+              <a:t> </a:t>
+            </a:r>
+            <a:r>
+              <a:rPr lang="en-US" dirty="0" err="1"/>
+              <a:t>deve</a:t>
+            </a:r>
+            <a:r>
+              <a:rPr lang="en-US" dirty="0"/>
+              <a:t> </a:t>
+            </a:r>
+            <a:r>
+              <a:rPr lang="en-US" dirty="0" err="1"/>
+              <a:t>rispettare</a:t>
+            </a:r>
+            <a:r>
+              <a:rPr lang="en-US" dirty="0"/>
+              <a:t> </a:t>
+            </a:r>
+            <a:r>
+              <a:rPr lang="en-US" dirty="0" err="1"/>
+              <a:t>i</a:t>
+            </a:r>
+            <a:r>
+              <a:rPr lang="en-US" dirty="0"/>
+              <a:t> label </a:t>
+            </a:r>
+            <a:r>
+              <a:rPr lang="en-US" dirty="0" err="1"/>
+              <a:t>che</a:t>
+            </a:r>
+            <a:r>
+              <a:rPr lang="en-US" dirty="0"/>
+              <a:t> </a:t>
+            </a:r>
+            <a:r>
+              <a:rPr lang="en-US" dirty="0" err="1"/>
+              <a:t>sono</a:t>
+            </a:r>
+            <a:r>
+              <a:rPr lang="en-US" dirty="0"/>
+              <a:t> </a:t>
+            </a:r>
+            <a:r>
+              <a:rPr lang="en-US" dirty="0" err="1"/>
+              <a:t>stati</a:t>
+            </a:r>
+            <a:r>
+              <a:rPr lang="en-US" dirty="0"/>
+              <a:t> </a:t>
+            </a:r>
+            <a:r>
+              <a:rPr lang="en-US" dirty="0" err="1"/>
+              <a:t>assegnati</a:t>
+            </a:r>
+            <a:r>
+              <a:rPr lang="en-US" dirty="0"/>
+              <a:t> a </a:t>
+            </a:r>
+            <a:r>
+              <a:rPr lang="en-US" dirty="0" err="1"/>
+              <a:t>diversi</a:t>
+            </a:r>
+            <a:r>
+              <a:rPr lang="en-US" dirty="0"/>
+              <a:t> layer. Il </a:t>
+            </a:r>
+            <a:r>
+              <a:rPr lang="en-US" dirty="0" err="1"/>
+              <a:t>codice</a:t>
+            </a:r>
+            <a:r>
+              <a:rPr lang="en-US" dirty="0"/>
+              <a:t> </a:t>
+            </a:r>
+            <a:r>
               <a:rPr lang="it-IT" dirty="0"/>
-              <a:t>Le lable da 20 a 29 Dirichlet</a:t>
-            </a:r>
+              <a:t>è stato sviluppato in Java e quindi gli indici dei vettori iniziano da 0.</a:t>
+            </a:r>
+            <a:endParaRPr lang="en-US" dirty="0"/>
           </a:p>
           <a:p>
             <a:pPr marL="168275" algn="just">
@@ -10022,6 +9905,238 @@
             </a:pPr>
             <a:endParaRPr lang="it-IT" dirty="0"/>
           </a:p>
+        </p:txBody>
+      </p:sp>
+      <p:pic>
+        <p:nvPicPr>
+          <p:cNvPr id="3" name="Picture 2">
+            <a:extLst>
+              <a:ext uri="{FF2B5EF4-FFF2-40B4-BE49-F238E27FC236}">
+                <a16:creationId xmlns:a16="http://schemas.microsoft.com/office/drawing/2014/main" id="{8D85C2C8-629A-4F07-9CF6-AD8DBAADB1D2}"/>
+              </a:ext>
+            </a:extLst>
+          </p:cNvPr>
+          <p:cNvPicPr>
+            <a:picLocks noChangeAspect="1"/>
+          </p:cNvPicPr>
+          <p:nvPr>
+            <p:custDataLst>
+              <p:tags r:id="rId1"/>
+            </p:custDataLst>
+          </p:nvPr>
+        </p:nvPicPr>
+        <p:blipFill>
+          <a:blip r:embed="rId3" cstate="print">
+            <a:extLst>
+              <a:ext uri="{28A0092B-C50C-407E-A947-70E740481C1C}">
+                <a14:useLocalDpi xmlns:a14="http://schemas.microsoft.com/office/drawing/2010/main" val="0"/>
+              </a:ext>
+            </a:extLst>
+          </a:blip>
+          <a:stretch>
+            <a:fillRect/>
+          </a:stretch>
+        </p:blipFill>
+        <p:spPr>
+          <a:xfrm>
+            <a:off x="3501371" y="1330722"/>
+            <a:ext cx="2141257" cy="813714"/>
+          </a:xfrm>
+          <a:prstGeom prst="rect">
+            <a:avLst/>
+          </a:prstGeom>
+        </p:spPr>
+      </p:pic>
+    </p:spTree>
+    <p:extLst>
+      <p:ext uri="{BB962C8B-B14F-4D97-AF65-F5344CB8AC3E}">
+        <p14:creationId xmlns:p14="http://schemas.microsoft.com/office/powerpoint/2010/main" val="2487688744"/>
+      </p:ext>
+    </p:extLst>
+  </p:cSld>
+  <p:clrMapOvr>
+    <a:masterClrMapping/>
+  </p:clrMapOvr>
+  <p:transition spd="med"/>
+</p:sld>
+</file>
+
+<file path=ppt/slides/slide21.xml><?xml version="1.0" encoding="utf-8"?>
+<p:sld xmlns:a="http://schemas.openxmlformats.org/drawingml/2006/main" xmlns:r="http://schemas.openxmlformats.org/officeDocument/2006/relationships" xmlns:p="http://schemas.openxmlformats.org/presentationml/2006/main">
+  <p:cSld>
+    <p:spTree>
+      <p:nvGrpSpPr>
+        <p:cNvPr id="1" name=""/>
+        <p:cNvGrpSpPr/>
+        <p:nvPr/>
+      </p:nvGrpSpPr>
+      <p:grpSpPr>
+        <a:xfrm>
+          <a:off x="0" y="0"/>
+          <a:ext cx="0" cy="0"/>
+          <a:chOff x="0" y="0"/>
+          <a:chExt cx="0" cy="0"/>
+        </a:xfrm>
+      </p:grpSpPr>
+      <p:sp>
+        <p:nvSpPr>
+          <p:cNvPr id="134" name="Shape 154 1"/>
+          <p:cNvSpPr txBox="1"/>
+          <p:nvPr/>
+        </p:nvSpPr>
+        <p:spPr>
+          <a:xfrm>
+            <a:off x="-1" y="-25709"/>
+            <a:ext cx="7563447" cy="349128"/>
+          </a:xfrm>
+          <a:prstGeom prst="rect">
+            <a:avLst/>
+          </a:prstGeom>
+          <a:ln w="12700">
+            <a:miter lim="400000"/>
+          </a:ln>
+          <a:extLst>
+            <a:ext uri="{C572A759-6A51-4108-AA02-DFA0A04FC94B}">
+              <ma14:wrappingTextBoxFlag xmlns:ma14="http://schemas.microsoft.com/office/mac/drawingml/2011/main" xmlns="" val="1"/>
+            </a:ext>
+          </a:extLst>
+        </p:spPr>
+        <p:txBody>
+          <a:bodyPr lIns="35716" tIns="35716" rIns="35716" bIns="35716">
+            <a:spAutoFit/>
+          </a:bodyPr>
+          <a:lstStyle>
+            <a:lvl1pPr algn="just" defTabSz="647700">
+              <a:tabLst>
+                <a:tab pos="355600" algn="l"/>
+                <a:tab pos="711200" algn="l"/>
+                <a:tab pos="1079500" algn="l"/>
+                <a:tab pos="1435100" algn="l"/>
+                <a:tab pos="1790700" algn="l"/>
+                <a:tab pos="2159000" algn="l"/>
+                <a:tab pos="2514600" algn="l"/>
+                <a:tab pos="2870200" algn="l"/>
+                <a:tab pos="3238500" algn="l"/>
+                <a:tab pos="3594100" algn="l"/>
+                <a:tab pos="3949700" algn="l"/>
+                <a:tab pos="4318000" algn="l"/>
+              </a:tabLst>
+              <a:defRPr>
+                <a:solidFill>
+                  <a:srgbClr val="F1FEF6"/>
+                </a:solidFill>
+                <a:latin typeface="Lucida Bright"/>
+                <a:ea typeface="Lucida Bright"/>
+                <a:cs typeface="Lucida Bright"/>
+                <a:sym typeface="Lucida Bright"/>
+              </a:defRPr>
+            </a:lvl1pPr>
+          </a:lstStyle>
+          <a:p>
+            <a:r>
+              <a:rPr lang="en-US" dirty="0"/>
+              <a:t>.sim</a:t>
+            </a:r>
+            <a:endParaRPr dirty="0"/>
+          </a:p>
+        </p:txBody>
+      </p:sp>
+      <p:sp>
+        <p:nvSpPr>
+          <p:cNvPr id="135" name="Shape 154 2"/>
+          <p:cNvSpPr txBox="1"/>
+          <p:nvPr/>
+        </p:nvSpPr>
+        <p:spPr>
+          <a:xfrm>
+            <a:off x="1049288" y="6508869"/>
+            <a:ext cx="2354958" cy="338135"/>
+          </a:xfrm>
+          <a:prstGeom prst="rect">
+            <a:avLst/>
+          </a:prstGeom>
+          <a:ln w="12700">
+            <a:miter lim="400000"/>
+          </a:ln>
+          <a:extLst>
+            <a:ext uri="{C572A759-6A51-4108-AA02-DFA0A04FC94B}">
+              <ma14:wrappingTextBoxFlag xmlns:ma14="http://schemas.microsoft.com/office/mac/drawingml/2011/main" xmlns="" val="1"/>
+            </a:ext>
+          </a:extLst>
+        </p:spPr>
+        <p:txBody>
+          <a:bodyPr lIns="35716" tIns="35716" rIns="35716" bIns="35716">
+            <a:spAutoFit/>
+          </a:bodyPr>
+          <a:lstStyle>
+            <a:lvl1pPr defTabSz="647700">
+              <a:tabLst>
+                <a:tab pos="355600" algn="l"/>
+                <a:tab pos="711200" algn="l"/>
+                <a:tab pos="1079500" algn="l"/>
+                <a:tab pos="1435100" algn="l"/>
+                <a:tab pos="1790700" algn="l"/>
+                <a:tab pos="2159000" algn="l"/>
+                <a:tab pos="2514600" algn="l"/>
+                <a:tab pos="2870200" algn="l"/>
+                <a:tab pos="3238500" algn="l"/>
+                <a:tab pos="3594100" algn="l"/>
+                <a:tab pos="3949700" algn="l"/>
+                <a:tab pos="4318000" algn="l"/>
+              </a:tabLst>
+              <a:defRPr>
+                <a:solidFill>
+                  <a:srgbClr val="F1FEF6"/>
+                </a:solidFill>
+                <a:latin typeface="Lucida Bright"/>
+                <a:ea typeface="Lucida Bright"/>
+                <a:cs typeface="Lucida Bright"/>
+                <a:sym typeface="Lucida Bright"/>
+              </a:defRPr>
+            </a:lvl1pPr>
+          </a:lstStyle>
+          <a:p>
+            <a:r>
+              <a:rPr dirty="0"/>
+              <a:t> &amp;  N. Tubini</a:t>
+            </a:r>
+          </a:p>
+        </p:txBody>
+      </p:sp>
+      <p:sp>
+        <p:nvSpPr>
+          <p:cNvPr id="14" name="TextBox 1 1">
+            <a:extLst>
+              <a:ext uri="{FF2B5EF4-FFF2-40B4-BE49-F238E27FC236}">
+                <a16:creationId xmlns:a16="http://schemas.microsoft.com/office/drawing/2014/main" id="{F83A7AD0-584D-4C15-9099-D72E6985BBD3}"/>
+              </a:ext>
+            </a:extLst>
+          </p:cNvPr>
+          <p:cNvSpPr txBox="1"/>
+          <p:nvPr/>
+        </p:nvSpPr>
+        <p:spPr>
+          <a:xfrm>
+            <a:off x="-1" y="352597"/>
+            <a:ext cx="8925887" cy="589072"/>
+          </a:xfrm>
+          <a:prstGeom prst="rect">
+            <a:avLst/>
+          </a:prstGeom>
+          <a:ln w="12700">
+            <a:miter lim="400000"/>
+          </a:ln>
+          <a:extLst>
+            <a:ext uri="{C572A759-6A51-4108-AA02-DFA0A04FC94B}">
+              <ma14:wrappingTextBoxFlag xmlns:ma14="http://schemas.microsoft.com/office/mac/drawingml/2011/main" xmlns="" val="1"/>
+            </a:ext>
+          </a:extLst>
+        </p:spPr>
+        <p:txBody>
+          <a:bodyPr wrap="square" lIns="45719" rIns="45719">
+            <a:spAutoFit/>
+          </a:bodyPr>
+          <a:lstStyle/>
           <a:p>
             <a:pPr marL="168275" algn="just">
               <a:lnSpc>
@@ -10032,9 +10147,1343 @@
               </a:tabLst>
               <a:defRPr sz="2400"/>
             </a:pPr>
+            <a:endParaRPr lang="it-IT" dirty="0"/>
+          </a:p>
+        </p:txBody>
+      </p:sp>
+      <p:pic>
+        <p:nvPicPr>
+          <p:cNvPr id="2" name="Picture 1">
+            <a:extLst>
+              <a:ext uri="{FF2B5EF4-FFF2-40B4-BE49-F238E27FC236}">
+                <a16:creationId xmlns:a16="http://schemas.microsoft.com/office/drawing/2014/main" id="{CBC340D7-7F48-46ED-92D9-7BF758056CAC}"/>
+              </a:ext>
+            </a:extLst>
+          </p:cNvPr>
+          <p:cNvPicPr>
+            <a:picLocks noChangeAspect="1"/>
+          </p:cNvPicPr>
+          <p:nvPr/>
+        </p:nvPicPr>
+        <p:blipFill>
+          <a:blip r:embed="rId2"/>
+          <a:stretch>
+            <a:fillRect/>
+          </a:stretch>
+        </p:blipFill>
+        <p:spPr>
+          <a:xfrm>
+            <a:off x="923925" y="1138237"/>
+            <a:ext cx="7296150" cy="4581525"/>
+          </a:xfrm>
+          <a:prstGeom prst="rect">
+            <a:avLst/>
+          </a:prstGeom>
+        </p:spPr>
+      </p:pic>
+    </p:spTree>
+    <p:extLst>
+      <p:ext uri="{BB962C8B-B14F-4D97-AF65-F5344CB8AC3E}">
+        <p14:creationId xmlns:p14="http://schemas.microsoft.com/office/powerpoint/2010/main" val="3195959501"/>
+      </p:ext>
+    </p:extLst>
+  </p:cSld>
+  <p:clrMapOvr>
+    <a:masterClrMapping/>
+  </p:clrMapOvr>
+  <p:transition spd="med"/>
+</p:sld>
+</file>
+
+<file path=ppt/slides/slide22.xml><?xml version="1.0" encoding="utf-8"?>
+<p:sld xmlns:a="http://schemas.openxmlformats.org/drawingml/2006/main" xmlns:r="http://schemas.openxmlformats.org/officeDocument/2006/relationships" xmlns:p="http://schemas.openxmlformats.org/presentationml/2006/main">
+  <p:cSld>
+    <p:spTree>
+      <p:nvGrpSpPr>
+        <p:cNvPr id="1" name=""/>
+        <p:cNvGrpSpPr/>
+        <p:nvPr/>
+      </p:nvGrpSpPr>
+      <p:grpSpPr>
+        <a:xfrm>
+          <a:off x="0" y="0"/>
+          <a:ext cx="0" cy="0"/>
+          <a:chOff x="0" y="0"/>
+          <a:chExt cx="0" cy="0"/>
+        </a:xfrm>
+      </p:grpSpPr>
+      <p:sp>
+        <p:nvSpPr>
+          <p:cNvPr id="134" name="Shape 154 1"/>
+          <p:cNvSpPr txBox="1"/>
+          <p:nvPr/>
+        </p:nvSpPr>
+        <p:spPr>
+          <a:xfrm>
+            <a:off x="-1" y="-25709"/>
+            <a:ext cx="7563447" cy="349128"/>
+          </a:xfrm>
+          <a:prstGeom prst="rect">
+            <a:avLst/>
+          </a:prstGeom>
+          <a:ln w="12700">
+            <a:miter lim="400000"/>
+          </a:ln>
+          <a:extLst>
+            <a:ext uri="{C572A759-6A51-4108-AA02-DFA0A04FC94B}">
+              <ma14:wrappingTextBoxFlag xmlns:ma14="http://schemas.microsoft.com/office/mac/drawingml/2011/main" xmlns="" val="1"/>
+            </a:ext>
+          </a:extLst>
+        </p:spPr>
+        <p:txBody>
+          <a:bodyPr lIns="35716" tIns="35716" rIns="35716" bIns="35716">
+            <a:spAutoFit/>
+          </a:bodyPr>
+          <a:lstStyle>
+            <a:lvl1pPr algn="just" defTabSz="647700">
+              <a:tabLst>
+                <a:tab pos="355600" algn="l"/>
+                <a:tab pos="711200" algn="l"/>
+                <a:tab pos="1079500" algn="l"/>
+                <a:tab pos="1435100" algn="l"/>
+                <a:tab pos="1790700" algn="l"/>
+                <a:tab pos="2159000" algn="l"/>
+                <a:tab pos="2514600" algn="l"/>
+                <a:tab pos="2870200" algn="l"/>
+                <a:tab pos="3238500" algn="l"/>
+                <a:tab pos="3594100" algn="l"/>
+                <a:tab pos="3949700" algn="l"/>
+                <a:tab pos="4318000" algn="l"/>
+              </a:tabLst>
+              <a:defRPr>
+                <a:solidFill>
+                  <a:srgbClr val="F1FEF6"/>
+                </a:solidFill>
+                <a:latin typeface="Lucida Bright"/>
+                <a:ea typeface="Lucida Bright"/>
+                <a:cs typeface="Lucida Bright"/>
+                <a:sym typeface="Lucida Bright"/>
+              </a:defRPr>
+            </a:lvl1pPr>
+          </a:lstStyle>
+          <a:p>
+            <a:r>
+              <a:rPr lang="en-US" dirty="0"/>
+              <a:t>.sim</a:t>
+            </a:r>
+            <a:endParaRPr dirty="0"/>
+          </a:p>
+        </p:txBody>
+      </p:sp>
+      <p:sp>
+        <p:nvSpPr>
+          <p:cNvPr id="135" name="Shape 154 2"/>
+          <p:cNvSpPr txBox="1"/>
+          <p:nvPr/>
+        </p:nvSpPr>
+        <p:spPr>
+          <a:xfrm>
+            <a:off x="1049288" y="6508869"/>
+            <a:ext cx="2354958" cy="338135"/>
+          </a:xfrm>
+          <a:prstGeom prst="rect">
+            <a:avLst/>
+          </a:prstGeom>
+          <a:ln w="12700">
+            <a:miter lim="400000"/>
+          </a:ln>
+          <a:extLst>
+            <a:ext uri="{C572A759-6A51-4108-AA02-DFA0A04FC94B}">
+              <ma14:wrappingTextBoxFlag xmlns:ma14="http://schemas.microsoft.com/office/mac/drawingml/2011/main" xmlns="" val="1"/>
+            </a:ext>
+          </a:extLst>
+        </p:spPr>
+        <p:txBody>
+          <a:bodyPr lIns="35716" tIns="35716" rIns="35716" bIns="35716">
+            <a:spAutoFit/>
+          </a:bodyPr>
+          <a:lstStyle>
+            <a:lvl1pPr defTabSz="647700">
+              <a:tabLst>
+                <a:tab pos="355600" algn="l"/>
+                <a:tab pos="711200" algn="l"/>
+                <a:tab pos="1079500" algn="l"/>
+                <a:tab pos="1435100" algn="l"/>
+                <a:tab pos="1790700" algn="l"/>
+                <a:tab pos="2159000" algn="l"/>
+                <a:tab pos="2514600" algn="l"/>
+                <a:tab pos="2870200" algn="l"/>
+                <a:tab pos="3238500" algn="l"/>
+                <a:tab pos="3594100" algn="l"/>
+                <a:tab pos="3949700" algn="l"/>
+                <a:tab pos="4318000" algn="l"/>
+              </a:tabLst>
+              <a:defRPr>
+                <a:solidFill>
+                  <a:srgbClr val="F1FEF6"/>
+                </a:solidFill>
+                <a:latin typeface="Lucida Bright"/>
+                <a:ea typeface="Lucida Bright"/>
+                <a:cs typeface="Lucida Bright"/>
+                <a:sym typeface="Lucida Bright"/>
+              </a:defRPr>
+            </a:lvl1pPr>
+          </a:lstStyle>
+          <a:p>
+            <a:r>
+              <a:rPr dirty="0"/>
+              <a:t> &amp;  N. Tubini</a:t>
+            </a:r>
+          </a:p>
+        </p:txBody>
+      </p:sp>
+      <p:sp>
+        <p:nvSpPr>
+          <p:cNvPr id="14" name="TextBox 1 1">
+            <a:extLst>
+              <a:ext uri="{FF2B5EF4-FFF2-40B4-BE49-F238E27FC236}">
+                <a16:creationId xmlns:a16="http://schemas.microsoft.com/office/drawing/2014/main" id="{F83A7AD0-584D-4C15-9099-D72E6985BBD3}"/>
+              </a:ext>
+            </a:extLst>
+          </p:cNvPr>
+          <p:cNvSpPr txBox="1"/>
+          <p:nvPr/>
+        </p:nvSpPr>
+        <p:spPr>
+          <a:xfrm>
+            <a:off x="-1" y="352597"/>
+            <a:ext cx="8925887" cy="589072"/>
+          </a:xfrm>
+          <a:prstGeom prst="rect">
+            <a:avLst/>
+          </a:prstGeom>
+          <a:ln w="12700">
+            <a:miter lim="400000"/>
+          </a:ln>
+          <a:extLst>
+            <a:ext uri="{C572A759-6A51-4108-AA02-DFA0A04FC94B}">
+              <ma14:wrappingTextBoxFlag xmlns:ma14="http://schemas.microsoft.com/office/mac/drawingml/2011/main" xmlns="" val="1"/>
+            </a:ext>
+          </a:extLst>
+        </p:spPr>
+        <p:txBody>
+          <a:bodyPr wrap="square" lIns="45719" rIns="45719">
+            <a:spAutoFit/>
+          </a:bodyPr>
+          <a:lstStyle/>
+          <a:p>
+            <a:pPr marL="168275" algn="just">
+              <a:lnSpc>
+                <a:spcPct val="150000"/>
+              </a:lnSpc>
+              <a:tabLst>
+                <a:tab pos="8740775" algn="l"/>
+              </a:tabLst>
+              <a:defRPr sz="2400"/>
+            </a:pPr>
+            <a:endParaRPr lang="it-IT" dirty="0"/>
+          </a:p>
+        </p:txBody>
+      </p:sp>
+      <p:pic>
+        <p:nvPicPr>
+          <p:cNvPr id="4" name="Picture 3">
+            <a:extLst>
+              <a:ext uri="{FF2B5EF4-FFF2-40B4-BE49-F238E27FC236}">
+                <a16:creationId xmlns:a16="http://schemas.microsoft.com/office/drawing/2014/main" id="{B83B97BF-E540-4ED4-B951-5B318D0E3E9A}"/>
+              </a:ext>
+            </a:extLst>
+          </p:cNvPr>
+          <p:cNvPicPr>
+            <a:picLocks noChangeAspect="1"/>
+          </p:cNvPicPr>
+          <p:nvPr/>
+        </p:nvPicPr>
+        <p:blipFill>
+          <a:blip r:embed="rId2"/>
+          <a:stretch>
+            <a:fillRect/>
+          </a:stretch>
+        </p:blipFill>
+        <p:spPr>
+          <a:xfrm>
+            <a:off x="860107" y="669993"/>
+            <a:ext cx="6943725" cy="1781175"/>
+          </a:xfrm>
+          <a:prstGeom prst="rect">
+            <a:avLst/>
+          </a:prstGeom>
+        </p:spPr>
+      </p:pic>
+      <p:sp>
+        <p:nvSpPr>
+          <p:cNvPr id="8" name="TextBox 1 1">
+            <a:extLst>
+              <a:ext uri="{FF2B5EF4-FFF2-40B4-BE49-F238E27FC236}">
+                <a16:creationId xmlns:a16="http://schemas.microsoft.com/office/drawing/2014/main" id="{BCE9A3F4-D6A0-4D49-866C-9897446EBFBA}"/>
+              </a:ext>
+            </a:extLst>
+          </p:cNvPr>
+          <p:cNvSpPr txBox="1"/>
+          <p:nvPr/>
+        </p:nvSpPr>
+        <p:spPr>
+          <a:xfrm>
+            <a:off x="-2" y="2566079"/>
+            <a:ext cx="8925887" cy="2805063"/>
+          </a:xfrm>
+          <a:prstGeom prst="rect">
+            <a:avLst/>
+          </a:prstGeom>
+          <a:ln w="12700">
+            <a:miter lim="400000"/>
+          </a:ln>
+          <a:extLst>
+            <a:ext uri="{C572A759-6A51-4108-AA02-DFA0A04FC94B}">
+              <ma14:wrappingTextBoxFlag xmlns:ma14="http://schemas.microsoft.com/office/mac/drawingml/2011/main" xmlns="" val="1"/>
+            </a:ext>
+          </a:extLst>
+        </p:spPr>
+        <p:txBody>
+          <a:bodyPr wrap="square" lIns="45719" rIns="45719">
+            <a:spAutoFit/>
+          </a:bodyPr>
+          <a:lstStyle/>
+          <a:p>
+            <a:pPr marL="168275" algn="just">
+              <a:lnSpc>
+                <a:spcPct val="150000"/>
+              </a:lnSpc>
+              <a:tabLst>
+                <a:tab pos="8740775" algn="l"/>
+              </a:tabLst>
+              <a:defRPr sz="2400"/>
+            </a:pPr>
             <a:r>
               <a:rPr lang="it-IT" dirty="0"/>
-              <a:t>La lable 30 free drainage.</a:t>
+              <a:t>Input file contenente le serie temporali delle condizioni al contorno. Il file segue la formattazione di OMS.</a:t>
+            </a:r>
+          </a:p>
+          <a:p>
+            <a:pPr marL="168275" algn="just">
+              <a:lnSpc>
+                <a:spcPct val="150000"/>
+              </a:lnSpc>
+              <a:tabLst>
+                <a:tab pos="8740775" algn="l"/>
+              </a:tabLst>
+              <a:defRPr sz="2400"/>
+            </a:pPr>
+            <a:r>
+              <a:rPr lang="it-IT" dirty="0"/>
+              <a:t>Gli ID devono corrispondere a quelli usati nella definizione della griglia.</a:t>
+            </a:r>
+            <a:endParaRPr lang="en-US" dirty="0"/>
+          </a:p>
+          <a:p>
+            <a:pPr marL="168275" algn="just">
+              <a:lnSpc>
+                <a:spcPct val="150000"/>
+              </a:lnSpc>
+              <a:tabLst>
+                <a:tab pos="8740775" algn="l"/>
+              </a:tabLst>
+              <a:defRPr sz="2400"/>
+            </a:pPr>
+            <a:endParaRPr lang="it-IT" dirty="0"/>
+          </a:p>
+        </p:txBody>
+      </p:sp>
+    </p:spTree>
+    <p:extLst>
+      <p:ext uri="{BB962C8B-B14F-4D97-AF65-F5344CB8AC3E}">
+        <p14:creationId xmlns:p14="http://schemas.microsoft.com/office/powerpoint/2010/main" val="3006077110"/>
+      </p:ext>
+    </p:extLst>
+  </p:cSld>
+  <p:clrMapOvr>
+    <a:masterClrMapping/>
+  </p:clrMapOvr>
+  <p:transition spd="med"/>
+</p:sld>
+</file>
+
+<file path=ppt/slides/slide23.xml><?xml version="1.0" encoding="utf-8"?>
+<p:sld xmlns:a="http://schemas.openxmlformats.org/drawingml/2006/main" xmlns:r="http://schemas.openxmlformats.org/officeDocument/2006/relationships" xmlns:p="http://schemas.openxmlformats.org/presentationml/2006/main">
+  <p:cSld>
+    <p:spTree>
+      <p:nvGrpSpPr>
+        <p:cNvPr id="1" name=""/>
+        <p:cNvGrpSpPr/>
+        <p:nvPr/>
+      </p:nvGrpSpPr>
+      <p:grpSpPr>
+        <a:xfrm>
+          <a:off x="0" y="0"/>
+          <a:ext cx="0" cy="0"/>
+          <a:chOff x="0" y="0"/>
+          <a:chExt cx="0" cy="0"/>
+        </a:xfrm>
+      </p:grpSpPr>
+      <p:sp>
+        <p:nvSpPr>
+          <p:cNvPr id="134" name="Shape 154 1"/>
+          <p:cNvSpPr txBox="1"/>
+          <p:nvPr/>
+        </p:nvSpPr>
+        <p:spPr>
+          <a:xfrm>
+            <a:off x="-1" y="-25709"/>
+            <a:ext cx="7563447" cy="349128"/>
+          </a:xfrm>
+          <a:prstGeom prst="rect">
+            <a:avLst/>
+          </a:prstGeom>
+          <a:ln w="12700">
+            <a:miter lim="400000"/>
+          </a:ln>
+          <a:extLst>
+            <a:ext uri="{C572A759-6A51-4108-AA02-DFA0A04FC94B}">
+              <ma14:wrappingTextBoxFlag xmlns:ma14="http://schemas.microsoft.com/office/mac/drawingml/2011/main" xmlns="" val="1"/>
+            </a:ext>
+          </a:extLst>
+        </p:spPr>
+        <p:txBody>
+          <a:bodyPr lIns="35716" tIns="35716" rIns="35716" bIns="35716">
+            <a:spAutoFit/>
+          </a:bodyPr>
+          <a:lstStyle>
+            <a:lvl1pPr algn="just" defTabSz="647700">
+              <a:tabLst>
+                <a:tab pos="355600" algn="l"/>
+                <a:tab pos="711200" algn="l"/>
+                <a:tab pos="1079500" algn="l"/>
+                <a:tab pos="1435100" algn="l"/>
+                <a:tab pos="1790700" algn="l"/>
+                <a:tab pos="2159000" algn="l"/>
+                <a:tab pos="2514600" algn="l"/>
+                <a:tab pos="2870200" algn="l"/>
+                <a:tab pos="3238500" algn="l"/>
+                <a:tab pos="3594100" algn="l"/>
+                <a:tab pos="3949700" algn="l"/>
+                <a:tab pos="4318000" algn="l"/>
+              </a:tabLst>
+              <a:defRPr>
+                <a:solidFill>
+                  <a:srgbClr val="F1FEF6"/>
+                </a:solidFill>
+                <a:latin typeface="Lucida Bright"/>
+                <a:ea typeface="Lucida Bright"/>
+                <a:cs typeface="Lucida Bright"/>
+                <a:sym typeface="Lucida Bright"/>
+              </a:defRPr>
+            </a:lvl1pPr>
+          </a:lstStyle>
+          <a:p>
+            <a:r>
+              <a:rPr lang="en-US" dirty="0"/>
+              <a:t>.sim</a:t>
+            </a:r>
+            <a:endParaRPr dirty="0"/>
+          </a:p>
+        </p:txBody>
+      </p:sp>
+      <p:sp>
+        <p:nvSpPr>
+          <p:cNvPr id="135" name="Shape 154 2"/>
+          <p:cNvSpPr txBox="1"/>
+          <p:nvPr/>
+        </p:nvSpPr>
+        <p:spPr>
+          <a:xfrm>
+            <a:off x="1049288" y="6508869"/>
+            <a:ext cx="2354958" cy="338135"/>
+          </a:xfrm>
+          <a:prstGeom prst="rect">
+            <a:avLst/>
+          </a:prstGeom>
+          <a:ln w="12700">
+            <a:miter lim="400000"/>
+          </a:ln>
+          <a:extLst>
+            <a:ext uri="{C572A759-6A51-4108-AA02-DFA0A04FC94B}">
+              <ma14:wrappingTextBoxFlag xmlns:ma14="http://schemas.microsoft.com/office/mac/drawingml/2011/main" xmlns="" val="1"/>
+            </a:ext>
+          </a:extLst>
+        </p:spPr>
+        <p:txBody>
+          <a:bodyPr lIns="35716" tIns="35716" rIns="35716" bIns="35716">
+            <a:spAutoFit/>
+          </a:bodyPr>
+          <a:lstStyle>
+            <a:lvl1pPr defTabSz="647700">
+              <a:tabLst>
+                <a:tab pos="355600" algn="l"/>
+                <a:tab pos="711200" algn="l"/>
+                <a:tab pos="1079500" algn="l"/>
+                <a:tab pos="1435100" algn="l"/>
+                <a:tab pos="1790700" algn="l"/>
+                <a:tab pos="2159000" algn="l"/>
+                <a:tab pos="2514600" algn="l"/>
+                <a:tab pos="2870200" algn="l"/>
+                <a:tab pos="3238500" algn="l"/>
+                <a:tab pos="3594100" algn="l"/>
+                <a:tab pos="3949700" algn="l"/>
+                <a:tab pos="4318000" algn="l"/>
+              </a:tabLst>
+              <a:defRPr>
+                <a:solidFill>
+                  <a:srgbClr val="F1FEF6"/>
+                </a:solidFill>
+                <a:latin typeface="Lucida Bright"/>
+                <a:ea typeface="Lucida Bright"/>
+                <a:cs typeface="Lucida Bright"/>
+                <a:sym typeface="Lucida Bright"/>
+              </a:defRPr>
+            </a:lvl1pPr>
+          </a:lstStyle>
+          <a:p>
+            <a:r>
+              <a:rPr dirty="0"/>
+              <a:t> &amp;  N. Tubini</a:t>
+            </a:r>
+          </a:p>
+        </p:txBody>
+      </p:sp>
+      <p:sp>
+        <p:nvSpPr>
+          <p:cNvPr id="14" name="TextBox 1 1">
+            <a:extLst>
+              <a:ext uri="{FF2B5EF4-FFF2-40B4-BE49-F238E27FC236}">
+                <a16:creationId xmlns:a16="http://schemas.microsoft.com/office/drawing/2014/main" id="{F83A7AD0-584D-4C15-9099-D72E6985BBD3}"/>
+              </a:ext>
+            </a:extLst>
+          </p:cNvPr>
+          <p:cNvSpPr txBox="1"/>
+          <p:nvPr/>
+        </p:nvSpPr>
+        <p:spPr>
+          <a:xfrm>
+            <a:off x="-1" y="352597"/>
+            <a:ext cx="8925887" cy="589072"/>
+          </a:xfrm>
+          <a:prstGeom prst="rect">
+            <a:avLst/>
+          </a:prstGeom>
+          <a:ln w="12700">
+            <a:miter lim="400000"/>
+          </a:ln>
+          <a:extLst>
+            <a:ext uri="{C572A759-6A51-4108-AA02-DFA0A04FC94B}">
+              <ma14:wrappingTextBoxFlag xmlns:ma14="http://schemas.microsoft.com/office/mac/drawingml/2011/main" xmlns="" val="1"/>
+            </a:ext>
+          </a:extLst>
+        </p:spPr>
+        <p:txBody>
+          <a:bodyPr wrap="square" lIns="45719" rIns="45719">
+            <a:spAutoFit/>
+          </a:bodyPr>
+          <a:lstStyle/>
+          <a:p>
+            <a:pPr marL="168275" algn="just">
+              <a:lnSpc>
+                <a:spcPct val="150000"/>
+              </a:lnSpc>
+              <a:tabLst>
+                <a:tab pos="8740775" algn="l"/>
+              </a:tabLst>
+              <a:defRPr sz="2400"/>
+            </a:pPr>
+            <a:endParaRPr lang="it-IT" dirty="0"/>
+          </a:p>
+        </p:txBody>
+      </p:sp>
+      <p:pic>
+        <p:nvPicPr>
+          <p:cNvPr id="4" name="Picture 3">
+            <a:extLst>
+              <a:ext uri="{FF2B5EF4-FFF2-40B4-BE49-F238E27FC236}">
+                <a16:creationId xmlns:a16="http://schemas.microsoft.com/office/drawing/2014/main" id="{05F0E466-6FEA-4479-AE3D-B2A4CFA2815D}"/>
+              </a:ext>
+            </a:extLst>
+          </p:cNvPr>
+          <p:cNvPicPr>
+            <a:picLocks noChangeAspect="1"/>
+          </p:cNvPicPr>
+          <p:nvPr/>
+        </p:nvPicPr>
+        <p:blipFill>
+          <a:blip r:embed="rId2"/>
+          <a:stretch>
+            <a:fillRect/>
+          </a:stretch>
+        </p:blipFill>
+        <p:spPr>
+          <a:xfrm>
+            <a:off x="885825" y="1206781"/>
+            <a:ext cx="6229350" cy="1266825"/>
+          </a:xfrm>
+          <a:prstGeom prst="rect">
+            <a:avLst/>
+          </a:prstGeom>
+        </p:spPr>
+      </p:pic>
+      <p:sp>
+        <p:nvSpPr>
+          <p:cNvPr id="8" name="TextBox 1 1">
+            <a:extLst>
+              <a:ext uri="{FF2B5EF4-FFF2-40B4-BE49-F238E27FC236}">
+                <a16:creationId xmlns:a16="http://schemas.microsoft.com/office/drawing/2014/main" id="{2ADFF095-DC26-4704-A2E4-61B63E044592}"/>
+              </a:ext>
+            </a:extLst>
+          </p:cNvPr>
+          <p:cNvSpPr txBox="1"/>
+          <p:nvPr/>
+        </p:nvSpPr>
+        <p:spPr>
+          <a:xfrm>
+            <a:off x="-2" y="2566079"/>
+            <a:ext cx="8925887" cy="1697068"/>
+          </a:xfrm>
+          <a:prstGeom prst="rect">
+            <a:avLst/>
+          </a:prstGeom>
+          <a:ln w="12700">
+            <a:miter lim="400000"/>
+          </a:ln>
+          <a:extLst>
+            <a:ext uri="{C572A759-6A51-4108-AA02-DFA0A04FC94B}">
+              <ma14:wrappingTextBoxFlag xmlns:ma14="http://schemas.microsoft.com/office/mac/drawingml/2011/main" xmlns="" val="1"/>
+            </a:ext>
+          </a:extLst>
+        </p:spPr>
+        <p:txBody>
+          <a:bodyPr wrap="square" lIns="45719" rIns="45719">
+            <a:spAutoFit/>
+          </a:bodyPr>
+          <a:lstStyle/>
+          <a:p>
+            <a:pPr marL="168275" algn="just">
+              <a:lnSpc>
+                <a:spcPct val="150000"/>
+              </a:lnSpc>
+              <a:tabLst>
+                <a:tab pos="8740775" algn="l"/>
+              </a:tabLst>
+              <a:defRPr sz="2400"/>
+            </a:pPr>
+            <a:r>
+              <a:rPr lang="it-IT" dirty="0"/>
+              <a:t>Nel file di output è possibile inserire una decrizione della simulazione fatta che è poi possibile leggere.</a:t>
+            </a:r>
+            <a:endParaRPr lang="en-US" dirty="0"/>
+          </a:p>
+          <a:p>
+            <a:pPr marL="168275" algn="just">
+              <a:lnSpc>
+                <a:spcPct val="150000"/>
+              </a:lnSpc>
+              <a:tabLst>
+                <a:tab pos="8740775" algn="l"/>
+              </a:tabLst>
+              <a:defRPr sz="2400"/>
+            </a:pPr>
+            <a:endParaRPr lang="it-IT" dirty="0"/>
+          </a:p>
+        </p:txBody>
+      </p:sp>
+    </p:spTree>
+    <p:extLst>
+      <p:ext uri="{BB962C8B-B14F-4D97-AF65-F5344CB8AC3E}">
+        <p14:creationId xmlns:p14="http://schemas.microsoft.com/office/powerpoint/2010/main" val="4210589347"/>
+      </p:ext>
+    </p:extLst>
+  </p:cSld>
+  <p:clrMapOvr>
+    <a:masterClrMapping/>
+  </p:clrMapOvr>
+  <p:transition spd="med"/>
+</p:sld>
+</file>
+
+<file path=ppt/slides/slide24.xml><?xml version="1.0" encoding="utf-8"?>
+<p:sld xmlns:a="http://schemas.openxmlformats.org/drawingml/2006/main" xmlns:r="http://schemas.openxmlformats.org/officeDocument/2006/relationships" xmlns:p="http://schemas.openxmlformats.org/presentationml/2006/main">
+  <p:cSld>
+    <p:spTree>
+      <p:nvGrpSpPr>
+        <p:cNvPr id="1" name=""/>
+        <p:cNvGrpSpPr/>
+        <p:nvPr/>
+      </p:nvGrpSpPr>
+      <p:grpSpPr>
+        <a:xfrm>
+          <a:off x="0" y="0"/>
+          <a:ext cx="0" cy="0"/>
+          <a:chOff x="0" y="0"/>
+          <a:chExt cx="0" cy="0"/>
+        </a:xfrm>
+      </p:grpSpPr>
+      <p:pic>
+        <p:nvPicPr>
+          <p:cNvPr id="410" name="image.png" descr="image.png"/>
+          <p:cNvPicPr>
+            <a:picLocks noChangeAspect="1"/>
+          </p:cNvPicPr>
+          <p:nvPr/>
+        </p:nvPicPr>
+        <p:blipFill>
+          <a:blip r:embed="rId2"/>
+          <a:stretch>
+            <a:fillRect/>
+          </a:stretch>
+        </p:blipFill>
+        <p:spPr>
+          <a:xfrm>
+            <a:off x="3036093" y="2091221"/>
+            <a:ext cx="3071815" cy="2955728"/>
+          </a:xfrm>
+          <a:prstGeom prst="rect">
+            <a:avLst/>
+          </a:prstGeom>
+          <a:ln w="12700">
+            <a:miter lim="400000"/>
+          </a:ln>
+        </p:spPr>
+      </p:pic>
+      <p:sp>
+        <p:nvSpPr>
+          <p:cNvPr id="411" name="Shape 391"/>
+          <p:cNvSpPr txBox="1">
+            <a:spLocks noGrp="1"/>
+          </p:cNvSpPr>
+          <p:nvPr>
+            <p:ph type="sldNum" sz="quarter" idx="4294967295"/>
+          </p:nvPr>
+        </p:nvSpPr>
+        <p:spPr>
+          <a:xfrm>
+            <a:off x="8775517" y="6105526"/>
+            <a:ext cx="279822" cy="253642"/>
+          </a:xfrm>
+          <a:prstGeom prst="rect">
+            <a:avLst/>
+          </a:prstGeom>
+          <a:solidFill>
+            <a:srgbClr val="FFFFFF"/>
+          </a:solidFill>
+          <a:extLst>
+            <a:ext uri="{C572A759-6A51-4108-AA02-DFA0A04FC94B}">
+              <ma14:wrappingTextBoxFlag xmlns:ma14="http://schemas.microsoft.com/office/mac/drawingml/2011/main" xmlns="" val="1"/>
+            </a:ext>
+          </a:extLst>
+        </p:spPr>
+        <p:txBody>
+          <a:bodyPr wrap="square" lIns="26787" tIns="26787" rIns="26787" bIns="26787"/>
+          <a:lstStyle>
+            <a:lvl1pPr defTabSz="455397">
+              <a:lnSpc>
+                <a:spcPts val="1600"/>
+              </a:lnSpc>
+              <a:tabLst>
+                <a:tab pos="901700" algn="l"/>
+                <a:tab pos="1828800" algn="l"/>
+              </a:tabLst>
+              <a:defRPr sz="1400">
+                <a:solidFill>
+                  <a:srgbClr val="000000"/>
+                </a:solidFill>
+                <a:latin typeface="Lucida Bright"/>
+                <a:ea typeface="Lucida Bright"/>
+                <a:cs typeface="Lucida Bright"/>
+                <a:sym typeface="Lucida Bright"/>
+              </a:defRPr>
+            </a:lvl1pPr>
+          </a:lstStyle>
+          <a:p>
+            <a:fld id="{86CB4B4D-7CA3-9044-876B-883B54F8677D}" type="slidenum">
+              <a:t>24</a:t>
+            </a:fld>
+            <a:endParaRPr/>
+          </a:p>
+        </p:txBody>
+      </p:sp>
+      <p:sp>
+        <p:nvSpPr>
+          <p:cNvPr id="412" name="Shape 392"/>
+          <p:cNvSpPr txBox="1"/>
+          <p:nvPr/>
+        </p:nvSpPr>
+        <p:spPr>
+          <a:xfrm>
+            <a:off x="-1" y="-8931"/>
+            <a:ext cx="7563447" cy="338135"/>
+          </a:xfrm>
+          <a:prstGeom prst="rect">
+            <a:avLst/>
+          </a:prstGeom>
+          <a:ln w="12700">
+            <a:miter lim="400000"/>
+          </a:ln>
+          <a:extLst>
+            <a:ext uri="{C572A759-6A51-4108-AA02-DFA0A04FC94B}">
+              <ma14:wrappingTextBoxFlag xmlns:ma14="http://schemas.microsoft.com/office/mac/drawingml/2011/main" xmlns="" val="1"/>
+            </a:ext>
+          </a:extLst>
+        </p:spPr>
+        <p:txBody>
+          <a:bodyPr lIns="35716" tIns="35716" rIns="35716" bIns="35716">
+            <a:spAutoFit/>
+          </a:bodyPr>
+          <a:lstStyle>
+            <a:lvl1pPr defTabSz="647700">
+              <a:tabLst>
+                <a:tab pos="355600" algn="l"/>
+                <a:tab pos="711200" algn="l"/>
+                <a:tab pos="1079500" algn="l"/>
+                <a:tab pos="1435100" algn="l"/>
+                <a:tab pos="1790700" algn="l"/>
+                <a:tab pos="2159000" algn="l"/>
+                <a:tab pos="2514600" algn="l"/>
+                <a:tab pos="2870200" algn="l"/>
+                <a:tab pos="3238500" algn="l"/>
+                <a:tab pos="3594100" algn="l"/>
+                <a:tab pos="3949700" algn="l"/>
+                <a:tab pos="4318000" algn="l"/>
+              </a:tabLst>
+              <a:defRPr>
+                <a:solidFill>
+                  <a:srgbClr val="F1FEF6"/>
+                </a:solidFill>
+                <a:latin typeface="Lucida Bright"/>
+                <a:ea typeface="Lucida Bright"/>
+                <a:cs typeface="Lucida Bright"/>
+                <a:sym typeface="Lucida Bright"/>
+              </a:defRPr>
+            </a:lvl1pPr>
+          </a:lstStyle>
+          <a:p>
+            <a:r>
+              <a:t>Thank you for your attention !</a:t>
+            </a:r>
+          </a:p>
+        </p:txBody>
+      </p:sp>
+      <p:sp>
+        <p:nvSpPr>
+          <p:cNvPr id="413" name="Shape 393"/>
+          <p:cNvSpPr txBox="1"/>
+          <p:nvPr/>
+        </p:nvSpPr>
+        <p:spPr>
+          <a:xfrm rot="16199996">
+            <a:off x="1625499" y="3642302"/>
+            <a:ext cx="2473525" cy="223835"/>
+          </a:xfrm>
+          <a:prstGeom prst="rect">
+            <a:avLst/>
+          </a:prstGeom>
+          <a:ln w="12700">
+            <a:miter lim="400000"/>
+          </a:ln>
+          <a:extLst>
+            <a:ext uri="{C572A759-6A51-4108-AA02-DFA0A04FC94B}">
+              <ma14:wrappingTextBoxFlag xmlns:ma14="http://schemas.microsoft.com/office/mac/drawingml/2011/main" xmlns="" val="1"/>
+            </a:ext>
+          </a:extLst>
+        </p:spPr>
+        <p:txBody>
+          <a:bodyPr lIns="35716" tIns="35716" rIns="35716" bIns="35716">
+            <a:spAutoFit/>
+          </a:bodyPr>
+          <a:lstStyle>
+            <a:lvl1pPr defTabSz="647700">
+              <a:tabLst>
+                <a:tab pos="355600" algn="l"/>
+                <a:tab pos="711200" algn="l"/>
+                <a:tab pos="1079500" algn="l"/>
+                <a:tab pos="1435100" algn="l"/>
+                <a:tab pos="1790700" algn="l"/>
+                <a:tab pos="2159000" algn="l"/>
+                <a:tab pos="2514600" algn="l"/>
+                <a:tab pos="2870200" algn="l"/>
+                <a:tab pos="3238500" algn="l"/>
+                <a:tab pos="3594100" algn="l"/>
+                <a:tab pos="3949700" algn="l"/>
+                <a:tab pos="4318000" algn="l"/>
+              </a:tabLst>
+              <a:defRPr sz="1000">
+                <a:latin typeface="Lucida Bright"/>
+                <a:ea typeface="Lucida Bright"/>
+                <a:cs typeface="Lucida Bright"/>
+                <a:sym typeface="Lucida Bright"/>
+              </a:defRPr>
+            </a:lvl1pPr>
+          </a:lstStyle>
+          <a:p>
+            <a:r>
+              <a:t>G.Ulrici - 2000 ?</a:t>
+            </a:r>
+          </a:p>
+        </p:txBody>
+      </p:sp>
+      <p:sp>
+        <p:nvSpPr>
+          <p:cNvPr id="414" name="Shape 154"/>
+          <p:cNvSpPr txBox="1"/>
+          <p:nvPr/>
+        </p:nvSpPr>
+        <p:spPr>
+          <a:xfrm>
+            <a:off x="1049288" y="6508869"/>
+            <a:ext cx="2354958" cy="338135"/>
+          </a:xfrm>
+          <a:prstGeom prst="rect">
+            <a:avLst/>
+          </a:prstGeom>
+          <a:ln w="12700">
+            <a:miter lim="400000"/>
+          </a:ln>
+          <a:extLst>
+            <a:ext uri="{C572A759-6A51-4108-AA02-DFA0A04FC94B}">
+              <ma14:wrappingTextBoxFlag xmlns:ma14="http://schemas.microsoft.com/office/mac/drawingml/2011/main" xmlns="" val="1"/>
+            </a:ext>
+          </a:extLst>
+        </p:spPr>
+        <p:txBody>
+          <a:bodyPr lIns="35716" tIns="35716" rIns="35716" bIns="35716">
+            <a:spAutoFit/>
+          </a:bodyPr>
+          <a:lstStyle>
+            <a:lvl1pPr defTabSz="647700">
+              <a:tabLst>
+                <a:tab pos="355600" algn="l"/>
+                <a:tab pos="711200" algn="l"/>
+                <a:tab pos="1079500" algn="l"/>
+                <a:tab pos="1435100" algn="l"/>
+                <a:tab pos="1790700" algn="l"/>
+                <a:tab pos="2159000" algn="l"/>
+                <a:tab pos="2514600" algn="l"/>
+                <a:tab pos="2870200" algn="l"/>
+                <a:tab pos="3238500" algn="l"/>
+                <a:tab pos="3594100" algn="l"/>
+                <a:tab pos="3949700" algn="l"/>
+                <a:tab pos="4318000" algn="l"/>
+              </a:tabLst>
+              <a:defRPr>
+                <a:solidFill>
+                  <a:srgbClr val="F1FEF6"/>
+                </a:solidFill>
+                <a:latin typeface="Lucida Bright"/>
+                <a:ea typeface="Lucida Bright"/>
+                <a:cs typeface="Lucida Bright"/>
+                <a:sym typeface="Lucida Bright"/>
+              </a:defRPr>
+            </a:lvl1pPr>
+          </a:lstStyle>
+          <a:p>
+            <a:r>
+              <a:rPr dirty="0"/>
+              <a:t> &amp;  N. Tubini</a:t>
+            </a:r>
+          </a:p>
+        </p:txBody>
+      </p:sp>
+    </p:spTree>
+  </p:cSld>
+  <p:clrMapOvr>
+    <a:masterClrMapping/>
+  </p:clrMapOvr>
+  <p:transition spd="med"/>
+</p:sld>
+</file>
+
+<file path=ppt/slides/slide3.xml><?xml version="1.0" encoding="utf-8"?>
+<p:sld xmlns:a="http://schemas.openxmlformats.org/drawingml/2006/main" xmlns:r="http://schemas.openxmlformats.org/officeDocument/2006/relationships" xmlns:p="http://schemas.openxmlformats.org/presentationml/2006/main">
+  <p:cSld>
+    <p:spTree>
+      <p:nvGrpSpPr>
+        <p:cNvPr id="1" name=""/>
+        <p:cNvGrpSpPr/>
+        <p:nvPr/>
+      </p:nvGrpSpPr>
+      <p:grpSpPr>
+        <a:xfrm>
+          <a:off x="0" y="0"/>
+          <a:ext cx="0" cy="0"/>
+          <a:chOff x="0" y="0"/>
+          <a:chExt cx="0" cy="0"/>
+        </a:xfrm>
+      </p:grpSpPr>
+      <p:sp>
+        <p:nvSpPr>
+          <p:cNvPr id="134" name="Shape 154 1"/>
+          <p:cNvSpPr txBox="1"/>
+          <p:nvPr/>
+        </p:nvSpPr>
+        <p:spPr>
+          <a:xfrm>
+            <a:off x="-1" y="-25709"/>
+            <a:ext cx="7563447" cy="349128"/>
+          </a:xfrm>
+          <a:prstGeom prst="rect">
+            <a:avLst/>
+          </a:prstGeom>
+          <a:ln w="12700">
+            <a:miter lim="400000"/>
+          </a:ln>
+          <a:extLst>
+            <a:ext uri="{C572A759-6A51-4108-AA02-DFA0A04FC94B}">
+              <ma14:wrappingTextBoxFlag xmlns:ma14="http://schemas.microsoft.com/office/mac/drawingml/2011/main" xmlns="" val="1"/>
+            </a:ext>
+          </a:extLst>
+        </p:spPr>
+        <p:txBody>
+          <a:bodyPr lIns="35716" tIns="35716" rIns="35716" bIns="35716">
+            <a:spAutoFit/>
+          </a:bodyPr>
+          <a:lstStyle>
+            <a:lvl1pPr algn="just" defTabSz="647700">
+              <a:tabLst>
+                <a:tab pos="355600" algn="l"/>
+                <a:tab pos="711200" algn="l"/>
+                <a:tab pos="1079500" algn="l"/>
+                <a:tab pos="1435100" algn="l"/>
+                <a:tab pos="1790700" algn="l"/>
+                <a:tab pos="2159000" algn="l"/>
+                <a:tab pos="2514600" algn="l"/>
+                <a:tab pos="2870200" algn="l"/>
+                <a:tab pos="3238500" algn="l"/>
+                <a:tab pos="3594100" algn="l"/>
+                <a:tab pos="3949700" algn="l"/>
+                <a:tab pos="4318000" algn="l"/>
+              </a:tabLst>
+              <a:defRPr>
+                <a:solidFill>
+                  <a:srgbClr val="F1FEF6"/>
+                </a:solidFill>
+                <a:latin typeface="Lucida Bright"/>
+                <a:ea typeface="Lucida Bright"/>
+                <a:cs typeface="Lucida Bright"/>
+                <a:sym typeface="Lucida Bright"/>
+              </a:defRPr>
+            </a:lvl1pPr>
+          </a:lstStyle>
+          <a:p>
+            <a:r>
+              <a:rPr lang="en-US" dirty="0"/>
+              <a:t>Boundary Condition</a:t>
+            </a:r>
+            <a:endParaRPr dirty="0"/>
+          </a:p>
+        </p:txBody>
+      </p:sp>
+      <p:sp>
+        <p:nvSpPr>
+          <p:cNvPr id="135" name="Shape 154 2"/>
+          <p:cNvSpPr txBox="1"/>
+          <p:nvPr/>
+        </p:nvSpPr>
+        <p:spPr>
+          <a:xfrm>
+            <a:off x="1049288" y="6508869"/>
+            <a:ext cx="2354958" cy="338135"/>
+          </a:xfrm>
+          <a:prstGeom prst="rect">
+            <a:avLst/>
+          </a:prstGeom>
+          <a:ln w="12700">
+            <a:miter lim="400000"/>
+          </a:ln>
+          <a:extLst>
+            <a:ext uri="{C572A759-6A51-4108-AA02-DFA0A04FC94B}">
+              <ma14:wrappingTextBoxFlag xmlns:ma14="http://schemas.microsoft.com/office/mac/drawingml/2011/main" xmlns="" val="1"/>
+            </a:ext>
+          </a:extLst>
+        </p:spPr>
+        <p:txBody>
+          <a:bodyPr lIns="35716" tIns="35716" rIns="35716" bIns="35716">
+            <a:spAutoFit/>
+          </a:bodyPr>
+          <a:lstStyle>
+            <a:lvl1pPr defTabSz="647700">
+              <a:tabLst>
+                <a:tab pos="355600" algn="l"/>
+                <a:tab pos="711200" algn="l"/>
+                <a:tab pos="1079500" algn="l"/>
+                <a:tab pos="1435100" algn="l"/>
+                <a:tab pos="1790700" algn="l"/>
+                <a:tab pos="2159000" algn="l"/>
+                <a:tab pos="2514600" algn="l"/>
+                <a:tab pos="2870200" algn="l"/>
+                <a:tab pos="3238500" algn="l"/>
+                <a:tab pos="3594100" algn="l"/>
+                <a:tab pos="3949700" algn="l"/>
+                <a:tab pos="4318000" algn="l"/>
+              </a:tabLst>
+              <a:defRPr>
+                <a:solidFill>
+                  <a:srgbClr val="F1FEF6"/>
+                </a:solidFill>
+                <a:latin typeface="Lucida Bright"/>
+                <a:ea typeface="Lucida Bright"/>
+                <a:cs typeface="Lucida Bright"/>
+                <a:sym typeface="Lucida Bright"/>
+              </a:defRPr>
+            </a:lvl1pPr>
+          </a:lstStyle>
+          <a:p>
+            <a:r>
+              <a:t> &amp;  N. Tubini</a:t>
+            </a:r>
+          </a:p>
+        </p:txBody>
+      </p:sp>
+      <p:sp>
+        <p:nvSpPr>
+          <p:cNvPr id="136" name="TextBox 1 1"/>
+          <p:cNvSpPr txBox="1"/>
+          <p:nvPr/>
+        </p:nvSpPr>
+        <p:spPr>
+          <a:xfrm>
+            <a:off x="-1" y="352597"/>
+            <a:ext cx="8925887" cy="6129050"/>
+          </a:xfrm>
+          <a:prstGeom prst="rect">
+            <a:avLst/>
+          </a:prstGeom>
+          <a:ln w="12700">
+            <a:miter lim="400000"/>
+          </a:ln>
+          <a:extLst>
+            <a:ext uri="{C572A759-6A51-4108-AA02-DFA0A04FC94B}">
+              <ma14:wrappingTextBoxFlag xmlns:ma14="http://schemas.microsoft.com/office/mac/drawingml/2011/main" xmlns="" val="1"/>
+            </a:ext>
+          </a:extLst>
+        </p:spPr>
+        <p:txBody>
+          <a:bodyPr wrap="square" lIns="45719" rIns="45719">
+            <a:spAutoFit/>
+          </a:bodyPr>
+          <a:lstStyle/>
+          <a:p>
+            <a:pPr marL="168275" algn="just">
+              <a:lnSpc>
+                <a:spcPct val="150000"/>
+              </a:lnSpc>
+              <a:tabLst>
+                <a:tab pos="8740775" algn="l"/>
+              </a:tabLst>
+              <a:defRPr sz="2400"/>
+            </a:pPr>
+            <a:r>
+              <a:rPr lang="en-US" dirty="0"/>
+              <a:t>Per prima </a:t>
+            </a:r>
+            <a:r>
+              <a:rPr lang="en-US" dirty="0" err="1"/>
+              <a:t>gestire</a:t>
+            </a:r>
+            <a:r>
+              <a:rPr lang="en-US" dirty="0"/>
+              <a:t> le </a:t>
+            </a:r>
+            <a:r>
+              <a:rPr lang="en-US" dirty="0" err="1"/>
+              <a:t>condizioni</a:t>
+            </a:r>
+            <a:r>
+              <a:rPr lang="en-US" dirty="0"/>
+              <a:t> al </a:t>
+            </a:r>
+            <a:r>
+              <a:rPr lang="en-US" dirty="0" err="1"/>
+              <a:t>contorno</a:t>
+            </a:r>
+            <a:r>
+              <a:rPr lang="en-US" dirty="0"/>
+              <a:t> </a:t>
+            </a:r>
+            <a:r>
+              <a:rPr lang="en-US" dirty="0" err="1"/>
+              <a:t>utilizziamo</a:t>
+            </a:r>
+            <a:r>
+              <a:rPr lang="en-US" dirty="0"/>
+              <a:t> </a:t>
+            </a:r>
+            <a:r>
+              <a:rPr lang="en-US" dirty="0" err="1"/>
+              <a:t>delle</a:t>
+            </a:r>
+            <a:r>
+              <a:rPr lang="en-US" dirty="0"/>
+              <a:t> flag </a:t>
+            </a:r>
+            <a:r>
+              <a:rPr lang="en-US" dirty="0" err="1"/>
+              <a:t>che</a:t>
+            </a:r>
+            <a:r>
+              <a:rPr lang="en-US" dirty="0"/>
+              <a:t> </a:t>
+            </a:r>
+            <a:r>
+              <a:rPr lang="en-US" dirty="0" err="1"/>
+              <a:t>vengono</a:t>
+            </a:r>
+            <a:r>
+              <a:rPr lang="en-US" dirty="0"/>
+              <a:t> </a:t>
+            </a:r>
+            <a:r>
+              <a:rPr lang="en-US" dirty="0" err="1"/>
+              <a:t>assegnate</a:t>
+            </a:r>
+            <a:r>
+              <a:rPr lang="en-US" dirty="0"/>
+              <a:t> ai </a:t>
+            </a:r>
+            <a:r>
+              <a:rPr lang="en-US" dirty="0" err="1"/>
+              <a:t>bordi</a:t>
+            </a:r>
+            <a:r>
+              <a:rPr lang="en-US" dirty="0"/>
+              <a:t> del </a:t>
+            </a:r>
+            <a:r>
+              <a:rPr lang="en-US" dirty="0" err="1"/>
+              <a:t>dominio</a:t>
+            </a:r>
+            <a:r>
+              <a:rPr lang="en-US" dirty="0"/>
+              <a:t> </a:t>
+            </a:r>
+            <a:r>
+              <a:rPr lang="en-US" dirty="0" err="1"/>
+              <a:t>quando</a:t>
+            </a:r>
+            <a:r>
+              <a:rPr lang="en-US" dirty="0"/>
+              <a:t> </a:t>
+            </a:r>
+            <a:r>
+              <a:rPr lang="en-US" dirty="0" err="1"/>
+              <a:t>viene</a:t>
+            </a:r>
+            <a:r>
+              <a:rPr lang="en-US" dirty="0"/>
+              <a:t> create la mesh. In </a:t>
+            </a:r>
+            <a:r>
+              <a:rPr lang="en-US" dirty="0" err="1"/>
+              <a:t>FreeFem</a:t>
+            </a:r>
+            <a:r>
+              <a:rPr lang="en-US" dirty="0"/>
+              <a:t> </a:t>
+            </a:r>
+            <a:r>
+              <a:rPr lang="en-US" dirty="0" err="1"/>
+              <a:t>questo</a:t>
+            </a:r>
+            <a:r>
+              <a:rPr lang="en-US" dirty="0"/>
+              <a:t> </a:t>
+            </a:r>
+            <a:r>
+              <a:rPr lang="it-IT" dirty="0"/>
+              <a:t>è possibile attraverso le </a:t>
+            </a:r>
+            <a:r>
+              <a:rPr lang="it-IT" i="1" dirty="0"/>
+              <a:t>lable</a:t>
+            </a:r>
+            <a:r>
+              <a:rPr lang="it-IT" dirty="0"/>
+              <a:t>. Con una sola lable è possibile gestire sia il tipo di condizione al contorno che il suo valore.</a:t>
+            </a:r>
+          </a:p>
+          <a:p>
+            <a:pPr marL="168275" algn="just">
+              <a:lnSpc>
+                <a:spcPct val="150000"/>
+              </a:lnSpc>
+              <a:tabLst>
+                <a:tab pos="8740775" algn="l"/>
+              </a:tabLst>
+              <a:defRPr sz="2400"/>
+            </a:pPr>
+            <a:endParaRPr lang="it-IT" dirty="0"/>
+          </a:p>
+          <a:p>
+            <a:pPr marL="168275" algn="just">
+              <a:lnSpc>
+                <a:spcPct val="150000"/>
+              </a:lnSpc>
+              <a:tabLst>
+                <a:tab pos="8740775" algn="l"/>
+              </a:tabLst>
+              <a:defRPr sz="2400"/>
+            </a:pPr>
+            <a:r>
+              <a:rPr lang="it-IT" dirty="0"/>
+              <a:t>Le label da 10 a 19 vengono usate per indicare una condizione al contorno di tipo Neumann</a:t>
+            </a:r>
+          </a:p>
+          <a:p>
+            <a:pPr marL="168275" algn="just">
+              <a:lnSpc>
+                <a:spcPct val="150000"/>
+              </a:lnSpc>
+              <a:tabLst>
+                <a:tab pos="8740775" algn="l"/>
+              </a:tabLst>
+              <a:defRPr sz="2400"/>
+            </a:pPr>
+            <a:endParaRPr lang="it-IT" dirty="0"/>
+          </a:p>
+          <a:p>
+            <a:pPr marL="168275" algn="just">
+              <a:lnSpc>
+                <a:spcPct val="150000"/>
+              </a:lnSpc>
+              <a:tabLst>
+                <a:tab pos="8740775" algn="l"/>
+              </a:tabLst>
+              <a:defRPr sz="2400"/>
+            </a:pPr>
+            <a:r>
+              <a:rPr lang="it-IT" dirty="0"/>
+              <a:t>Le label da 20 a 29 Dirichlet</a:t>
+            </a:r>
+          </a:p>
+          <a:p>
+            <a:pPr marL="168275" algn="just">
+              <a:lnSpc>
+                <a:spcPct val="150000"/>
+              </a:lnSpc>
+              <a:tabLst>
+                <a:tab pos="8740775" algn="l"/>
+              </a:tabLst>
+              <a:defRPr sz="2400"/>
+            </a:pPr>
+            <a:endParaRPr lang="it-IT" dirty="0"/>
+          </a:p>
+          <a:p>
+            <a:pPr marL="168275" algn="just">
+              <a:lnSpc>
+                <a:spcPct val="150000"/>
+              </a:lnSpc>
+              <a:tabLst>
+                <a:tab pos="8740775" algn="l"/>
+              </a:tabLst>
+              <a:defRPr sz="2400"/>
+            </a:pPr>
+            <a:r>
+              <a:rPr lang="it-IT" dirty="0"/>
+              <a:t>La label 30 free drainage.</a:t>
             </a:r>
           </a:p>
         </p:txBody>
@@ -10089,7 +11538,7 @@
           </a:ln>
           <a:extLst>
             <a:ext uri="{C572A759-6A51-4108-AA02-DFA0A04FC94B}">
-              <ma14:wrappingTextBoxFlag xmlns="" xmlns:ma14="http://schemas.microsoft.com/office/mac/drawingml/2011/main" val="1"/>
+              <ma14:wrappingTextBoxFlag xmlns:ma14="http://schemas.microsoft.com/office/mac/drawingml/2011/main" xmlns="" val="1"/>
             </a:ext>
           </a:extLst>
         </p:spPr>
@@ -10152,7 +11601,7 @@
           </a:ln>
           <a:extLst>
             <a:ext uri="{C572A759-6A51-4108-AA02-DFA0A04FC94B}">
-              <ma14:wrappingTextBoxFlag xmlns="" xmlns:ma14="http://schemas.microsoft.com/office/mac/drawingml/2011/main" val="1"/>
+              <ma14:wrappingTextBoxFlag xmlns:ma14="http://schemas.microsoft.com/office/mac/drawingml/2011/main" xmlns="" val="1"/>
             </a:ext>
           </a:extLst>
         </p:spPr>
@@ -10213,7 +11662,7 @@
           </a:ln>
           <a:extLst>
             <a:ext uri="{C572A759-6A51-4108-AA02-DFA0A04FC94B}">
-              <ma14:wrappingTextBoxFlag xmlns="" xmlns:ma14="http://schemas.microsoft.com/office/mac/drawingml/2011/main" val="1"/>
+              <ma14:wrappingTextBoxFlag xmlns:ma14="http://schemas.microsoft.com/office/mac/drawingml/2011/main" xmlns="" val="1"/>
             </a:ext>
           </a:extLst>
         </p:spPr>
@@ -10325,7 +11774,7 @@
           </a:ln>
           <a:extLst>
             <a:ext uri="{C572A759-6A51-4108-AA02-DFA0A04FC94B}">
-              <ma14:wrappingTextBoxFlag xmlns="" xmlns:ma14="http://schemas.microsoft.com/office/mac/drawingml/2011/main" val="1"/>
+              <ma14:wrappingTextBoxFlag xmlns:ma14="http://schemas.microsoft.com/office/mac/drawingml/2011/main" xmlns="" val="1"/>
             </a:ext>
           </a:extLst>
         </p:spPr>
@@ -10388,7 +11837,7 @@
           </a:ln>
           <a:extLst>
             <a:ext uri="{C572A759-6A51-4108-AA02-DFA0A04FC94B}">
-              <ma14:wrappingTextBoxFlag xmlns="" xmlns:ma14="http://schemas.microsoft.com/office/mac/drawingml/2011/main" val="1"/>
+              <ma14:wrappingTextBoxFlag xmlns:ma14="http://schemas.microsoft.com/office/mac/drawingml/2011/main" xmlns="" val="1"/>
             </a:ext>
           </a:extLst>
         </p:spPr>
@@ -10455,7 +11904,7 @@
           </a:ln>
           <a:extLst>
             <a:ext uri="{C572A759-6A51-4108-AA02-DFA0A04FC94B}">
-              <ma14:wrappingTextBoxFlag xmlns="" xmlns:ma14="http://schemas.microsoft.com/office/mac/drawingml/2011/main" val="1"/>
+              <ma14:wrappingTextBoxFlag xmlns:ma14="http://schemas.microsoft.com/office/mac/drawingml/2011/main" xmlns="" val="1"/>
             </a:ext>
           </a:extLst>
         </p:spPr>
@@ -10582,7 +12031,7 @@
           </a:ln>
           <a:extLst>
             <a:ext uri="{C572A759-6A51-4108-AA02-DFA0A04FC94B}">
-              <ma14:wrappingTextBoxFlag xmlns="" xmlns:ma14="http://schemas.microsoft.com/office/mac/drawingml/2011/main" val="1"/>
+              <ma14:wrappingTextBoxFlag xmlns:ma14="http://schemas.microsoft.com/office/mac/drawingml/2011/main" xmlns="" val="1"/>
             </a:ext>
           </a:extLst>
         </p:spPr>
@@ -10645,7 +12094,7 @@
           </a:ln>
           <a:extLst>
             <a:ext uri="{C572A759-6A51-4108-AA02-DFA0A04FC94B}">
-              <ma14:wrappingTextBoxFlag xmlns="" xmlns:ma14="http://schemas.microsoft.com/office/mac/drawingml/2011/main" val="1"/>
+              <ma14:wrappingTextBoxFlag xmlns:ma14="http://schemas.microsoft.com/office/mac/drawingml/2011/main" xmlns="" val="1"/>
             </a:ext>
           </a:extLst>
         </p:spPr>
@@ -10712,7 +12161,7 @@
           </a:ln>
           <a:extLst>
             <a:ext uri="{C572A759-6A51-4108-AA02-DFA0A04FC94B}">
-              <ma14:wrappingTextBoxFlag xmlns="" xmlns:ma14="http://schemas.microsoft.com/office/mac/drawingml/2011/main" val="1"/>
+              <ma14:wrappingTextBoxFlag xmlns:ma14="http://schemas.microsoft.com/office/mac/drawingml/2011/main" xmlns="" val="1"/>
             </a:ext>
           </a:extLst>
         </p:spPr>
@@ -10824,7 +12273,7 @@
           </a:ln>
           <a:extLst>
             <a:ext uri="{C572A759-6A51-4108-AA02-DFA0A04FC94B}">
-              <ma14:wrappingTextBoxFlag xmlns="" xmlns:ma14="http://schemas.microsoft.com/office/mac/drawingml/2011/main" val="1"/>
+              <ma14:wrappingTextBoxFlag xmlns:ma14="http://schemas.microsoft.com/office/mac/drawingml/2011/main" xmlns="" val="1"/>
             </a:ext>
           </a:extLst>
         </p:spPr>
@@ -10891,7 +12340,7 @@
           </a:ln>
           <a:extLst>
             <a:ext uri="{C572A759-6A51-4108-AA02-DFA0A04FC94B}">
-              <ma14:wrappingTextBoxFlag xmlns="" xmlns:ma14="http://schemas.microsoft.com/office/mac/drawingml/2011/main" val="1"/>
+              <ma14:wrappingTextBoxFlag xmlns:ma14="http://schemas.microsoft.com/office/mac/drawingml/2011/main" xmlns="" val="1"/>
             </a:ext>
           </a:extLst>
         </p:spPr>
@@ -10935,41 +12384,6 @@
       </p:sp>
       <p:pic>
         <p:nvPicPr>
-          <p:cNvPr id="3" name="Picture 2" descr="A screenshot of a cell phone&#10;&#10;Description automatically generated">
-            <a:extLst>
-              <a:ext uri="{FF2B5EF4-FFF2-40B4-BE49-F238E27FC236}">
-                <a16:creationId xmlns:a16="http://schemas.microsoft.com/office/drawing/2014/main" id="{E6339A3B-3DBF-443A-882F-3CF3641419BA}"/>
-              </a:ext>
-            </a:extLst>
-          </p:cNvPr>
-          <p:cNvPicPr>
-            <a:picLocks noChangeAspect="1"/>
-          </p:cNvPicPr>
-          <p:nvPr/>
-        </p:nvPicPr>
-        <p:blipFill rotWithShape="1">
-          <a:blip r:embed="rId2">
-            <a:extLst>
-              <a:ext uri="{28A0092B-C50C-407E-A947-70E740481C1C}">
-                <a14:useLocalDpi xmlns:a14="http://schemas.microsoft.com/office/drawing/2010/main" val="0"/>
-              </a:ext>
-            </a:extLst>
-          </a:blip>
-          <a:srcRect l="16722" b="2939"/>
-          <a:stretch/>
-        </p:blipFill>
-        <p:spPr>
-          <a:xfrm>
-            <a:off x="2499687" y="1700329"/>
-            <a:ext cx="4144626" cy="4104854"/>
-          </a:xfrm>
-          <a:prstGeom prst="rect">
-            <a:avLst/>
-          </a:prstGeom>
-        </p:spPr>
-      </p:pic>
-      <p:pic>
-        <p:nvPicPr>
           <p:cNvPr id="6" name="Picture 5" descr="A screenshot of a cell phone&#10;&#10;Description automatically generated">
             <a:extLst>
               <a:ext uri="{FF2B5EF4-FFF2-40B4-BE49-F238E27FC236}">
@@ -10983,7 +12397,7 @@
           <p:nvPr/>
         </p:nvPicPr>
         <p:blipFill>
-          <a:blip r:embed="rId3">
+          <a:blip r:embed="rId2">
             <a:extLst>
               <a:ext uri="{28A0092B-C50C-407E-A947-70E740481C1C}">
                 <a14:useLocalDpi xmlns:a14="http://schemas.microsoft.com/office/drawing/2010/main" val="0"/>
@@ -11029,7 +12443,7 @@
           </a:ln>
           <a:extLst>
             <a:ext uri="{C572A759-6A51-4108-AA02-DFA0A04FC94B}">
-              <ma14:wrappingTextBoxFlag xmlns="" xmlns:ma14="http://schemas.microsoft.com/office/mac/drawingml/2011/main" val="1"/>
+              <ma14:wrappingTextBoxFlag xmlns:ma14="http://schemas.microsoft.com/office/mac/drawingml/2011/main" xmlns="" val="1"/>
             </a:ext>
           </a:extLst>
         </p:spPr>
@@ -11077,7 +12491,7 @@
           </a:ln>
           <a:extLst>
             <a:ext uri="{C572A759-6A51-4108-AA02-DFA0A04FC94B}">
-              <ma14:wrappingTextBoxFlag xmlns="" xmlns:ma14="http://schemas.microsoft.com/office/mac/drawingml/2011/main" val="1"/>
+              <ma14:wrappingTextBoxFlag xmlns:ma14="http://schemas.microsoft.com/office/mac/drawingml/2011/main" xmlns="" val="1"/>
             </a:ext>
           </a:extLst>
         </p:spPr>
@@ -11125,7 +12539,7 @@
           </a:ln>
           <a:extLst>
             <a:ext uri="{C572A759-6A51-4108-AA02-DFA0A04FC94B}">
-              <ma14:wrappingTextBoxFlag xmlns="" xmlns:ma14="http://schemas.microsoft.com/office/mac/drawingml/2011/main" val="1"/>
+              <ma14:wrappingTextBoxFlag xmlns:ma14="http://schemas.microsoft.com/office/mac/drawingml/2011/main" xmlns="" val="1"/>
             </a:ext>
           </a:extLst>
         </p:spPr>
@@ -11173,7 +12587,7 @@
           </a:ln>
           <a:extLst>
             <a:ext uri="{C572A759-6A51-4108-AA02-DFA0A04FC94B}">
-              <ma14:wrappingTextBoxFlag xmlns="" xmlns:ma14="http://schemas.microsoft.com/office/mac/drawingml/2011/main" val="1"/>
+              <ma14:wrappingTextBoxFlag xmlns:ma14="http://schemas.microsoft.com/office/mac/drawingml/2011/main" xmlns="" val="1"/>
             </a:ext>
           </a:extLst>
         </p:spPr>
@@ -11196,6 +12610,36 @@
           </a:p>
         </p:txBody>
       </p:sp>
+      <p:pic>
+        <p:nvPicPr>
+          <p:cNvPr id="2" name="Picture 1">
+            <a:extLst>
+              <a:ext uri="{FF2B5EF4-FFF2-40B4-BE49-F238E27FC236}">
+                <a16:creationId xmlns:a16="http://schemas.microsoft.com/office/drawing/2014/main" id="{8B1EF57D-11F7-4351-9282-B3387673015D}"/>
+              </a:ext>
+            </a:extLst>
+          </p:cNvPr>
+          <p:cNvPicPr>
+            <a:picLocks noChangeAspect="1"/>
+          </p:cNvPicPr>
+          <p:nvPr/>
+        </p:nvPicPr>
+        <p:blipFill>
+          <a:blip r:embed="rId3"/>
+          <a:stretch>
+            <a:fillRect/>
+          </a:stretch>
+        </p:blipFill>
+        <p:spPr>
+          <a:xfrm>
+            <a:off x="2452517" y="1821316"/>
+            <a:ext cx="4171135" cy="4132553"/>
+          </a:xfrm>
+          <a:prstGeom prst="rect">
+            <a:avLst/>
+          </a:prstGeom>
+        </p:spPr>
+      </p:pic>
     </p:spTree>
     <p:extLst>
       <p:ext uri="{BB962C8B-B14F-4D97-AF65-F5344CB8AC3E}">
@@ -11246,7 +12690,7 @@
           </a:ln>
           <a:extLst>
             <a:ext uri="{C572A759-6A51-4108-AA02-DFA0A04FC94B}">
-              <ma14:wrappingTextBoxFlag xmlns="" xmlns:ma14="http://schemas.microsoft.com/office/mac/drawingml/2011/main" val="1"/>
+              <ma14:wrappingTextBoxFlag xmlns:ma14="http://schemas.microsoft.com/office/mac/drawingml/2011/main" xmlns="" val="1"/>
             </a:ext>
           </a:extLst>
         </p:spPr>
@@ -11313,7 +12757,7 @@
           </a:ln>
           <a:extLst>
             <a:ext uri="{C572A759-6A51-4108-AA02-DFA0A04FC94B}">
-              <ma14:wrappingTextBoxFlag xmlns="" xmlns:ma14="http://schemas.microsoft.com/office/mac/drawingml/2011/main" val="1"/>
+              <ma14:wrappingTextBoxFlag xmlns:ma14="http://schemas.microsoft.com/office/mac/drawingml/2011/main" xmlns="" val="1"/>
             </a:ext>
           </a:extLst>
         </p:spPr>
@@ -11357,10 +12801,436 @@
       </p:sp>
       <p:pic>
         <p:nvPicPr>
-          <p:cNvPr id="3" name="Picture 2" descr="A screenshot of a cell phone&#10;&#10;Description automatically generated">
+          <p:cNvPr id="6" name="Picture 5" descr="A screenshot of a cell phone&#10;&#10;Description automatically generated">
             <a:extLst>
               <a:ext uri="{FF2B5EF4-FFF2-40B4-BE49-F238E27FC236}">
-                <a16:creationId xmlns:a16="http://schemas.microsoft.com/office/drawing/2014/main" id="{E6339A3B-3DBF-443A-882F-3CF3641419BA}"/>
+                <a16:creationId xmlns:a16="http://schemas.microsoft.com/office/drawing/2014/main" id="{08941478-ADAA-42CD-9088-6F5DC7A14DD0}"/>
+              </a:ext>
+            </a:extLst>
+          </p:cNvPr>
+          <p:cNvPicPr>
+            <a:picLocks noChangeAspect="1"/>
+          </p:cNvPicPr>
+          <p:nvPr/>
+        </p:nvPicPr>
+        <p:blipFill>
+          <a:blip r:embed="rId2">
+            <a:extLst>
+              <a:ext uri="{28A0092B-C50C-407E-A947-70E740481C1C}">
+                <a14:useLocalDpi xmlns:a14="http://schemas.microsoft.com/office/drawing/2010/main" val="0"/>
+              </a:ext>
+            </a:extLst>
+          </a:blip>
+          <a:stretch>
+            <a:fillRect/>
+          </a:stretch>
+        </p:blipFill>
+        <p:spPr>
+          <a:xfrm>
+            <a:off x="2511993" y="371421"/>
+            <a:ext cx="4315522" cy="903706"/>
+          </a:xfrm>
+          <a:prstGeom prst="rect">
+            <a:avLst/>
+          </a:prstGeom>
+        </p:spPr>
+      </p:pic>
+      <p:sp>
+        <p:nvSpPr>
+          <p:cNvPr id="14" name="TextBox 1 1">
+            <a:extLst>
+              <a:ext uri="{FF2B5EF4-FFF2-40B4-BE49-F238E27FC236}">
+                <a16:creationId xmlns:a16="http://schemas.microsoft.com/office/drawing/2014/main" id="{13A200CC-2440-498E-90B0-F75BD1D4CFBF}"/>
+              </a:ext>
+            </a:extLst>
+          </p:cNvPr>
+          <p:cNvSpPr txBox="1"/>
+          <p:nvPr/>
+        </p:nvSpPr>
+        <p:spPr>
+          <a:xfrm>
+            <a:off x="-1" y="1327766"/>
+            <a:ext cx="8925887" cy="6683048"/>
+          </a:xfrm>
+          <a:prstGeom prst="rect">
+            <a:avLst/>
+          </a:prstGeom>
+          <a:ln w="12700">
+            <a:miter lim="400000"/>
+          </a:ln>
+          <a:extLst>
+            <a:ext uri="{C572A759-6A51-4108-AA02-DFA0A04FC94B}">
+              <ma14:wrappingTextBoxFlag xmlns:ma14="http://schemas.microsoft.com/office/mac/drawingml/2011/main" xmlns="" val="1"/>
+            </a:ext>
+          </a:extLst>
+        </p:spPr>
+        <p:txBody>
+          <a:bodyPr wrap="square" lIns="45719" rIns="45719">
+            <a:spAutoFit/>
+          </a:bodyPr>
+          <a:lstStyle/>
+          <a:p>
+            <a:pPr marL="168275" algn="just">
+              <a:lnSpc>
+                <a:spcPct val="150000"/>
+              </a:lnSpc>
+              <a:tabLst>
+                <a:tab pos="8740775" algn="l"/>
+              </a:tabLst>
+              <a:defRPr sz="2400"/>
+            </a:pPr>
+            <a:r>
+              <a:rPr lang="en-US" dirty="0"/>
+              <a:t>Per </a:t>
+            </a:r>
+            <a:r>
+              <a:rPr lang="en-US" dirty="0" err="1"/>
+              <a:t>definire</a:t>
+            </a:r>
+            <a:r>
+              <a:rPr lang="en-US" dirty="0"/>
+              <a:t> un </a:t>
+            </a:r>
+            <a:r>
+              <a:rPr lang="en-US" dirty="0" err="1"/>
+              <a:t>dominio</a:t>
+            </a:r>
+            <a:r>
+              <a:rPr lang="en-US" dirty="0"/>
+              <a:t> </a:t>
+            </a:r>
+            <a:r>
+              <a:rPr lang="en-US" dirty="0" err="1"/>
+              <a:t>quadrato</a:t>
+            </a:r>
+            <a:r>
+              <a:rPr lang="en-US" dirty="0"/>
+              <a:t> ho </a:t>
+            </a:r>
+            <a:r>
+              <a:rPr lang="en-US" dirty="0" err="1"/>
+              <a:t>bisogno</a:t>
+            </a:r>
+            <a:r>
+              <a:rPr lang="en-US" dirty="0"/>
+              <a:t> di 4 </a:t>
+            </a:r>
+            <a:r>
+              <a:rPr lang="en-US" dirty="0" err="1"/>
+              <a:t>bordi</a:t>
+            </a:r>
+            <a:r>
+              <a:rPr lang="en-US" dirty="0"/>
+              <a:t> bottom, right, top e left.</a:t>
+            </a:r>
+          </a:p>
+          <a:p>
+            <a:pPr marL="168275" algn="just">
+              <a:lnSpc>
+                <a:spcPct val="150000"/>
+              </a:lnSpc>
+              <a:tabLst>
+                <a:tab pos="8740775" algn="l"/>
+              </a:tabLst>
+              <a:defRPr sz="2400"/>
+            </a:pPr>
+            <a:r>
+              <a:rPr lang="en-US" dirty="0"/>
+              <a:t>                        </a:t>
+            </a:r>
+            <a:r>
+              <a:rPr lang="en-US" dirty="0" err="1"/>
+              <a:t>tipo</a:t>
+            </a:r>
+            <a:r>
+              <a:rPr lang="en-US" dirty="0"/>
+              <a:t> </a:t>
+            </a:r>
+            <a:r>
+              <a:rPr lang="en-US" dirty="0" err="1"/>
+              <a:t>della</a:t>
+            </a:r>
+            <a:r>
+              <a:rPr lang="en-US" dirty="0"/>
+              <a:t> </a:t>
+            </a:r>
+            <a:r>
+              <a:rPr lang="en-US" dirty="0" err="1"/>
+              <a:t>variabile</a:t>
+            </a:r>
+            <a:endParaRPr lang="en-US" dirty="0"/>
+          </a:p>
+          <a:p>
+            <a:pPr marL="168275" algn="just">
+              <a:lnSpc>
+                <a:spcPct val="150000"/>
+              </a:lnSpc>
+              <a:tabLst>
+                <a:tab pos="8740775" algn="l"/>
+              </a:tabLst>
+              <a:defRPr sz="2400"/>
+            </a:pPr>
+            <a:r>
+              <a:rPr lang="en-US" dirty="0"/>
+              <a:t>Il </a:t>
+            </a:r>
+            <a:r>
+              <a:rPr lang="en-US" dirty="0" err="1"/>
+              <a:t>bordo</a:t>
+            </a:r>
+            <a:r>
+              <a:rPr lang="en-US" dirty="0"/>
+              <a:t> è </a:t>
+            </a:r>
+            <a:r>
+              <a:rPr lang="en-US" dirty="0" err="1"/>
+              <a:t>definito</a:t>
+            </a:r>
+            <a:r>
+              <a:rPr lang="en-US" dirty="0"/>
+              <a:t> come una </a:t>
+            </a:r>
+            <a:r>
+              <a:rPr lang="en-US" dirty="0" err="1"/>
+              <a:t>curva</a:t>
+            </a:r>
+            <a:r>
+              <a:rPr lang="en-US" dirty="0"/>
+              <a:t> </a:t>
+            </a:r>
+            <a:r>
+              <a:rPr lang="en-US" dirty="0" err="1"/>
+              <a:t>parametrica</a:t>
+            </a:r>
+            <a:r>
+              <a:rPr lang="en-US" dirty="0"/>
+              <a:t> x=x(t), y=y(t). </a:t>
+            </a:r>
+          </a:p>
+          <a:p>
+            <a:pPr marL="168275" algn="just">
+              <a:lnSpc>
+                <a:spcPct val="150000"/>
+              </a:lnSpc>
+              <a:tabLst>
+                <a:tab pos="8740775" algn="l"/>
+              </a:tabLst>
+              <a:defRPr sz="2400"/>
+            </a:pPr>
+            <a:r>
+              <a:rPr lang="en-US" dirty="0"/>
+              <a:t>                        </a:t>
+            </a:r>
+            <a:r>
+              <a:rPr lang="en-US" dirty="0" err="1"/>
+              <a:t>dominio</a:t>
+            </a:r>
+            <a:r>
+              <a:rPr lang="en-US" dirty="0"/>
+              <a:t> del parametron t</a:t>
+            </a:r>
+          </a:p>
+          <a:p>
+            <a:pPr marL="168275" algn="just">
+              <a:lnSpc>
+                <a:spcPct val="150000"/>
+              </a:lnSpc>
+              <a:tabLst>
+                <a:tab pos="8740775" algn="l"/>
+              </a:tabLst>
+              <a:defRPr sz="2400"/>
+            </a:pPr>
+            <a:r>
+              <a:rPr lang="en-US" dirty="0"/>
+              <a:t>                        </a:t>
+            </a:r>
+            <a:r>
+              <a:rPr lang="en-US" dirty="0" err="1"/>
+              <a:t>parametrizzazione</a:t>
+            </a:r>
+            <a:r>
+              <a:rPr lang="en-US" dirty="0"/>
+              <a:t> di x e y</a:t>
+            </a:r>
+          </a:p>
+          <a:p>
+            <a:pPr marL="168275" algn="just">
+              <a:lnSpc>
+                <a:spcPct val="150000"/>
+              </a:lnSpc>
+              <a:tabLst>
+                <a:tab pos="8740775" algn="l"/>
+              </a:tabLst>
+              <a:defRPr sz="2400"/>
+            </a:pPr>
+            <a:r>
+              <a:rPr lang="en-US" dirty="0"/>
+              <a:t>                        label per </a:t>
+            </a:r>
+            <a:r>
+              <a:rPr lang="en-US" dirty="0" err="1"/>
+              <a:t>definire</a:t>
+            </a:r>
+            <a:r>
+              <a:rPr lang="en-US" dirty="0"/>
+              <a:t> la </a:t>
+            </a:r>
+            <a:r>
+              <a:rPr lang="en-US" dirty="0" err="1"/>
+              <a:t>condizione</a:t>
+            </a:r>
+            <a:r>
+              <a:rPr lang="en-US" dirty="0"/>
+              <a:t> al </a:t>
+            </a:r>
+            <a:r>
+              <a:rPr lang="en-US" dirty="0" err="1"/>
+              <a:t>contorno</a:t>
+            </a:r>
+            <a:r>
+              <a:rPr lang="en-US" dirty="0"/>
+              <a:t>.</a:t>
+            </a:r>
+          </a:p>
+          <a:p>
+            <a:pPr marL="168275" algn="just">
+              <a:lnSpc>
+                <a:spcPct val="150000"/>
+              </a:lnSpc>
+              <a:tabLst>
+                <a:tab pos="8740775" algn="l"/>
+              </a:tabLst>
+              <a:defRPr sz="2400"/>
+            </a:pPr>
+            <a:r>
+              <a:rPr lang="en-US" dirty="0"/>
+              <a:t>! </a:t>
+            </a:r>
+            <a:r>
+              <a:rPr lang="en-US" dirty="0" err="1"/>
+              <a:t>Eventuali</a:t>
+            </a:r>
+            <a:r>
+              <a:rPr lang="en-US" dirty="0"/>
+              <a:t> </a:t>
+            </a:r>
+            <a:r>
+              <a:rPr lang="en-US" dirty="0" err="1"/>
+              <a:t>bordi</a:t>
+            </a:r>
+            <a:r>
+              <a:rPr lang="en-US" dirty="0"/>
+              <a:t> </a:t>
+            </a:r>
+            <a:r>
+              <a:rPr lang="en-US" dirty="0" err="1"/>
+              <a:t>interni</a:t>
+            </a:r>
+            <a:r>
+              <a:rPr lang="en-US" dirty="0"/>
+              <a:t> </a:t>
+            </a:r>
+            <a:r>
+              <a:rPr lang="en-US" dirty="0" err="1"/>
+              <a:t>usati</a:t>
+            </a:r>
+            <a:r>
+              <a:rPr lang="en-US" dirty="0"/>
+              <a:t> per </a:t>
+            </a:r>
+            <a:r>
+              <a:rPr lang="en-US" dirty="0" err="1"/>
+              <a:t>definire</a:t>
+            </a:r>
+            <a:r>
+              <a:rPr lang="en-US" dirty="0"/>
+              <a:t> </a:t>
+            </a:r>
+            <a:r>
+              <a:rPr lang="en-US" dirty="0" err="1"/>
+              <a:t>suoli</a:t>
+            </a:r>
+            <a:r>
+              <a:rPr lang="en-US" dirty="0"/>
+              <a:t> </a:t>
+            </a:r>
+            <a:r>
+              <a:rPr lang="en-US" dirty="0" err="1"/>
+              <a:t>diversi</a:t>
+            </a:r>
+            <a:r>
+              <a:rPr lang="en-US" dirty="0"/>
+              <a:t> </a:t>
+            </a:r>
+            <a:r>
+              <a:rPr lang="en-US" dirty="0" err="1"/>
+              <a:t>devono</a:t>
+            </a:r>
+            <a:r>
+              <a:rPr lang="en-US" dirty="0"/>
+              <a:t> </a:t>
+            </a:r>
+            <a:r>
+              <a:rPr lang="en-US" dirty="0" err="1"/>
+              <a:t>avere</a:t>
+            </a:r>
+            <a:r>
+              <a:rPr lang="en-US" dirty="0"/>
+              <a:t> label </a:t>
+            </a:r>
+            <a:r>
+              <a:rPr lang="en-US" dirty="0" err="1"/>
+              <a:t>pari</a:t>
+            </a:r>
+            <a:r>
+              <a:rPr lang="en-US" dirty="0"/>
+              <a:t> a -1</a:t>
+            </a:r>
+          </a:p>
+          <a:p>
+            <a:pPr marL="168275" algn="just">
+              <a:lnSpc>
+                <a:spcPct val="150000"/>
+              </a:lnSpc>
+              <a:tabLst>
+                <a:tab pos="8740775" algn="l"/>
+              </a:tabLst>
+              <a:defRPr sz="2400"/>
+            </a:pPr>
+            <a:endParaRPr lang="en-US" dirty="0"/>
+          </a:p>
+          <a:p>
+            <a:pPr marL="168275" algn="just">
+              <a:lnSpc>
+                <a:spcPct val="150000"/>
+              </a:lnSpc>
+              <a:tabLst>
+                <a:tab pos="8740775" algn="l"/>
+              </a:tabLst>
+              <a:defRPr sz="2400"/>
+            </a:pPr>
+            <a:endParaRPr lang="en-US" dirty="0"/>
+          </a:p>
+          <a:p>
+            <a:pPr marL="168275" algn="just">
+              <a:lnSpc>
+                <a:spcPct val="150000"/>
+              </a:lnSpc>
+              <a:tabLst>
+                <a:tab pos="8740775" algn="l"/>
+              </a:tabLst>
+              <a:defRPr sz="2400"/>
+            </a:pPr>
+            <a:endParaRPr lang="it-IT" dirty="0"/>
+          </a:p>
+        </p:txBody>
+      </p:sp>
+      <p:pic>
+        <p:nvPicPr>
+          <p:cNvPr id="15" name="Picture 14" descr="A screenshot of a cell phone&#10;&#10;Description automatically generated">
+            <a:extLst>
+              <a:ext uri="{FF2B5EF4-FFF2-40B4-BE49-F238E27FC236}">
+                <a16:creationId xmlns:a16="http://schemas.microsoft.com/office/drawing/2014/main" id="{D965C210-B760-4E4E-A4FF-54EF71EFA00E}"/>
               </a:ext>
             </a:extLst>
           </p:cNvPr>
@@ -11377,13 +13247,13 @@
               </a:ext>
             </a:extLst>
           </a:blip>
-          <a:srcRect l="16722" b="2939"/>
+          <a:srcRect r="83009" b="76816"/>
           <a:stretch/>
         </p:blipFill>
         <p:spPr>
           <a:xfrm>
-            <a:off x="2499687" y="1700329"/>
-            <a:ext cx="4144626" cy="4104854"/>
+            <a:off x="682655" y="2709851"/>
+            <a:ext cx="733266" cy="209517"/>
           </a:xfrm>
           <a:prstGeom prst="rect">
             <a:avLst/>
@@ -11392,10 +13262,10 @@
       </p:pic>
       <p:pic>
         <p:nvPicPr>
-          <p:cNvPr id="6" name="Picture 5" descr="A screenshot of a cell phone&#10;&#10;Description automatically generated">
+          <p:cNvPr id="16" name="Picture 15" descr="A screenshot of a cell phone&#10;&#10;Description automatically generated">
             <a:extLst>
               <a:ext uri="{FF2B5EF4-FFF2-40B4-BE49-F238E27FC236}">
-                <a16:creationId xmlns:a16="http://schemas.microsoft.com/office/drawing/2014/main" id="{08941478-ADAA-42CD-9088-6F5DC7A14DD0}"/>
+                <a16:creationId xmlns:a16="http://schemas.microsoft.com/office/drawing/2014/main" id="{58B1ACF1-A23C-48AE-8E4B-077C458A2753}"/>
               </a:ext>
             </a:extLst>
           </p:cNvPr>
@@ -11404,220 +13274,97 @@
           </p:cNvPicPr>
           <p:nvPr/>
         </p:nvPicPr>
-        <p:blipFill>
-          <a:blip r:embed="rId3">
+        <p:blipFill rotWithShape="1">
+          <a:blip r:embed="rId2">
             <a:extLst>
               <a:ext uri="{28A0092B-C50C-407E-A947-70E740481C1C}">
                 <a14:useLocalDpi xmlns:a14="http://schemas.microsoft.com/office/drawing/2010/main" val="0"/>
               </a:ext>
             </a:extLst>
           </a:blip>
-          <a:stretch>
-            <a:fillRect/>
-          </a:stretch>
+          <a:srcRect l="32947" r="51476" b="78363"/>
+          <a:stretch/>
         </p:blipFill>
         <p:spPr>
           <a:xfrm>
-            <a:off x="2511993" y="371421"/>
-            <a:ext cx="4315522" cy="903706"/>
+            <a:off x="682655" y="3815152"/>
+            <a:ext cx="672243" cy="195535"/>
           </a:xfrm>
           <a:prstGeom prst="rect">
             <a:avLst/>
           </a:prstGeom>
         </p:spPr>
       </p:pic>
-      <p:sp>
-        <p:nvSpPr>
-          <p:cNvPr id="10" name="TextBox 1 3">
+      <p:pic>
+        <p:nvPicPr>
+          <p:cNvPr id="17" name="Picture 16" descr="A screenshot of a cell phone&#10;&#10;Description automatically generated">
             <a:extLst>
               <a:ext uri="{FF2B5EF4-FFF2-40B4-BE49-F238E27FC236}">
-                <a16:creationId xmlns:a16="http://schemas.microsoft.com/office/drawing/2014/main" id="{7561553C-A42C-43BE-8981-A7A2A796CA13}"/>
+                <a16:creationId xmlns:a16="http://schemas.microsoft.com/office/drawing/2014/main" id="{993B7399-2CCC-4E50-AA36-3491294392BA}"/>
               </a:ext>
             </a:extLst>
           </p:cNvPr>
-          <p:cNvSpPr txBox="1"/>
+          <p:cNvPicPr>
+            <a:picLocks noChangeAspect="1"/>
+          </p:cNvPicPr>
           <p:nvPr/>
-        </p:nvSpPr>
+        </p:nvPicPr>
+        <p:blipFill rotWithShape="1">
+          <a:blip r:embed="rId2">
+            <a:extLst>
+              <a:ext uri="{28A0092B-C50C-407E-A947-70E740481C1C}">
+                <a14:useLocalDpi xmlns:a14="http://schemas.microsoft.com/office/drawing/2010/main" val="0"/>
+              </a:ext>
+            </a:extLst>
+          </a:blip>
+          <a:srcRect l="49258" t="-1" r="25082" b="79789"/>
+          <a:stretch/>
+        </p:blipFill>
         <p:spPr>
           <a:xfrm>
-            <a:off x="425545" y="2725447"/>
-            <a:ext cx="2086448" cy="589072"/>
+            <a:off x="682655" y="4318608"/>
+            <a:ext cx="1107348" cy="182656"/>
           </a:xfrm>
           <a:prstGeom prst="rect">
             <a:avLst/>
           </a:prstGeom>
-          <a:ln w="12700">
-            <a:miter lim="400000"/>
-          </a:ln>
-          <a:extLst>
-            <a:ext uri="{C572A759-6A51-4108-AA02-DFA0A04FC94B}">
-              <ma14:wrappingTextBoxFlag xmlns="" xmlns:ma14="http://schemas.microsoft.com/office/mac/drawingml/2011/main" val="1"/>
-            </a:ext>
-          </a:extLst>
-        </p:spPr>
-        <p:txBody>
-          <a:bodyPr wrap="square" lIns="45719" rIns="45719">
-            <a:spAutoFit/>
-          </a:bodyPr>
-          <a:lstStyle/>
-          <a:p>
-            <a:pPr>
-              <a:lnSpc>
-                <a:spcPct val="150000"/>
-              </a:lnSpc>
-              <a:defRPr sz="2400"/>
-            </a:pPr>
-            <a:r>
-              <a:rPr lang="en-US" dirty="0"/>
-              <a:t>Neumann (10)</a:t>
-            </a:r>
-          </a:p>
-        </p:txBody>
-      </p:sp>
-      <p:sp>
-        <p:nvSpPr>
-          <p:cNvPr id="11" name="TextBox 1 3">
+        </p:spPr>
+      </p:pic>
+      <p:pic>
+        <p:nvPicPr>
+          <p:cNvPr id="18" name="Picture 17" descr="A screenshot of a cell phone&#10;&#10;Description automatically generated">
             <a:extLst>
               <a:ext uri="{FF2B5EF4-FFF2-40B4-BE49-F238E27FC236}">
-                <a16:creationId xmlns:a16="http://schemas.microsoft.com/office/drawing/2014/main" id="{5589BFC9-8238-4477-81C3-B75E13D76ACA}"/>
+                <a16:creationId xmlns:a16="http://schemas.microsoft.com/office/drawing/2014/main" id="{03120733-3C1D-4352-8F5A-DE575859FDD9}"/>
               </a:ext>
             </a:extLst>
           </p:cNvPr>
-          <p:cNvSpPr txBox="1"/>
+          <p:cNvPicPr>
+            <a:picLocks noChangeAspect="1"/>
+          </p:cNvPicPr>
           <p:nvPr/>
-        </p:nvSpPr>
-        <p:spPr>
-          <a:xfrm>
-            <a:off x="6644312" y="2725447"/>
-            <a:ext cx="2281573" cy="589072"/>
-          </a:xfrm>
-          <a:prstGeom prst="rect">
-            <a:avLst/>
-          </a:prstGeom>
-          <a:ln w="12700">
-            <a:miter lim="400000"/>
-          </a:ln>
-          <a:extLst>
-            <a:ext uri="{C572A759-6A51-4108-AA02-DFA0A04FC94B}">
-              <ma14:wrappingTextBoxFlag xmlns="" xmlns:ma14="http://schemas.microsoft.com/office/mac/drawingml/2011/main" val="1"/>
-            </a:ext>
-          </a:extLst>
-        </p:spPr>
-        <p:txBody>
-          <a:bodyPr wrap="square" lIns="45719" rIns="45719">
-            <a:spAutoFit/>
-          </a:bodyPr>
-          <a:lstStyle/>
-          <a:p>
-            <a:pPr>
-              <a:lnSpc>
-                <a:spcPct val="150000"/>
-              </a:lnSpc>
-              <a:defRPr sz="2400"/>
-            </a:pPr>
-            <a:r>
-              <a:rPr lang="en-US" dirty="0"/>
-              <a:t>Neumann (10)</a:t>
-            </a:r>
-          </a:p>
-        </p:txBody>
-      </p:sp>
-      <p:sp>
-        <p:nvSpPr>
-          <p:cNvPr id="12" name="TextBox 1 3">
+        </p:nvPicPr>
+        <p:blipFill rotWithShape="1">
+          <a:blip r:embed="rId2">
             <a:extLst>
-              <a:ext uri="{FF2B5EF4-FFF2-40B4-BE49-F238E27FC236}">
-                <a16:creationId xmlns:a16="http://schemas.microsoft.com/office/drawing/2014/main" id="{52513F6A-80AE-43F4-9B1C-EF457B762131}"/>
+              <a:ext uri="{28A0092B-C50C-407E-A947-70E740481C1C}">
+                <a14:useLocalDpi xmlns:a14="http://schemas.microsoft.com/office/drawing/2010/main" val="0"/>
               </a:ext>
             </a:extLst>
-          </p:cNvPr>
-          <p:cNvSpPr txBox="1"/>
-          <p:nvPr/>
-        </p:nvSpPr>
+          </a:blip>
+          <a:srcRect l="73556" b="70808"/>
+          <a:stretch/>
+        </p:blipFill>
         <p:spPr>
           <a:xfrm>
-            <a:off x="2986482" y="5762087"/>
-            <a:ext cx="3103206" cy="589072"/>
+            <a:off x="648826" y="4851331"/>
+            <a:ext cx="1141177" cy="263812"/>
           </a:xfrm>
           <a:prstGeom prst="rect">
             <a:avLst/>
           </a:prstGeom>
-          <a:ln w="12700">
-            <a:miter lim="400000"/>
-          </a:ln>
-          <a:extLst>
-            <a:ext uri="{C572A759-6A51-4108-AA02-DFA0A04FC94B}">
-              <ma14:wrappingTextBoxFlag xmlns="" xmlns:ma14="http://schemas.microsoft.com/office/mac/drawingml/2011/main" val="1"/>
-            </a:ext>
-          </a:extLst>
-        </p:spPr>
-        <p:txBody>
-          <a:bodyPr wrap="square" lIns="45719" rIns="45719">
-            <a:spAutoFit/>
-          </a:bodyPr>
-          <a:lstStyle/>
-          <a:p>
-            <a:pPr>
-              <a:lnSpc>
-                <a:spcPct val="150000"/>
-              </a:lnSpc>
-              <a:defRPr sz="2400"/>
-            </a:pPr>
-            <a:r>
-              <a:rPr lang="en-US" dirty="0"/>
-              <a:t>Free drainage (30)</a:t>
-            </a:r>
-          </a:p>
-        </p:txBody>
-      </p:sp>
-      <p:sp>
-        <p:nvSpPr>
-          <p:cNvPr id="13" name="TextBox 1 3">
-            <a:extLst>
-              <a:ext uri="{FF2B5EF4-FFF2-40B4-BE49-F238E27FC236}">
-                <a16:creationId xmlns:a16="http://schemas.microsoft.com/office/drawing/2014/main" id="{C274F919-56F2-4FC1-97CB-F3B7B27A78D1}"/>
-              </a:ext>
-            </a:extLst>
-          </p:cNvPr>
-          <p:cNvSpPr txBox="1"/>
-          <p:nvPr/>
-        </p:nvSpPr>
-        <p:spPr>
-          <a:xfrm>
-            <a:off x="3781722" y="1275127"/>
-            <a:ext cx="2281573" cy="589072"/>
-          </a:xfrm>
-          <a:prstGeom prst="rect">
-            <a:avLst/>
-          </a:prstGeom>
-          <a:ln w="12700">
-            <a:miter lim="400000"/>
-          </a:ln>
-          <a:extLst>
-            <a:ext uri="{C572A759-6A51-4108-AA02-DFA0A04FC94B}">
-              <ma14:wrappingTextBoxFlag xmlns="" xmlns:ma14="http://schemas.microsoft.com/office/mac/drawingml/2011/main" val="1"/>
-            </a:ext>
-          </a:extLst>
-        </p:spPr>
-        <p:txBody>
-          <a:bodyPr wrap="square" lIns="45719" rIns="45719">
-            <a:spAutoFit/>
-          </a:bodyPr>
-          <a:lstStyle/>
-          <a:p>
-            <a:pPr>
-              <a:lnSpc>
-                <a:spcPct val="150000"/>
-              </a:lnSpc>
-              <a:defRPr sz="2400"/>
-            </a:pPr>
-            <a:r>
-              <a:rPr lang="en-US" dirty="0"/>
-              <a:t>Dirichlet (20)</a:t>
-            </a:r>
-          </a:p>
-        </p:txBody>
-      </p:sp>
+        </p:spPr>
+      </p:pic>
     </p:spTree>
     <p:extLst>
       <p:ext uri="{BB962C8B-B14F-4D97-AF65-F5344CB8AC3E}">
@@ -11668,7 +13415,7 @@
           </a:ln>
           <a:extLst>
             <a:ext uri="{C572A759-6A51-4108-AA02-DFA0A04FC94B}">
-              <ma14:wrappingTextBoxFlag xmlns="" xmlns:ma14="http://schemas.microsoft.com/office/mac/drawingml/2011/main" val="1"/>
+              <ma14:wrappingTextBoxFlag xmlns:ma14="http://schemas.microsoft.com/office/mac/drawingml/2011/main" xmlns="" val="1"/>
             </a:ext>
           </a:extLst>
         </p:spPr>
@@ -11705,20 +13452,12 @@
           </a:lstStyle>
           <a:p>
             <a:r>
-              <a:rPr lang="en-US" dirty="0" err="1"/>
-              <a:t>Parametri</a:t>
-            </a:r>
-            <a:r>
-              <a:rPr lang="en-US" dirty="0"/>
-              <a:t> del </a:t>
-            </a:r>
-            <a:r>
-              <a:rPr lang="en-US" dirty="0" err="1"/>
-              <a:t>terreno</a:t>
-            </a:r>
-            <a:r>
-              <a:rPr lang="en-US" dirty="0"/>
-              <a:t> </a:t>
+              <a:rPr lang="en-US" dirty="0"/>
+              <a:t>Boundary Condition - </a:t>
+            </a:r>
+            <a:r>
+              <a:rPr lang="en-US" dirty="0" err="1"/>
+              <a:t>esempio</a:t>
             </a:r>
             <a:endParaRPr dirty="0"/>
           </a:p>
@@ -11743,7 +13482,7 @@
           </a:ln>
           <a:extLst>
             <a:ext uri="{C572A759-6A51-4108-AA02-DFA0A04FC94B}">
-              <ma14:wrappingTextBoxFlag xmlns="" xmlns:ma14="http://schemas.microsoft.com/office/mac/drawingml/2011/main" val="1"/>
+              <ma14:wrappingTextBoxFlag xmlns:ma14="http://schemas.microsoft.com/office/mac/drawingml/2011/main" xmlns="" val="1"/>
             </a:ext>
           </a:extLst>
         </p:spPr>
@@ -11790,7 +13529,7 @@
           <p:cNvPr id="14" name="TextBox 1 1">
             <a:extLst>
               <a:ext uri="{FF2B5EF4-FFF2-40B4-BE49-F238E27FC236}">
-                <a16:creationId xmlns:a16="http://schemas.microsoft.com/office/drawing/2014/main" id="{F83A7AD0-584D-4C15-9099-D72E6985BBD3}"/>
+                <a16:creationId xmlns:a16="http://schemas.microsoft.com/office/drawing/2014/main" id="{13A200CC-2440-498E-90B0-F75BD1D4CFBF}"/>
               </a:ext>
             </a:extLst>
           </p:cNvPr>
@@ -11799,8 +13538,8 @@
         </p:nvSpPr>
         <p:spPr>
           <a:xfrm>
-            <a:off x="-1" y="352597"/>
-            <a:ext cx="8925887" cy="4467057"/>
+            <a:off x="-1" y="1327766"/>
+            <a:ext cx="8925887" cy="6129050"/>
           </a:xfrm>
           <a:prstGeom prst="rect">
             <a:avLst/>
@@ -11810,7 +13549,7 @@
           </a:ln>
           <a:extLst>
             <a:ext uri="{C572A759-6A51-4108-AA02-DFA0A04FC94B}">
-              <ma14:wrappingTextBoxFlag xmlns="" xmlns:ma14="http://schemas.microsoft.com/office/mac/drawingml/2011/main" val="1"/>
+              <ma14:wrappingTextBoxFlag xmlns:ma14="http://schemas.microsoft.com/office/mac/drawingml/2011/main" xmlns="" val="1"/>
             </a:ext>
           </a:extLst>
         </p:spPr>
@@ -11831,19 +13570,11 @@
             </a:pPr>
             <a:r>
               <a:rPr lang="en-US" dirty="0"/>
-              <a:t>Per </a:t>
-            </a:r>
-            <a:r>
-              <a:rPr lang="en-US" dirty="0" err="1"/>
-              <a:t>definire</a:t>
-            </a:r>
-            <a:r>
-              <a:rPr lang="en-US" dirty="0"/>
-              <a:t> tipi di </a:t>
-            </a:r>
-            <a:r>
-              <a:rPr lang="en-US" dirty="0" err="1"/>
-              <a:t>suolo</a:t>
+              <a:t>                        </a:t>
+            </a:r>
+            <a:r>
+              <a:rPr lang="en-US" dirty="0" err="1"/>
+              <a:t>tipo</a:t>
             </a:r>
             <a:r>
               <a:rPr lang="en-US" dirty="0"/>
@@ -11851,15 +13582,7 @@
             </a:r>
             <a:r>
               <a:rPr lang="en-US" dirty="0" err="1"/>
-              <a:t>diversi</a:t>
-            </a:r>
-            <a:r>
-              <a:rPr lang="en-US" dirty="0"/>
-              <a:t> è possible </a:t>
-            </a:r>
-            <a:r>
-              <a:rPr lang="en-US" dirty="0" err="1"/>
-              <a:t>associare</a:t>
+              <a:t>della</a:t>
             </a:r>
             <a:r>
               <a:rPr lang="en-US" dirty="0"/>
@@ -11867,7 +13590,35 @@
             </a:r>
             <a:r>
               <a:rPr lang="en-US" dirty="0" err="1"/>
-              <a:t>agli</a:t>
+              <a:t>variabile</a:t>
+            </a:r>
+            <a:endParaRPr lang="en-US" dirty="0"/>
+          </a:p>
+          <a:p>
+            <a:pPr marL="168275" algn="just">
+              <a:lnSpc>
+                <a:spcPct val="150000"/>
+              </a:lnSpc>
+              <a:tabLst>
+                <a:tab pos="8740775" algn="l"/>
+              </a:tabLst>
+              <a:defRPr sz="2400"/>
+            </a:pPr>
+            <a:r>
+              <a:rPr lang="en-US" dirty="0"/>
+              <a:t>La mesh </a:t>
+            </a:r>
+            <a:r>
+              <a:rPr lang="en-US" dirty="0" err="1"/>
+              <a:t>viene</a:t>
+            </a:r>
+            <a:r>
+              <a:rPr lang="en-US" dirty="0"/>
+              <a:t> create con </a:t>
+            </a:r>
+            <a:r>
+              <a:rPr lang="en-US" dirty="0" err="1"/>
+              <a:t>il</a:t>
             </a:r>
             <a:r>
               <a:rPr lang="en-US" dirty="0"/>
@@ -11875,7 +13626,15 @@
             </a:r>
             <a:r>
               <a:rPr lang="en-US" dirty="0" err="1"/>
-              <a:t>elementi</a:t>
+              <a:t>comando</a:t>
+            </a:r>
+            <a:r>
+              <a:rPr lang="en-US" dirty="0"/>
+              <a:t>                   . In </a:t>
+            </a:r>
+            <a:r>
+              <a:rPr lang="en-US" dirty="0" err="1"/>
+              <a:t>questo</a:t>
             </a:r>
             <a:r>
               <a:rPr lang="en-US" dirty="0"/>
@@ -11883,7 +13642,30 @@
             </a:r>
             <a:r>
               <a:rPr lang="en-US" dirty="0" err="1"/>
-              <a:t>della</a:t>
+              <a:t>caso</a:t>
+            </a:r>
+            <a:r>
+              <a:rPr lang="en-US" dirty="0"/>
+              <a:t>                                                                         </a:t>
+            </a:r>
+          </a:p>
+          <a:p>
+            <a:pPr marL="168275" algn="just">
+              <a:lnSpc>
+                <a:spcPct val="150000"/>
+              </a:lnSpc>
+              <a:tabLst>
+                <a:tab pos="8740775" algn="l"/>
+              </a:tabLst>
+              <a:defRPr sz="2400"/>
+            </a:pPr>
+            <a:r>
+              <a:rPr lang="en-US" dirty="0"/>
+              <a:t>                                                                                         in cui </a:t>
+            </a:r>
+            <a:r>
+              <a:rPr lang="en-US" dirty="0" err="1"/>
+              <a:t>i</a:t>
             </a:r>
             <a:r>
               <a:rPr lang="en-US" dirty="0"/>
@@ -11891,23 +13673,7 @@
             </a:r>
             <a:r>
               <a:rPr lang="en-US" dirty="0" err="1"/>
-              <a:t>griglia</a:t>
-            </a:r>
-            <a:r>
-              <a:rPr lang="en-US" dirty="0"/>
-              <a:t> un label, in modo del </a:t>
-            </a:r>
-            <a:r>
-              <a:rPr lang="en-US" dirty="0" err="1"/>
-              <a:t>tutto</a:t>
-            </a:r>
-            <a:r>
-              <a:rPr lang="en-US" dirty="0"/>
-              <a:t> simile a </a:t>
-            </a:r>
-            <a:r>
-              <a:rPr lang="en-US" dirty="0" err="1"/>
-              <a:t>quanto</a:t>
+              <a:t>bordi</a:t>
             </a:r>
             <a:r>
               <a:rPr lang="en-US" dirty="0"/>
@@ -11915,7 +13681,7 @@
             </a:r>
             <a:r>
               <a:rPr lang="en-US" dirty="0" err="1"/>
-              <a:t>viene</a:t>
+              <a:t>sono</a:t>
             </a:r>
             <a:r>
               <a:rPr lang="en-US" dirty="0"/>
@@ -11923,11 +13689,51 @@
             </a:r>
             <a:r>
               <a:rPr lang="en-US" dirty="0" err="1"/>
-              <a:t>fatto</a:t>
-            </a:r>
-            <a:r>
-              <a:rPr lang="en-US" dirty="0"/>
-              <a:t> per </a:t>
+              <a:t>inseriti</a:t>
+            </a:r>
+            <a:r>
+              <a:rPr lang="en-US" dirty="0"/>
+              <a:t> in </a:t>
+            </a:r>
+            <a:r>
+              <a:rPr lang="en-US" dirty="0" err="1"/>
+              <a:t>senso</a:t>
+            </a:r>
+            <a:r>
+              <a:rPr lang="en-US" dirty="0"/>
+              <a:t> </a:t>
+            </a:r>
+            <a:r>
+              <a:rPr lang="en-US" dirty="0" err="1"/>
+              <a:t>antiorario</a:t>
+            </a:r>
+            <a:r>
+              <a:rPr lang="en-US" dirty="0"/>
+              <a:t>. </a:t>
+            </a:r>
+            <a:r>
+              <a:rPr lang="en-US" dirty="0" err="1"/>
+              <a:t>Scelto</a:t>
+            </a:r>
+            <a:r>
+              <a:rPr lang="en-US" dirty="0"/>
+              <a:t> </a:t>
+            </a:r>
+            <a:r>
+              <a:rPr lang="en-US" dirty="0" err="1"/>
+              <a:t>il</a:t>
+            </a:r>
+            <a:r>
+              <a:rPr lang="en-US" dirty="0"/>
+              <a:t> primo </a:t>
+            </a:r>
+            <a:r>
+              <a:rPr lang="en-US" dirty="0" err="1"/>
+              <a:t>bordo</a:t>
+            </a:r>
+            <a:r>
+              <a:rPr lang="en-US" dirty="0"/>
+              <a:t> </a:t>
             </a:r>
             <a:r>
               <a:rPr lang="en-US" dirty="0" err="1"/>
@@ -11939,35 +13745,201 @@
             </a:r>
             <a:r>
               <a:rPr lang="en-US" dirty="0" err="1"/>
-              <a:t>bordi</a:t>
-            </a:r>
-            <a:r>
-              <a:rPr lang="en-US" dirty="0"/>
-              <a:t> del </a:t>
-            </a:r>
-            <a:r>
-              <a:rPr lang="en-US" dirty="0" err="1"/>
-              <a:t>dominio</a:t>
-            </a:r>
-            <a:r>
-              <a:rPr lang="en-US" dirty="0"/>
-              <a:t> con le </a:t>
-            </a:r>
-            <a:r>
-              <a:rPr lang="en-US" dirty="0" err="1"/>
-              <a:t>condizioni</a:t>
-            </a:r>
-            <a:r>
-              <a:rPr lang="en-US" dirty="0"/>
-              <a:t> al </a:t>
-            </a:r>
-            <a:r>
-              <a:rPr lang="en-US" dirty="0" err="1"/>
-              <a:t>contorno</a:t>
+              <a:t>successivi</a:t>
+            </a:r>
+            <a:r>
+              <a:rPr lang="en-US" dirty="0"/>
+              <a:t> </a:t>
+            </a:r>
+            <a:r>
+              <a:rPr lang="en-US" dirty="0" err="1"/>
+              <a:t>devono</a:t>
+            </a:r>
+            <a:r>
+              <a:rPr lang="en-US" dirty="0"/>
+              <a:t> </a:t>
+            </a:r>
+            <a:r>
+              <a:rPr lang="en-US" dirty="0" err="1"/>
+              <a:t>essere</a:t>
+            </a:r>
+            <a:r>
+              <a:rPr lang="en-US" dirty="0"/>
+              <a:t> </a:t>
+            </a:r>
+            <a:r>
+              <a:rPr lang="en-US" dirty="0" err="1"/>
+              <a:t>inseriti</a:t>
+            </a:r>
+            <a:r>
+              <a:rPr lang="en-US" dirty="0"/>
+              <a:t> in </a:t>
+            </a:r>
+            <a:r>
+              <a:rPr lang="en-US" dirty="0" err="1"/>
+              <a:t>senso</a:t>
+            </a:r>
+            <a:r>
+              <a:rPr lang="en-US" dirty="0"/>
+              <a:t> </a:t>
+            </a:r>
+            <a:r>
+              <a:rPr lang="en-US" dirty="0" err="1"/>
+              <a:t>antiorario</a:t>
             </a:r>
             <a:r>
               <a:rPr lang="en-US" dirty="0"/>
               <a:t>.</a:t>
+            </a:r>
+          </a:p>
+          <a:p>
+            <a:pPr marL="168275" algn="just">
+              <a:lnSpc>
+                <a:spcPct val="150000"/>
+              </a:lnSpc>
+              <a:tabLst>
+                <a:tab pos="8740775" algn="l"/>
+              </a:tabLst>
+              <a:defRPr sz="2400"/>
+            </a:pPr>
+            <a:r>
+              <a:rPr lang="en-US" dirty="0"/>
+              <a:t>                i: </a:t>
+            </a:r>
+            <a:r>
+              <a:rPr lang="en-US" dirty="0" err="1"/>
+              <a:t>il</a:t>
+            </a:r>
+            <a:r>
+              <a:rPr lang="en-US" dirty="0"/>
+              <a:t> </a:t>
+            </a:r>
+            <a:r>
+              <a:rPr lang="en-US" dirty="0" err="1"/>
+              <a:t>numero</a:t>
+            </a:r>
+            <a:r>
+              <a:rPr lang="en-US" dirty="0"/>
+              <a:t> </a:t>
+            </a:r>
+            <a:r>
+              <a:rPr lang="en-US" dirty="0" err="1"/>
+              <a:t>tra</a:t>
+            </a:r>
+            <a:r>
+              <a:rPr lang="en-US" dirty="0"/>
+              <a:t> </a:t>
+            </a:r>
+            <a:r>
+              <a:rPr lang="en-US" dirty="0" err="1"/>
+              <a:t>parentesi</a:t>
+            </a:r>
+            <a:r>
+              <a:rPr lang="en-US" dirty="0"/>
+              <a:t> </a:t>
+            </a:r>
+            <a:r>
+              <a:rPr lang="en-US" dirty="0" err="1"/>
+              <a:t>definisce</a:t>
+            </a:r>
+            <a:r>
+              <a:rPr lang="en-US" dirty="0"/>
+              <a:t> </a:t>
+            </a:r>
+            <a:r>
+              <a:rPr lang="en-US" dirty="0" err="1"/>
+              <a:t>il</a:t>
+            </a:r>
+            <a:r>
+              <a:rPr lang="en-US" dirty="0"/>
+              <a:t> </a:t>
+            </a:r>
+            <a:r>
+              <a:rPr lang="en-US" dirty="0" err="1"/>
+              <a:t>numero</a:t>
+            </a:r>
+            <a:r>
+              <a:rPr lang="en-US" dirty="0"/>
+              <a:t> di </a:t>
+            </a:r>
+            <a:r>
+              <a:rPr lang="en-US" dirty="0" err="1"/>
+              <a:t>punti</a:t>
+            </a:r>
+            <a:r>
+              <a:rPr lang="en-US" dirty="0"/>
+              <a:t> </a:t>
+            </a:r>
+            <a:r>
+              <a:rPr lang="en-US" dirty="0" err="1"/>
+              <a:t>che</a:t>
+            </a:r>
+            <a:r>
+              <a:rPr lang="en-US" dirty="0"/>
+              <a:t> </a:t>
+            </a:r>
+            <a:r>
+              <a:rPr lang="en-US" dirty="0" err="1"/>
+              <a:t>vengono</a:t>
+            </a:r>
+            <a:r>
+              <a:rPr lang="en-US" dirty="0"/>
+              <a:t> </a:t>
+            </a:r>
+            <a:r>
+              <a:rPr lang="en-US" dirty="0" err="1"/>
+              <a:t>creati</a:t>
+            </a:r>
+            <a:r>
+              <a:rPr lang="en-US" dirty="0"/>
+              <a:t> </a:t>
+            </a:r>
+            <a:r>
+              <a:rPr lang="en-US" dirty="0" err="1"/>
+              <a:t>su</a:t>
+            </a:r>
+            <a:r>
+              <a:rPr lang="en-US" dirty="0"/>
+              <a:t> </a:t>
+            </a:r>
+            <a:r>
+              <a:rPr lang="en-US" dirty="0" err="1"/>
+              <a:t>ciascun</a:t>
+            </a:r>
+            <a:r>
+              <a:rPr lang="en-US" dirty="0"/>
+              <a:t> </a:t>
+            </a:r>
+            <a:r>
+              <a:rPr lang="en-US" dirty="0" err="1"/>
+              <a:t>bordo</a:t>
+            </a:r>
+            <a:r>
+              <a:rPr lang="en-US" dirty="0"/>
+              <a:t>.</a:t>
+            </a:r>
+          </a:p>
+          <a:p>
+            <a:pPr marL="168275" algn="just">
+              <a:lnSpc>
+                <a:spcPct val="150000"/>
+              </a:lnSpc>
+              <a:tabLst>
+                <a:tab pos="8740775" algn="l"/>
+              </a:tabLst>
+              <a:defRPr sz="2400"/>
+            </a:pPr>
+            <a:r>
+              <a:rPr lang="en-US" dirty="0"/>
+              <a:t>                    per </a:t>
+            </a:r>
+            <a:r>
+              <a:rPr lang="en-US" dirty="0" err="1"/>
+              <a:t>plottare</a:t>
+            </a:r>
+            <a:r>
+              <a:rPr lang="en-US" dirty="0"/>
+              <a:t> la mesh</a:t>
             </a:r>
           </a:p>
           <a:p>
@@ -11992,138 +13964,7 @@
               </a:tabLst>
               <a:defRPr sz="2400"/>
             </a:pPr>
-            <a:r>
-              <a:rPr lang="en-US" dirty="0"/>
-              <a:t>In </a:t>
-            </a:r>
-            <a:r>
-              <a:rPr lang="en-US" dirty="0" err="1"/>
-              <a:t>questo</a:t>
-            </a:r>
-            <a:r>
-              <a:rPr lang="en-US" dirty="0"/>
-              <a:t> </a:t>
-            </a:r>
-            <a:r>
-              <a:rPr lang="en-US" dirty="0" err="1"/>
-              <a:t>caso</a:t>
-            </a:r>
-            <a:r>
-              <a:rPr lang="en-US" dirty="0"/>
-              <a:t> la </a:t>
-            </a:r>
-            <a:r>
-              <a:rPr lang="en-US" dirty="0" err="1"/>
-              <a:t>definizione</a:t>
-            </a:r>
-            <a:r>
-              <a:rPr lang="en-US" dirty="0"/>
-              <a:t> </a:t>
-            </a:r>
-            <a:r>
-              <a:rPr lang="en-US" dirty="0" err="1"/>
-              <a:t>dei</a:t>
-            </a:r>
-            <a:r>
-              <a:rPr lang="en-US" dirty="0"/>
-              <a:t> label </a:t>
-            </a:r>
-            <a:r>
-              <a:rPr lang="en-US" dirty="0" err="1"/>
-              <a:t>deve</a:t>
-            </a:r>
-            <a:r>
-              <a:rPr lang="en-US" dirty="0"/>
-              <a:t> </a:t>
-            </a:r>
-            <a:r>
-              <a:rPr lang="en-US" dirty="0" err="1"/>
-              <a:t>necessariamente</a:t>
-            </a:r>
-            <a:r>
-              <a:rPr lang="en-US" dirty="0"/>
-              <a:t> </a:t>
-            </a:r>
-            <a:r>
-              <a:rPr lang="en-US" dirty="0" err="1"/>
-              <a:t>iniziare</a:t>
-            </a:r>
-            <a:r>
-              <a:rPr lang="en-US" dirty="0"/>
-              <a:t> da 0 e </a:t>
-            </a:r>
-            <a:r>
-              <a:rPr lang="en-US" dirty="0" err="1"/>
-              <a:t>procedere</a:t>
-            </a:r>
-            <a:r>
-              <a:rPr lang="en-US" dirty="0"/>
-              <a:t> in modo </a:t>
-            </a:r>
-            <a:r>
-              <a:rPr lang="en-US" dirty="0" err="1"/>
-              <a:t>consecutivo</a:t>
-            </a:r>
-            <a:r>
-              <a:rPr lang="en-US" dirty="0"/>
-              <a:t>. Ad </a:t>
-            </a:r>
-            <a:r>
-              <a:rPr lang="en-US" dirty="0" err="1"/>
-              <a:t>esempio</a:t>
-            </a:r>
-            <a:r>
-              <a:rPr lang="en-US" dirty="0"/>
-              <a:t> </a:t>
-            </a:r>
-            <a:r>
-              <a:rPr lang="en-US" dirty="0" err="1"/>
-              <a:t>nel</a:t>
-            </a:r>
-            <a:r>
-              <a:rPr lang="en-US" dirty="0"/>
-              <a:t> </a:t>
-            </a:r>
-            <a:r>
-              <a:rPr lang="en-US" dirty="0" err="1"/>
-              <a:t>caso</a:t>
-            </a:r>
-            <a:r>
-              <a:rPr lang="en-US" dirty="0"/>
-              <a:t> </a:t>
-            </a:r>
-            <a:r>
-              <a:rPr lang="en-US" dirty="0" err="1"/>
-              <a:t>si</a:t>
-            </a:r>
-            <a:r>
-              <a:rPr lang="en-US" dirty="0"/>
-              <a:t> </a:t>
-            </a:r>
-            <a:r>
-              <a:rPr lang="en-US" dirty="0" err="1"/>
-              <a:t>avessero</a:t>
-            </a:r>
-            <a:r>
-              <a:rPr lang="en-US" dirty="0"/>
-              <a:t> </a:t>
-            </a:r>
-            <a:r>
-              <a:rPr lang="en-US" dirty="0" err="1"/>
-              <a:t>tre</a:t>
-            </a:r>
-            <a:r>
-              <a:rPr lang="en-US" dirty="0"/>
-              <a:t> tipi di </a:t>
-            </a:r>
-            <a:r>
-              <a:rPr lang="en-US" dirty="0" err="1"/>
-              <a:t>suolo</a:t>
-            </a:r>
-            <a:r>
-              <a:rPr lang="en-US" dirty="0"/>
-              <a:t>: 0,1,2.</a:t>
-            </a:r>
+            <a:endParaRPr lang="en-US" dirty="0"/>
           </a:p>
           <a:p>
             <a:pPr marL="168275" algn="just">
@@ -12139,10 +13980,185 @@
           </a:p>
         </p:txBody>
       </p:sp>
+      <p:pic>
+        <p:nvPicPr>
+          <p:cNvPr id="2" name="Picture 1">
+            <a:extLst>
+              <a:ext uri="{FF2B5EF4-FFF2-40B4-BE49-F238E27FC236}">
+                <a16:creationId xmlns:a16="http://schemas.microsoft.com/office/drawing/2014/main" id="{127FAD6F-D14A-4803-890E-310628D388A5}"/>
+              </a:ext>
+            </a:extLst>
+          </p:cNvPr>
+          <p:cNvPicPr>
+            <a:picLocks noChangeAspect="1"/>
+          </p:cNvPicPr>
+          <p:nvPr/>
+        </p:nvPicPr>
+        <p:blipFill>
+          <a:blip r:embed="rId2"/>
+          <a:stretch>
+            <a:fillRect/>
+          </a:stretch>
+        </p:blipFill>
+        <p:spPr>
+          <a:xfrm>
+            <a:off x="1049288" y="776164"/>
+            <a:ext cx="7052310" cy="207421"/>
+          </a:xfrm>
+          <a:prstGeom prst="rect">
+            <a:avLst/>
+          </a:prstGeom>
+        </p:spPr>
+      </p:pic>
+      <p:pic>
+        <p:nvPicPr>
+          <p:cNvPr id="11" name="Picture 10">
+            <a:extLst>
+              <a:ext uri="{FF2B5EF4-FFF2-40B4-BE49-F238E27FC236}">
+                <a16:creationId xmlns:a16="http://schemas.microsoft.com/office/drawing/2014/main" id="{17D6C5CF-3C4A-4F0F-8B98-0771A3A1C856}"/>
+              </a:ext>
+            </a:extLst>
+          </p:cNvPr>
+          <p:cNvPicPr>
+            <a:picLocks noChangeAspect="1"/>
+          </p:cNvPicPr>
+          <p:nvPr/>
+        </p:nvPicPr>
+        <p:blipFill rotWithShape="1">
+          <a:blip r:embed="rId2"/>
+          <a:srcRect t="1" r="92146" b="-1011"/>
+          <a:stretch/>
+        </p:blipFill>
+        <p:spPr>
+          <a:xfrm>
+            <a:off x="648826" y="1623298"/>
+            <a:ext cx="553912" cy="209517"/>
+          </a:xfrm>
+          <a:prstGeom prst="rect">
+            <a:avLst/>
+          </a:prstGeom>
+        </p:spPr>
+      </p:pic>
+      <p:pic>
+        <p:nvPicPr>
+          <p:cNvPr id="12" name="Picture 11">
+            <a:extLst>
+              <a:ext uri="{FF2B5EF4-FFF2-40B4-BE49-F238E27FC236}">
+                <a16:creationId xmlns:a16="http://schemas.microsoft.com/office/drawing/2014/main" id="{FD02390F-186C-4472-B47F-D76C3FB31AC9}"/>
+              </a:ext>
+            </a:extLst>
+          </p:cNvPr>
+          <p:cNvPicPr>
+            <a:picLocks noChangeAspect="1"/>
+          </p:cNvPicPr>
+          <p:nvPr/>
+        </p:nvPicPr>
+        <p:blipFill rotWithShape="1">
+          <a:blip r:embed="rId2"/>
+          <a:srcRect l="15267" r="69336" b="-37779"/>
+          <a:stretch/>
+        </p:blipFill>
+        <p:spPr>
+          <a:xfrm>
+            <a:off x="4926330" y="2167819"/>
+            <a:ext cx="1085850" cy="285781"/>
+          </a:xfrm>
+          <a:prstGeom prst="rect">
+            <a:avLst/>
+          </a:prstGeom>
+        </p:spPr>
+      </p:pic>
+      <p:pic>
+        <p:nvPicPr>
+          <p:cNvPr id="13" name="Picture 12">
+            <a:extLst>
+              <a:ext uri="{FF2B5EF4-FFF2-40B4-BE49-F238E27FC236}">
+                <a16:creationId xmlns:a16="http://schemas.microsoft.com/office/drawing/2014/main" id="{25A52CF7-956D-4EF0-9785-5538A09FEF0E}"/>
+              </a:ext>
+            </a:extLst>
+          </p:cNvPr>
+          <p:cNvPicPr>
+            <a:picLocks noChangeAspect="1"/>
+          </p:cNvPicPr>
+          <p:nvPr/>
+        </p:nvPicPr>
+        <p:blipFill rotWithShape="1">
+          <a:blip r:embed="rId2"/>
+          <a:srcRect l="15728" t="-18421"/>
+          <a:stretch/>
+        </p:blipFill>
+        <p:spPr>
+          <a:xfrm>
+            <a:off x="218114" y="2714346"/>
+            <a:ext cx="5943127" cy="245631"/>
+          </a:xfrm>
+          <a:prstGeom prst="rect">
+            <a:avLst/>
+          </a:prstGeom>
+        </p:spPr>
+      </p:pic>
+      <p:pic>
+        <p:nvPicPr>
+          <p:cNvPr id="19" name="Picture 18">
+            <a:extLst>
+              <a:ext uri="{FF2B5EF4-FFF2-40B4-BE49-F238E27FC236}">
+                <a16:creationId xmlns:a16="http://schemas.microsoft.com/office/drawing/2014/main" id="{E85133CF-2C8E-4793-B086-2A2334601917}"/>
+              </a:ext>
+            </a:extLst>
+          </p:cNvPr>
+          <p:cNvPicPr>
+            <a:picLocks noChangeAspect="1"/>
+          </p:cNvPicPr>
+          <p:nvPr/>
+        </p:nvPicPr>
+        <p:blipFill rotWithShape="1">
+          <a:blip r:embed="rId2"/>
+          <a:srcRect l="32895" t="-27186" r="50923" b="8766"/>
+          <a:stretch/>
+        </p:blipFill>
+        <p:spPr>
+          <a:xfrm>
+            <a:off x="218114" y="4281652"/>
+            <a:ext cx="1141177" cy="245631"/>
+          </a:xfrm>
+          <a:prstGeom prst="rect">
+            <a:avLst/>
+          </a:prstGeom>
+        </p:spPr>
+      </p:pic>
+      <p:pic>
+        <p:nvPicPr>
+          <p:cNvPr id="3" name="Picture 2">
+            <a:extLst>
+              <a:ext uri="{FF2B5EF4-FFF2-40B4-BE49-F238E27FC236}">
+                <a16:creationId xmlns:a16="http://schemas.microsoft.com/office/drawing/2014/main" id="{55EAD26E-8387-44D8-8DA4-474F3C5E42D6}"/>
+              </a:ext>
+            </a:extLst>
+          </p:cNvPr>
+          <p:cNvPicPr>
+            <a:picLocks noChangeAspect="1"/>
+          </p:cNvPicPr>
+          <p:nvPr/>
+        </p:nvPicPr>
+        <p:blipFill rotWithShape="1">
+          <a:blip r:embed="rId3"/>
+          <a:srcRect l="6013" t="-18334" r="7453" b="11905"/>
+          <a:stretch/>
+        </p:blipFill>
+        <p:spPr>
+          <a:xfrm>
+            <a:off x="215430" y="5381707"/>
+            <a:ext cx="1050681" cy="245359"/>
+          </a:xfrm>
+          <a:prstGeom prst="rect">
+            <a:avLst/>
+          </a:prstGeom>
+        </p:spPr>
+      </p:pic>
     </p:spTree>
     <p:extLst>
       <p:ext uri="{BB962C8B-B14F-4D97-AF65-F5344CB8AC3E}">
-        <p14:creationId xmlns:p14="http://schemas.microsoft.com/office/powerpoint/2010/main" val="3281729898"/>
+        <p14:creationId xmlns:p14="http://schemas.microsoft.com/office/powerpoint/2010/main" val="3450473047"/>
       </p:ext>
     </p:extLst>
   </p:cSld>
